--- a/el project .pptx
+++ b/el project .pptx
@@ -16,6 +16,9 @@
     <p:sldId id="265" r:id="rId10"/>
     <p:sldId id="266" r:id="rId11"/>
     <p:sldId id="267" r:id="rId12"/>
+    <p:sldId id="268" r:id="rId13"/>
+    <p:sldId id="269" r:id="rId14"/>
+    <p:sldId id="270" r:id="rId15"/>
   </p:sldIdLst>
   <p:sldSz cx="12192000" cy="6858000"/>
   <p:notesSz cx="6858000" cy="9144000"/>
@@ -134,6 +137,9 @@
             <p14:sldId id="265"/>
             <p14:sldId id="266"/>
             <p14:sldId id="267"/>
+            <p14:sldId id="268"/>
+            <p14:sldId id="269"/>
+            <p14:sldId id="270"/>
           </p14:sldIdLst>
         </p14:section>
       </p14:sectionLst>
@@ -939,7 +945,7 @@
 <dgm:dataModel xmlns:dgm="http://schemas.openxmlformats.org/drawingml/2006/diagram" xmlns:a="http://schemas.openxmlformats.org/drawingml/2006/main">
   <dgm:ptLst>
     <dgm:pt modelId="{0239F71F-21DF-48E7-B76D-234F7EA506F6}" type="doc">
-      <dgm:prSet loTypeId="urn:microsoft.com/office/officeart/2005/8/layout/vList2" loCatId="list" qsTypeId="urn:microsoft.com/office/officeart/2005/8/quickstyle/simple1" qsCatId="simple" csTypeId="urn:microsoft.com/office/officeart/2005/8/colors/colorful2" csCatId="colorful"/>
+      <dgm:prSet loTypeId="urn:microsoft.com/office/officeart/2005/8/layout/vList2" loCatId="list" qsTypeId="urn:microsoft.com/office/officeart/2005/8/quickstyle/simple1" qsCatId="simple" csTypeId="urn:microsoft.com/office/officeart/2005/8/colors/colorful2" csCatId="colorful" phldr="1"/>
       <dgm:spPr/>
       <dgm:t>
         <a:bodyPr/>
@@ -994,10 +1000,10 @@
         <a:lstStyle/>
         <a:p>
           <a:r>
-            <a:rPr lang="en-US" b="1"/>
-            <a:t>*Advantages:</a:t>
+            <a:rPr lang="en-US" b="1" dirty="0"/>
+            <a:t>Advantages:</a:t>
           </a:r>
-          <a:endParaRPr lang="en-US"/>
+          <a:endParaRPr lang="en-US" dirty="0"/>
         </a:p>
       </dgm:t>
     </dgm:pt>
@@ -1031,10 +1037,10 @@
         <a:lstStyle/>
         <a:p>
           <a:r>
-            <a:rPr lang="en-US" b="1"/>
+            <a:rPr lang="en-US" b="1" dirty="0"/>
             <a:t>-High accuracy in measurement.</a:t>
           </a:r>
-          <a:endParaRPr lang="en-US"/>
+          <a:endParaRPr lang="en-US" dirty="0"/>
         </a:p>
       </dgm:t>
     </dgm:pt>
@@ -1068,10 +1074,10 @@
         <a:lstStyle/>
         <a:p>
           <a:r>
-            <a:rPr lang="en-US" b="1"/>
+            <a:rPr lang="en-US" b="1" dirty="0"/>
             <a:t>-Easy-to-read digital display.</a:t>
           </a:r>
-          <a:endParaRPr lang="en-US"/>
+          <a:endParaRPr lang="en-US" dirty="0"/>
         </a:p>
       </dgm:t>
     </dgm:pt>
@@ -1105,10 +1111,10 @@
         <a:lstStyle/>
         <a:p>
           <a:r>
-            <a:rPr lang="en-US" b="1"/>
+            <a:rPr lang="en-US" b="1" dirty="0"/>
             <a:t>-Provides additional information, such as energy consumption over different time periods.</a:t>
           </a:r>
-          <a:endParaRPr lang="en-US"/>
+          <a:endParaRPr lang="en-US" dirty="0"/>
         </a:p>
       </dgm:t>
     </dgm:pt>
@@ -1142,10 +1148,10 @@
         <a:lstStyle/>
         <a:p>
           <a:r>
-            <a:rPr lang="en-US" b="1"/>
-            <a:t>*Disadvantages:</a:t>
+            <a:rPr lang="en-US" b="1" dirty="0"/>
+            <a:t>Disadvantages:</a:t>
           </a:r>
-          <a:endParaRPr lang="en-US"/>
+          <a:endParaRPr lang="en-US" dirty="0"/>
         </a:p>
       </dgm:t>
     </dgm:pt>
@@ -1179,10 +1185,10 @@
         <a:lstStyle/>
         <a:p>
           <a:r>
-            <a:rPr lang="en-US" b="1"/>
+            <a:rPr lang="en-US" b="1" dirty="0"/>
             <a:t>-Higher cost than conventional meters.</a:t>
           </a:r>
-          <a:endParaRPr lang="en-US"/>
+          <a:endParaRPr lang="en-US" dirty="0"/>
         </a:p>
       </dgm:t>
     </dgm:pt>
@@ -1216,10 +1222,10 @@
         <a:lstStyle/>
         <a:p>
           <a:r>
-            <a:rPr lang="en-US" b="1"/>
+            <a:rPr lang="en-US" b="1" dirty="0"/>
             <a:t>-Dependent on a power source to operate (for the display).</a:t>
           </a:r>
-          <a:endParaRPr lang="en-US"/>
+          <a:endParaRPr lang="en-US" dirty="0"/>
         </a:p>
       </dgm:t>
     </dgm:pt>
@@ -1253,10 +1259,10 @@
         <a:lstStyle/>
         <a:p>
           <a:r>
-            <a:rPr lang="en-US" b="1"/>
+            <a:rPr lang="en-US" b="1" dirty="0"/>
             <a:t>-May be prone to electronic malfunctions.</a:t>
           </a:r>
-          <a:endParaRPr lang="en-US"/>
+          <a:endParaRPr lang="en-US" dirty="0"/>
         </a:p>
       </dgm:t>
     </dgm:pt>
@@ -1290,10 +1296,10 @@
         <a:lstStyle/>
         <a:p>
           <a:r>
-            <a:rPr lang="en-US" b="1"/>
+            <a:rPr lang="en-US" b="1" dirty="0"/>
             <a:t>3. Smart Meters</a:t>
           </a:r>
-          <a:endParaRPr lang="en-US"/>
+          <a:endParaRPr lang="en-US" dirty="0"/>
         </a:p>
       </dgm:t>
     </dgm:pt>
@@ -1327,10 +1333,10 @@
         <a:lstStyle/>
         <a:p>
           <a:r>
-            <a:rPr lang="en-US" b="1"/>
-            <a:t>*Advantages:</a:t>
+            <a:rPr lang="en-US" b="1" dirty="0"/>
+            <a:t>Advantages:</a:t>
           </a:r>
-          <a:endParaRPr lang="en-US"/>
+          <a:endParaRPr lang="en-US" dirty="0"/>
         </a:p>
       </dgm:t>
     </dgm:pt>
@@ -1364,10 +1370,10 @@
         <a:lstStyle/>
         <a:p>
           <a:r>
-            <a:rPr lang="en-US" b="1"/>
+            <a:rPr lang="en-US" b="1" dirty="0"/>
             <a:t>-Provides real-time data on consumption.</a:t>
           </a:r>
-          <a:endParaRPr lang="en-US"/>
+          <a:endParaRPr lang="en-US" dirty="0"/>
         </a:p>
       </dgm:t>
     </dgm:pt>
@@ -1401,10 +1407,10 @@
         <a:lstStyle/>
         <a:p>
           <a:r>
-            <a:rPr lang="en-US" b="1"/>
+            <a:rPr lang="en-US" b="1" dirty="0"/>
             <a:t>-Enables remote reading, simplifying the billing process.</a:t>
           </a:r>
-          <a:endParaRPr lang="en-US"/>
+          <a:endParaRPr lang="en-US" dirty="0"/>
         </a:p>
       </dgm:t>
     </dgm:pt>
@@ -1438,10 +1444,10 @@
         <a:lstStyle/>
         <a:p>
           <a:r>
-            <a:rPr lang="en-US" b="1"/>
+            <a:rPr lang="en-US" b="1" dirty="0"/>
             <a:t>-Helps manage energy usage and reduce bills.</a:t>
           </a:r>
-          <a:endParaRPr lang="en-US"/>
+          <a:endParaRPr lang="en-US" dirty="0"/>
         </a:p>
       </dgm:t>
     </dgm:pt>
@@ -1475,10 +1481,10 @@
         <a:lstStyle/>
         <a:p>
           <a:r>
-            <a:rPr lang="en-US" b="1"/>
-            <a:t>*Disadvantages:</a:t>
+            <a:rPr lang="en-US" b="1" dirty="0"/>
+            <a:t>Disadvantages:</a:t>
           </a:r>
-          <a:endParaRPr lang="en-US"/>
+          <a:endParaRPr lang="en-US" dirty="0"/>
         </a:p>
       </dgm:t>
     </dgm:pt>
@@ -1512,10 +1518,10 @@
         <a:lstStyle/>
         <a:p>
           <a:r>
-            <a:rPr lang="en-US" b="1"/>
+            <a:rPr lang="en-US" b="1" dirty="0"/>
             <a:t>-Higher initial cost.</a:t>
           </a:r>
-          <a:endParaRPr lang="en-US"/>
+          <a:endParaRPr lang="en-US" dirty="0"/>
         </a:p>
       </dgm:t>
     </dgm:pt>
@@ -1549,10 +1555,10 @@
         <a:lstStyle/>
         <a:p>
           <a:r>
-            <a:rPr lang="en-US" b="1"/>
+            <a:rPr lang="en-US" b="1" dirty="0"/>
             <a:t>-Requires infrastructure for information technology.</a:t>
           </a:r>
-          <a:endParaRPr lang="en-US"/>
+          <a:endParaRPr lang="en-US" dirty="0"/>
         </a:p>
       </dgm:t>
     </dgm:pt>
@@ -1586,10 +1592,10 @@
         <a:lstStyle/>
         <a:p>
           <a:r>
-            <a:rPr lang="en-US" b="1"/>
+            <a:rPr lang="en-US" b="1" dirty="0"/>
             <a:t>-Concerns regarding privacy and data security.</a:t>
           </a:r>
-          <a:endParaRPr lang="en-US"/>
+          <a:endParaRPr lang="en-US" dirty="0"/>
         </a:p>
       </dgm:t>
     </dgm:pt>
@@ -1623,13 +1629,6 @@
         </dgm:presLayoutVars>
       </dgm:prSet>
       <dgm:spPr/>
-      <dgm:t>
-        <a:bodyPr/>
-        <a:lstStyle/>
-        <a:p>
-          <a:endParaRPr lang="en-US"/>
-        </a:p>
-      </dgm:t>
     </dgm:pt>
     <dgm:pt modelId="{8BEB2A00-FD98-4354-8DAA-82951EC123F7}" type="pres">
       <dgm:prSet presAssocID="{549B75C9-53A6-45E7-974C-52CE398CFB19}" presName="parentText" presStyleLbl="node1" presStyleIdx="0" presStyleCnt="6">
@@ -1639,13 +1638,6 @@
         </dgm:presLayoutVars>
       </dgm:prSet>
       <dgm:spPr/>
-      <dgm:t>
-        <a:bodyPr/>
-        <a:lstStyle/>
-        <a:p>
-          <a:endParaRPr lang="en-US"/>
-        </a:p>
-      </dgm:t>
     </dgm:pt>
     <dgm:pt modelId="{58FD32B3-0254-4722-99BF-1DB5B1D2D008}" type="pres">
       <dgm:prSet presAssocID="{8C336ABA-4331-437B-96EF-31F8DCF635CB}" presName="spacer" presStyleCnt="0"/>
@@ -1659,13 +1651,6 @@
         </dgm:presLayoutVars>
       </dgm:prSet>
       <dgm:spPr/>
-      <dgm:t>
-        <a:bodyPr/>
-        <a:lstStyle/>
-        <a:p>
-          <a:endParaRPr lang="en-US"/>
-        </a:p>
-      </dgm:t>
     </dgm:pt>
     <dgm:pt modelId="{569C8E1F-F23D-4672-BD9E-4DB7C6C148B1}" type="pres">
       <dgm:prSet presAssocID="{9342ADA5-8A7B-41D1-94B0-243EB2DCAE96}" presName="childText" presStyleLbl="revTx" presStyleIdx="0" presStyleCnt="4">
@@ -1674,13 +1659,6 @@
         </dgm:presLayoutVars>
       </dgm:prSet>
       <dgm:spPr/>
-      <dgm:t>
-        <a:bodyPr/>
-        <a:lstStyle/>
-        <a:p>
-          <a:endParaRPr lang="en-US"/>
-        </a:p>
-      </dgm:t>
     </dgm:pt>
     <dgm:pt modelId="{8C585FD7-E806-48FF-B83E-1EEBAB0AB40F}" type="pres">
       <dgm:prSet presAssocID="{E9EE4146-7D90-4215-8FC4-40655910E446}" presName="parentText" presStyleLbl="node1" presStyleIdx="2" presStyleCnt="6">
@@ -1690,13 +1668,6 @@
         </dgm:presLayoutVars>
       </dgm:prSet>
       <dgm:spPr/>
-      <dgm:t>
-        <a:bodyPr/>
-        <a:lstStyle/>
-        <a:p>
-          <a:endParaRPr lang="en-US"/>
-        </a:p>
-      </dgm:t>
     </dgm:pt>
     <dgm:pt modelId="{B10E6B83-44AD-4AF0-A750-4556316D8185}" type="pres">
       <dgm:prSet presAssocID="{E9EE4146-7D90-4215-8FC4-40655910E446}" presName="childText" presStyleLbl="revTx" presStyleIdx="1" presStyleCnt="4">
@@ -1705,13 +1676,6 @@
         </dgm:presLayoutVars>
       </dgm:prSet>
       <dgm:spPr/>
-      <dgm:t>
-        <a:bodyPr/>
-        <a:lstStyle/>
-        <a:p>
-          <a:endParaRPr lang="en-US"/>
-        </a:p>
-      </dgm:t>
     </dgm:pt>
     <dgm:pt modelId="{D36F94E7-10CD-4898-B980-6DFB7006EF04}" type="pres">
       <dgm:prSet presAssocID="{C15B225E-39D9-4A68-9BE1-DC95E9BCD2C5}" presName="parentText" presStyleLbl="node1" presStyleIdx="3" presStyleCnt="6">
@@ -1721,13 +1685,6 @@
         </dgm:presLayoutVars>
       </dgm:prSet>
       <dgm:spPr/>
-      <dgm:t>
-        <a:bodyPr/>
-        <a:lstStyle/>
-        <a:p>
-          <a:endParaRPr lang="en-US"/>
-        </a:p>
-      </dgm:t>
     </dgm:pt>
     <dgm:pt modelId="{5487389C-EB9C-4476-A0EC-7EB4A8FE0485}" type="pres">
       <dgm:prSet presAssocID="{72F46982-136F-4DF0-B577-1E38D261A42D}" presName="spacer" presStyleCnt="0"/>
@@ -1741,13 +1698,6 @@
         </dgm:presLayoutVars>
       </dgm:prSet>
       <dgm:spPr/>
-      <dgm:t>
-        <a:bodyPr/>
-        <a:lstStyle/>
-        <a:p>
-          <a:endParaRPr lang="en-US"/>
-        </a:p>
-      </dgm:t>
     </dgm:pt>
     <dgm:pt modelId="{3BC56E0B-086A-4BB6-9D2A-ECA2C04843A7}" type="pres">
       <dgm:prSet presAssocID="{117BF4B3-6B7A-417A-9C10-083AEE9616A1}" presName="childText" presStyleLbl="revTx" presStyleIdx="2" presStyleCnt="4">
@@ -1756,13 +1706,6 @@
         </dgm:presLayoutVars>
       </dgm:prSet>
       <dgm:spPr/>
-      <dgm:t>
-        <a:bodyPr/>
-        <a:lstStyle/>
-        <a:p>
-          <a:endParaRPr lang="en-US"/>
-        </a:p>
-      </dgm:t>
     </dgm:pt>
     <dgm:pt modelId="{59F117F1-0952-46D8-80F3-49DA1824E556}" type="pres">
       <dgm:prSet presAssocID="{71AF1CB9-4B57-44F5-BB7C-BF6055C24D2E}" presName="parentText" presStyleLbl="node1" presStyleIdx="5" presStyleCnt="6">
@@ -1772,13 +1715,6 @@
         </dgm:presLayoutVars>
       </dgm:prSet>
       <dgm:spPr/>
-      <dgm:t>
-        <a:bodyPr/>
-        <a:lstStyle/>
-        <a:p>
-          <a:endParaRPr lang="en-US"/>
-        </a:p>
-      </dgm:t>
     </dgm:pt>
     <dgm:pt modelId="{8F973AD2-A175-4416-867F-04A774CDBE0C}" type="pres">
       <dgm:prSet presAssocID="{71AF1CB9-4B57-44F5-BB7C-BF6055C24D2E}" presName="childText" presStyleLbl="revTx" presStyleIdx="3" presStyleCnt="4">
@@ -1787,53 +1723,46 @@
         </dgm:presLayoutVars>
       </dgm:prSet>
       <dgm:spPr/>
-      <dgm:t>
-        <a:bodyPr/>
-        <a:lstStyle/>
-        <a:p>
-          <a:endParaRPr lang="en-US"/>
-        </a:p>
-      </dgm:t>
     </dgm:pt>
   </dgm:ptLst>
   <dgm:cxnLst>
+    <dgm:cxn modelId="{DED31203-925C-4B8C-A9CB-748398FE089A}" type="presOf" srcId="{EB6A0DA1-0599-4DB6-AE9A-1CAFE9F3D656}" destId="{B10E6B83-44AD-4AF0-A750-4556316D8185}" srcOrd="0" destOrd="2" presId="urn:microsoft.com/office/officeart/2005/8/layout/vList2"/>
+    <dgm:cxn modelId="{4724B805-18D9-4BAB-991B-A8771D789799}" type="presOf" srcId="{9FE015E1-7EE4-4A50-A54C-2BD879CE9D6B}" destId="{8F973AD2-A175-4416-867F-04A774CDBE0C}" srcOrd="0" destOrd="1" presId="urn:microsoft.com/office/officeart/2005/8/layout/vList2"/>
+    <dgm:cxn modelId="{F8BF0A07-E4E1-45F4-A903-D540F4CDFD6E}" type="presOf" srcId="{980F00AB-8834-4A0E-82BD-4F0855A42AB5}" destId="{8F973AD2-A175-4416-867F-04A774CDBE0C}" srcOrd="0" destOrd="0" presId="urn:microsoft.com/office/officeart/2005/8/layout/vList2"/>
+    <dgm:cxn modelId="{F405EF11-C7AE-4D88-ACEF-CE706DE735D5}" type="presOf" srcId="{9342ADA5-8A7B-41D1-94B0-243EB2DCAE96}" destId="{3509AE8C-DB38-4758-9779-253DD5ED381E}" srcOrd="0" destOrd="0" presId="urn:microsoft.com/office/officeart/2005/8/layout/vList2"/>
+    <dgm:cxn modelId="{0740AC23-0485-4972-B264-B1DAE2CC5627}" srcId="{0239F71F-21DF-48E7-B76D-234F7EA506F6}" destId="{549B75C9-53A6-45E7-974C-52CE398CFB19}" srcOrd="0" destOrd="0" parTransId="{E40D711D-2953-4C91-B540-C14AB5582467}" sibTransId="{8C336ABA-4331-437B-96EF-31F8DCF635CB}"/>
+    <dgm:cxn modelId="{B1740C35-0E01-4EC3-9328-CD563247DAAF}" srcId="{E9EE4146-7D90-4215-8FC4-40655910E446}" destId="{EB6A0DA1-0599-4DB6-AE9A-1CAFE9F3D656}" srcOrd="2" destOrd="0" parTransId="{8E736680-12FB-4FCC-8C0C-9480CE3E9E6A}" sibTransId="{B813221F-5331-46DF-A0D3-5D08665691C2}"/>
+    <dgm:cxn modelId="{AF894B36-02DB-464C-9C26-FEA62134A2FE}" srcId="{71AF1CB9-4B57-44F5-BB7C-BF6055C24D2E}" destId="{9FE015E1-7EE4-4A50-A54C-2BD879CE9D6B}" srcOrd="1" destOrd="0" parTransId="{3CCAF153-5F81-4047-81AD-8F5E266AA5AC}" sibTransId="{A4FBEC9F-F0DB-43CF-A1A3-EC7A56EF7844}"/>
+    <dgm:cxn modelId="{C4463641-F387-4AD4-9B02-B9A0D8A284A8}" srcId="{117BF4B3-6B7A-417A-9C10-083AEE9616A1}" destId="{CA860964-DB1F-4C91-8770-803BF588186B}" srcOrd="0" destOrd="0" parTransId="{99C4FAD0-B620-416B-86E7-81E4374A11D2}" sibTransId="{361DEAAE-7B22-46FE-9DEE-A803D76211FF}"/>
+    <dgm:cxn modelId="{22DEF467-E10D-4CB0-B7E0-A2DA52549005}" type="presOf" srcId="{549B75C9-53A6-45E7-974C-52CE398CFB19}" destId="{8BEB2A00-FD98-4354-8DAA-82951EC123F7}" srcOrd="0" destOrd="0" presId="urn:microsoft.com/office/officeart/2005/8/layout/vList2"/>
+    <dgm:cxn modelId="{EA63095A-358A-4FEE-87C2-124870E18DA0}" srcId="{0239F71F-21DF-48E7-B76D-234F7EA506F6}" destId="{E9EE4146-7D90-4215-8FC4-40655910E446}" srcOrd="2" destOrd="0" parTransId="{8E7E99FB-5D69-42FA-96F1-8989BE01B0EE}" sibTransId="{6F5043EF-F64E-46A1-8F20-494726634046}"/>
+    <dgm:cxn modelId="{5C6C8E7B-D478-4A28-925D-8A081EF47D92}" type="presOf" srcId="{0239F71F-21DF-48E7-B76D-234F7EA506F6}" destId="{898E4058-F0BB-43AE-B66C-1F2E36CB475C}" srcOrd="0" destOrd="0" presId="urn:microsoft.com/office/officeart/2005/8/layout/vList2"/>
+    <dgm:cxn modelId="{05F7CF7D-B46A-4AA5-886A-A785E36EFC5A}" type="presOf" srcId="{8E4EE7E3-9A2D-4892-86F8-C6396AFB9ABF}" destId="{3BC56E0B-086A-4BB6-9D2A-ECA2C04843A7}" srcOrd="0" destOrd="1" presId="urn:microsoft.com/office/officeart/2005/8/layout/vList2"/>
+    <dgm:cxn modelId="{1ECC8F80-9978-49BF-803A-7CB3F9BC4B9B}" srcId="{71AF1CB9-4B57-44F5-BB7C-BF6055C24D2E}" destId="{45EC2406-ABED-41F9-93EF-8148D8963408}" srcOrd="2" destOrd="0" parTransId="{326F8F99-28B1-41CC-B069-F4674F4D5E38}" sibTransId="{F501A87D-CBED-41B1-A91A-86858BAA8F01}"/>
+    <dgm:cxn modelId="{042C1A84-60AB-486E-852F-1E0861D26A8A}" type="presOf" srcId="{E9E57DD5-14B5-4B2F-A976-AAF24C8B783A}" destId="{B10E6B83-44AD-4AF0-A750-4556316D8185}" srcOrd="0" destOrd="1" presId="urn:microsoft.com/office/officeart/2005/8/layout/vList2"/>
+    <dgm:cxn modelId="{44D2BC92-F0D8-4637-9E9B-A5F3FC36B607}" srcId="{0239F71F-21DF-48E7-B76D-234F7EA506F6}" destId="{C15B225E-39D9-4A68-9BE1-DC95E9BCD2C5}" srcOrd="3" destOrd="0" parTransId="{373D7CE8-AE6F-48BE-A6E0-2465A3B0BEE4}" sibTransId="{72F46982-136F-4DF0-B577-1E38D261A42D}"/>
+    <dgm:cxn modelId="{4398B396-8435-4F71-A6CD-013C4CD7004A}" srcId="{E9EE4146-7D90-4215-8FC4-40655910E446}" destId="{E9E57DD5-14B5-4B2F-A976-AAF24C8B783A}" srcOrd="1" destOrd="0" parTransId="{97D47ABE-D0B7-4D49-987F-3F41067AF776}" sibTransId="{81B6FB8B-89DA-46EB-87C9-BBE40A9B4D04}"/>
+    <dgm:cxn modelId="{58C51B98-C1D1-4FC4-ABA7-149016DB858F}" srcId="{0239F71F-21DF-48E7-B76D-234F7EA506F6}" destId="{9342ADA5-8A7B-41D1-94B0-243EB2DCAE96}" srcOrd="1" destOrd="0" parTransId="{4592430A-6168-45D7-9629-D0337B20B099}" sibTransId="{A02C495C-1C37-47E4-87F4-FBA427D8F12B}"/>
+    <dgm:cxn modelId="{A2348199-FB3A-400A-B4D1-CAADEA34D637}" type="presOf" srcId="{E9EE4146-7D90-4215-8FC4-40655910E446}" destId="{8C585FD7-E806-48FF-B83E-1EEBAB0AB40F}" srcOrd="0" destOrd="0" presId="urn:microsoft.com/office/officeart/2005/8/layout/vList2"/>
+    <dgm:cxn modelId="{6644DE9E-060A-4099-8FDE-FB4D252C500A}" srcId="{0239F71F-21DF-48E7-B76D-234F7EA506F6}" destId="{71AF1CB9-4B57-44F5-BB7C-BF6055C24D2E}" srcOrd="5" destOrd="0" parTransId="{DBAB1929-B74C-4D58-BFEF-072605AC83EB}" sibTransId="{57837E3F-DF02-4F4C-9A8D-0B50FA912399}"/>
+    <dgm:cxn modelId="{B2FEC69F-9777-442C-9904-D1778B8314E1}" srcId="{9342ADA5-8A7B-41D1-94B0-243EB2DCAE96}" destId="{C5C32F23-5C6D-4A3D-ACC2-6A53435B43D4}" srcOrd="0" destOrd="0" parTransId="{D2510573-5835-4DE6-97CA-C028F7EDDF43}" sibTransId="{FC16429A-FD36-4B81-92B1-25C7C143687C}"/>
+    <dgm:cxn modelId="{4C48AAA1-AD08-4129-9EFB-57DA615C569C}" type="presOf" srcId="{71AF1CB9-4B57-44F5-BB7C-BF6055C24D2E}" destId="{59F117F1-0952-46D8-80F3-49DA1824E556}" srcOrd="0" destOrd="0" presId="urn:microsoft.com/office/officeart/2005/8/layout/vList2"/>
+    <dgm:cxn modelId="{8BFF38A3-CB22-43A2-BA7B-B45AC39CBCE4}" type="presOf" srcId="{C15B225E-39D9-4A68-9BE1-DC95E9BCD2C5}" destId="{D36F94E7-10CD-4898-B980-6DFB7006EF04}" srcOrd="0" destOrd="0" presId="urn:microsoft.com/office/officeart/2005/8/layout/vList2"/>
+    <dgm:cxn modelId="{45CEB4AC-3457-44FE-A938-55C4DD39A960}" type="presOf" srcId="{1A925FE4-A52B-4E1E-8312-7079E672B834}" destId="{569C8E1F-F23D-4672-BD9E-4DB7C6C148B1}" srcOrd="0" destOrd="1" presId="urn:microsoft.com/office/officeart/2005/8/layout/vList2"/>
+    <dgm:cxn modelId="{2385DAB4-ECFF-48CA-ACC6-786876864580}" type="presOf" srcId="{CA860964-DB1F-4C91-8770-803BF588186B}" destId="{3BC56E0B-086A-4BB6-9D2A-ECA2C04843A7}" srcOrd="0" destOrd="0" presId="urn:microsoft.com/office/officeart/2005/8/layout/vList2"/>
+    <dgm:cxn modelId="{83FAA9BC-6AAF-4EBC-853F-9B0C56455FB5}" type="presOf" srcId="{CFF0ABEB-A088-4E91-9D5D-DA853AFB9534}" destId="{3BC56E0B-086A-4BB6-9D2A-ECA2C04843A7}" srcOrd="0" destOrd="2" presId="urn:microsoft.com/office/officeart/2005/8/layout/vList2"/>
+    <dgm:cxn modelId="{D5BFA2C2-7500-406C-AA30-30770010E478}" type="presOf" srcId="{45EC2406-ABED-41F9-93EF-8148D8963408}" destId="{8F973AD2-A175-4416-867F-04A774CDBE0C}" srcOrd="0" destOrd="2" presId="urn:microsoft.com/office/officeart/2005/8/layout/vList2"/>
+    <dgm:cxn modelId="{1F21CCC4-5511-46A5-8F45-BB60604BA4CE}" srcId="{117BF4B3-6B7A-417A-9C10-083AEE9616A1}" destId="{CFF0ABEB-A088-4E91-9D5D-DA853AFB9534}" srcOrd="2" destOrd="0" parTransId="{35AE70FF-D772-4F48-81F7-A8934A4F2943}" sibTransId="{6C6D00B1-3A8A-46EC-9DFD-0F4A8CACA58C}"/>
+    <dgm:cxn modelId="{0E00AED0-A00E-4D23-BF20-23180F91A2F7}" srcId="{117BF4B3-6B7A-417A-9C10-083AEE9616A1}" destId="{8E4EE7E3-9A2D-4892-86F8-C6396AFB9ABF}" srcOrd="1" destOrd="0" parTransId="{451AE062-B40D-4A06-B58E-D8B3258EE30B}" sibTransId="{43408074-644F-436A-9AF7-15019C7BBB2D}"/>
+    <dgm:cxn modelId="{1730EAD0-2368-4ABD-A769-5F9B070338E7}" srcId="{9342ADA5-8A7B-41D1-94B0-243EB2DCAE96}" destId="{F29D5036-06E6-41A3-8FAA-A93EFF23B69E}" srcOrd="2" destOrd="0" parTransId="{9CB16A3F-EB38-44DB-B776-EEB04BC27D7B}" sibTransId="{83424D97-533B-4BDB-8891-3B149C1ACF40}"/>
+    <dgm:cxn modelId="{08AED4D1-75AE-4F29-83B4-A50911EC8077}" srcId="{E9EE4146-7D90-4215-8FC4-40655910E446}" destId="{6F8071BD-1A5B-433F-B4D1-507B771E3952}" srcOrd="0" destOrd="0" parTransId="{9698F443-0126-4A4A-A399-198DB5F496C0}" sibTransId="{BC3E97DB-5FF2-47E5-8385-CFDD66E82438}"/>
+    <dgm:cxn modelId="{F80798DF-9D28-45D1-BDE3-0C6FA5F74261}" srcId="{71AF1CB9-4B57-44F5-BB7C-BF6055C24D2E}" destId="{980F00AB-8834-4A0E-82BD-4F0855A42AB5}" srcOrd="0" destOrd="0" parTransId="{6B9B3FAF-1C35-421B-9E43-AA283F8EBE1E}" sibTransId="{0BA34D9C-BB83-46FB-B65F-CDA7E32A804E}"/>
     <dgm:cxn modelId="{3D6ABDE5-214E-4532-823F-DD3C218DE78E}" type="presOf" srcId="{117BF4B3-6B7A-417A-9C10-083AEE9616A1}" destId="{77F14AAE-FE3D-4299-BC4B-5B56173D26C1}" srcOrd="0" destOrd="0" presId="urn:microsoft.com/office/officeart/2005/8/layout/vList2"/>
     <dgm:cxn modelId="{AEAA8DE9-70F9-455B-B173-BB92B6E83481}" type="presOf" srcId="{6F8071BD-1A5B-433F-B4D1-507B771E3952}" destId="{B10E6B83-44AD-4AF0-A750-4556316D8185}" srcOrd="0" destOrd="0" presId="urn:microsoft.com/office/officeart/2005/8/layout/vList2"/>
-    <dgm:cxn modelId="{1F21CCC4-5511-46A5-8F45-BB60604BA4CE}" srcId="{117BF4B3-6B7A-417A-9C10-083AEE9616A1}" destId="{CFF0ABEB-A088-4E91-9D5D-DA853AFB9534}" srcOrd="2" destOrd="0" parTransId="{35AE70FF-D772-4F48-81F7-A8934A4F2943}" sibTransId="{6C6D00B1-3A8A-46EC-9DFD-0F4A8CACA58C}"/>
-    <dgm:cxn modelId="{4724B805-18D9-4BAB-991B-A8771D789799}" type="presOf" srcId="{9FE015E1-7EE4-4A50-A54C-2BD879CE9D6B}" destId="{8F973AD2-A175-4416-867F-04A774CDBE0C}" srcOrd="0" destOrd="1" presId="urn:microsoft.com/office/officeart/2005/8/layout/vList2"/>
-    <dgm:cxn modelId="{EA63095A-358A-4FEE-87C2-124870E18DA0}" srcId="{0239F71F-21DF-48E7-B76D-234F7EA506F6}" destId="{E9EE4146-7D90-4215-8FC4-40655910E446}" srcOrd="2" destOrd="0" parTransId="{8E7E99FB-5D69-42FA-96F1-8989BE01B0EE}" sibTransId="{6F5043EF-F64E-46A1-8F20-494726634046}"/>
-    <dgm:cxn modelId="{F80798DF-9D28-45D1-BDE3-0C6FA5F74261}" srcId="{71AF1CB9-4B57-44F5-BB7C-BF6055C24D2E}" destId="{980F00AB-8834-4A0E-82BD-4F0855A42AB5}" srcOrd="0" destOrd="0" parTransId="{6B9B3FAF-1C35-421B-9E43-AA283F8EBE1E}" sibTransId="{0BA34D9C-BB83-46FB-B65F-CDA7E32A804E}"/>
-    <dgm:cxn modelId="{0740AC23-0485-4972-B264-B1DAE2CC5627}" srcId="{0239F71F-21DF-48E7-B76D-234F7EA506F6}" destId="{549B75C9-53A6-45E7-974C-52CE398CFB19}" srcOrd="0" destOrd="0" parTransId="{E40D711D-2953-4C91-B540-C14AB5582467}" sibTransId="{8C336ABA-4331-437B-96EF-31F8DCF635CB}"/>
+    <dgm:cxn modelId="{CBF9EDED-AE42-4DBA-971B-872824974BAB}" srcId="{0239F71F-21DF-48E7-B76D-234F7EA506F6}" destId="{117BF4B3-6B7A-417A-9C10-083AEE9616A1}" srcOrd="4" destOrd="0" parTransId="{A6F51BA3-E463-448C-B927-3D3BEA48FCF5}" sibTransId="{EE8F9327-002E-4F93-89F8-13771DF5053D}"/>
     <dgm:cxn modelId="{2BD6DEFB-1281-4482-8DCB-8693F4EA40B2}" type="presOf" srcId="{C5C32F23-5C6D-4A3D-ACC2-6A53435B43D4}" destId="{569C8E1F-F23D-4672-BD9E-4DB7C6C148B1}" srcOrd="0" destOrd="0" presId="urn:microsoft.com/office/officeart/2005/8/layout/vList2"/>
-    <dgm:cxn modelId="{DED31203-925C-4B8C-A9CB-748398FE089A}" type="presOf" srcId="{EB6A0DA1-0599-4DB6-AE9A-1CAFE9F3D656}" destId="{B10E6B83-44AD-4AF0-A750-4556316D8185}" srcOrd="0" destOrd="2" presId="urn:microsoft.com/office/officeart/2005/8/layout/vList2"/>
-    <dgm:cxn modelId="{08AED4D1-75AE-4F29-83B4-A50911EC8077}" srcId="{E9EE4146-7D90-4215-8FC4-40655910E446}" destId="{6F8071BD-1A5B-433F-B4D1-507B771E3952}" srcOrd="0" destOrd="0" parTransId="{9698F443-0126-4A4A-A399-198DB5F496C0}" sibTransId="{BC3E97DB-5FF2-47E5-8385-CFDD66E82438}"/>
-    <dgm:cxn modelId="{CBF9EDED-AE42-4DBA-971B-872824974BAB}" srcId="{0239F71F-21DF-48E7-B76D-234F7EA506F6}" destId="{117BF4B3-6B7A-417A-9C10-083AEE9616A1}" srcOrd="4" destOrd="0" parTransId="{A6F51BA3-E463-448C-B927-3D3BEA48FCF5}" sibTransId="{EE8F9327-002E-4F93-89F8-13771DF5053D}"/>
-    <dgm:cxn modelId="{B2FEC69F-9777-442C-9904-D1778B8314E1}" srcId="{9342ADA5-8A7B-41D1-94B0-243EB2DCAE96}" destId="{C5C32F23-5C6D-4A3D-ACC2-6A53435B43D4}" srcOrd="0" destOrd="0" parTransId="{D2510573-5835-4DE6-97CA-C028F7EDDF43}" sibTransId="{FC16429A-FD36-4B81-92B1-25C7C143687C}"/>
     <dgm:cxn modelId="{55C8DDFE-11A3-4508-A130-DAA7C521D80C}" type="presOf" srcId="{F29D5036-06E6-41A3-8FAA-A93EFF23B69E}" destId="{569C8E1F-F23D-4672-BD9E-4DB7C6C148B1}" srcOrd="0" destOrd="2" presId="urn:microsoft.com/office/officeart/2005/8/layout/vList2"/>
-    <dgm:cxn modelId="{44D2BC92-F0D8-4637-9E9B-A5F3FC36B607}" srcId="{0239F71F-21DF-48E7-B76D-234F7EA506F6}" destId="{C15B225E-39D9-4A68-9BE1-DC95E9BCD2C5}" srcOrd="3" destOrd="0" parTransId="{373D7CE8-AE6F-48BE-A6E0-2465A3B0BEE4}" sibTransId="{72F46982-136F-4DF0-B577-1E38D261A42D}"/>
-    <dgm:cxn modelId="{4C48AAA1-AD08-4129-9EFB-57DA615C569C}" type="presOf" srcId="{71AF1CB9-4B57-44F5-BB7C-BF6055C24D2E}" destId="{59F117F1-0952-46D8-80F3-49DA1824E556}" srcOrd="0" destOrd="0" presId="urn:microsoft.com/office/officeart/2005/8/layout/vList2"/>
-    <dgm:cxn modelId="{22DEF467-E10D-4CB0-B7E0-A2DA52549005}" type="presOf" srcId="{549B75C9-53A6-45E7-974C-52CE398CFB19}" destId="{8BEB2A00-FD98-4354-8DAA-82951EC123F7}" srcOrd="0" destOrd="0" presId="urn:microsoft.com/office/officeart/2005/8/layout/vList2"/>
-    <dgm:cxn modelId="{5C6C8E7B-D478-4A28-925D-8A081EF47D92}" type="presOf" srcId="{0239F71F-21DF-48E7-B76D-234F7EA506F6}" destId="{898E4058-F0BB-43AE-B66C-1F2E36CB475C}" srcOrd="0" destOrd="0" presId="urn:microsoft.com/office/officeart/2005/8/layout/vList2"/>
-    <dgm:cxn modelId="{1730EAD0-2368-4ABD-A769-5F9B070338E7}" srcId="{9342ADA5-8A7B-41D1-94B0-243EB2DCAE96}" destId="{F29D5036-06E6-41A3-8FAA-A93EFF23B69E}" srcOrd="2" destOrd="0" parTransId="{9CB16A3F-EB38-44DB-B776-EEB04BC27D7B}" sibTransId="{83424D97-533B-4BDB-8891-3B149C1ACF40}"/>
-    <dgm:cxn modelId="{B1740C35-0E01-4EC3-9328-CD563247DAAF}" srcId="{E9EE4146-7D90-4215-8FC4-40655910E446}" destId="{EB6A0DA1-0599-4DB6-AE9A-1CAFE9F3D656}" srcOrd="2" destOrd="0" parTransId="{8E736680-12FB-4FCC-8C0C-9480CE3E9E6A}" sibTransId="{B813221F-5331-46DF-A0D3-5D08665691C2}"/>
-    <dgm:cxn modelId="{45CEB4AC-3457-44FE-A938-55C4DD39A960}" type="presOf" srcId="{1A925FE4-A52B-4E1E-8312-7079E672B834}" destId="{569C8E1F-F23D-4672-BD9E-4DB7C6C148B1}" srcOrd="0" destOrd="1" presId="urn:microsoft.com/office/officeart/2005/8/layout/vList2"/>
-    <dgm:cxn modelId="{F405EF11-C7AE-4D88-ACEF-CE706DE735D5}" type="presOf" srcId="{9342ADA5-8A7B-41D1-94B0-243EB2DCAE96}" destId="{3509AE8C-DB38-4758-9779-253DD5ED381E}" srcOrd="0" destOrd="0" presId="urn:microsoft.com/office/officeart/2005/8/layout/vList2"/>
-    <dgm:cxn modelId="{8BFF38A3-CB22-43A2-BA7B-B45AC39CBCE4}" type="presOf" srcId="{C15B225E-39D9-4A68-9BE1-DC95E9BCD2C5}" destId="{D36F94E7-10CD-4898-B980-6DFB7006EF04}" srcOrd="0" destOrd="0" presId="urn:microsoft.com/office/officeart/2005/8/layout/vList2"/>
-    <dgm:cxn modelId="{1ECC8F80-9978-49BF-803A-7CB3F9BC4B9B}" srcId="{71AF1CB9-4B57-44F5-BB7C-BF6055C24D2E}" destId="{45EC2406-ABED-41F9-93EF-8148D8963408}" srcOrd="2" destOrd="0" parTransId="{326F8F99-28B1-41CC-B069-F4674F4D5E38}" sibTransId="{F501A87D-CBED-41B1-A91A-86858BAA8F01}"/>
-    <dgm:cxn modelId="{83FAA9BC-6AAF-4EBC-853F-9B0C56455FB5}" type="presOf" srcId="{CFF0ABEB-A088-4E91-9D5D-DA853AFB9534}" destId="{3BC56E0B-086A-4BB6-9D2A-ECA2C04843A7}" srcOrd="0" destOrd="2" presId="urn:microsoft.com/office/officeart/2005/8/layout/vList2"/>
-    <dgm:cxn modelId="{05F7CF7D-B46A-4AA5-886A-A785E36EFC5A}" type="presOf" srcId="{8E4EE7E3-9A2D-4892-86F8-C6396AFB9ABF}" destId="{3BC56E0B-086A-4BB6-9D2A-ECA2C04843A7}" srcOrd="0" destOrd="1" presId="urn:microsoft.com/office/officeart/2005/8/layout/vList2"/>
-    <dgm:cxn modelId="{4398B396-8435-4F71-A6CD-013C4CD7004A}" srcId="{E9EE4146-7D90-4215-8FC4-40655910E446}" destId="{E9E57DD5-14B5-4B2F-A976-AAF24C8B783A}" srcOrd="1" destOrd="0" parTransId="{97D47ABE-D0B7-4D49-987F-3F41067AF776}" sibTransId="{81B6FB8B-89DA-46EB-87C9-BBE40A9B4D04}"/>
-    <dgm:cxn modelId="{C4463641-F387-4AD4-9B02-B9A0D8A284A8}" srcId="{117BF4B3-6B7A-417A-9C10-083AEE9616A1}" destId="{CA860964-DB1F-4C91-8770-803BF588186B}" srcOrd="0" destOrd="0" parTransId="{99C4FAD0-B620-416B-86E7-81E4374A11D2}" sibTransId="{361DEAAE-7B22-46FE-9DEE-A803D76211FF}"/>
-    <dgm:cxn modelId="{58C51B98-C1D1-4FC4-ABA7-149016DB858F}" srcId="{0239F71F-21DF-48E7-B76D-234F7EA506F6}" destId="{9342ADA5-8A7B-41D1-94B0-243EB2DCAE96}" srcOrd="1" destOrd="0" parTransId="{4592430A-6168-45D7-9629-D0337B20B099}" sibTransId="{A02C495C-1C37-47E4-87F4-FBA427D8F12B}"/>
-    <dgm:cxn modelId="{042C1A84-60AB-486E-852F-1E0861D26A8A}" type="presOf" srcId="{E9E57DD5-14B5-4B2F-A976-AAF24C8B783A}" destId="{B10E6B83-44AD-4AF0-A750-4556316D8185}" srcOrd="0" destOrd="1" presId="urn:microsoft.com/office/officeart/2005/8/layout/vList2"/>
-    <dgm:cxn modelId="{0E00AED0-A00E-4D23-BF20-23180F91A2F7}" srcId="{117BF4B3-6B7A-417A-9C10-083AEE9616A1}" destId="{8E4EE7E3-9A2D-4892-86F8-C6396AFB9ABF}" srcOrd="1" destOrd="0" parTransId="{451AE062-B40D-4A06-B58E-D8B3258EE30B}" sibTransId="{43408074-644F-436A-9AF7-15019C7BBB2D}"/>
     <dgm:cxn modelId="{8391B9FF-9591-437C-BE15-577D419A9E41}" srcId="{9342ADA5-8A7B-41D1-94B0-243EB2DCAE96}" destId="{1A925FE4-A52B-4E1E-8312-7079E672B834}" srcOrd="1" destOrd="0" parTransId="{79019B90-6AFF-495D-92BF-217560EC56C4}" sibTransId="{FD525ECD-82E1-4E48-98CB-6D7D13825837}"/>
-    <dgm:cxn modelId="{2385DAB4-ECFF-48CA-ACC6-786876864580}" type="presOf" srcId="{CA860964-DB1F-4C91-8770-803BF588186B}" destId="{3BC56E0B-086A-4BB6-9D2A-ECA2C04843A7}" srcOrd="0" destOrd="0" presId="urn:microsoft.com/office/officeart/2005/8/layout/vList2"/>
-    <dgm:cxn modelId="{A2348199-FB3A-400A-B4D1-CAADEA34D637}" type="presOf" srcId="{E9EE4146-7D90-4215-8FC4-40655910E446}" destId="{8C585FD7-E806-48FF-B83E-1EEBAB0AB40F}" srcOrd="0" destOrd="0" presId="urn:microsoft.com/office/officeart/2005/8/layout/vList2"/>
-    <dgm:cxn modelId="{F8BF0A07-E4E1-45F4-A903-D540F4CDFD6E}" type="presOf" srcId="{980F00AB-8834-4A0E-82BD-4F0855A42AB5}" destId="{8F973AD2-A175-4416-867F-04A774CDBE0C}" srcOrd="0" destOrd="0" presId="urn:microsoft.com/office/officeart/2005/8/layout/vList2"/>
-    <dgm:cxn modelId="{6644DE9E-060A-4099-8FDE-FB4D252C500A}" srcId="{0239F71F-21DF-48E7-B76D-234F7EA506F6}" destId="{71AF1CB9-4B57-44F5-BB7C-BF6055C24D2E}" srcOrd="5" destOrd="0" parTransId="{DBAB1929-B74C-4D58-BFEF-072605AC83EB}" sibTransId="{57837E3F-DF02-4F4C-9A8D-0B50FA912399}"/>
-    <dgm:cxn modelId="{D5BFA2C2-7500-406C-AA30-30770010E478}" type="presOf" srcId="{45EC2406-ABED-41F9-93EF-8148D8963408}" destId="{8F973AD2-A175-4416-867F-04A774CDBE0C}" srcOrd="0" destOrd="2" presId="urn:microsoft.com/office/officeart/2005/8/layout/vList2"/>
-    <dgm:cxn modelId="{AF894B36-02DB-464C-9C26-FEA62134A2FE}" srcId="{71AF1CB9-4B57-44F5-BB7C-BF6055C24D2E}" destId="{9FE015E1-7EE4-4A50-A54C-2BD879CE9D6B}" srcOrd="1" destOrd="0" parTransId="{3CCAF153-5F81-4047-81AD-8F5E266AA5AC}" sibTransId="{A4FBEC9F-F0DB-43CF-A1A3-EC7A56EF7844}"/>
     <dgm:cxn modelId="{1A8372A7-97CA-42F9-AFA5-BB1A772D1F5A}" type="presParOf" srcId="{898E4058-F0BB-43AE-B66C-1F2E36CB475C}" destId="{8BEB2A00-FD98-4354-8DAA-82951EC123F7}" srcOrd="0" destOrd="0" presId="urn:microsoft.com/office/officeart/2005/8/layout/vList2"/>
     <dgm:cxn modelId="{BE7E8CC4-B5FB-43CD-87B7-AC0EA91A95BD}" type="presParOf" srcId="{898E4058-F0BB-43AE-B66C-1F2E36CB475C}" destId="{58FD32B3-0254-4722-99BF-1DB5B1D2D008}" srcOrd="1" destOrd="0" presId="urn:microsoft.com/office/officeart/2005/8/layout/vList2"/>
     <dgm:cxn modelId="{79F1167D-1E7A-46B7-B9C2-80F06BC1B64C}" type="presParOf" srcId="{898E4058-F0BB-43AE-B66C-1F2E36CB475C}" destId="{3509AE8C-DB38-4758-9779-253DD5ED381E}" srcOrd="2" destOrd="0" presId="urn:microsoft.com/office/officeart/2005/8/layout/vList2"/>
@@ -1872,8 +1801,8 @@
       </dsp:nvSpPr>
       <dsp:spPr>
         <a:xfrm>
-          <a:off x="0" y="12283"/>
-          <a:ext cx="6115167" cy="421200"/>
+          <a:off x="0" y="102103"/>
+          <a:ext cx="6115167" cy="407745"/>
         </a:xfrm>
         <a:prstGeom prst="roundRect">
           <a:avLst/>
@@ -1915,12 +1844,12 @@
         </a:fontRef>
       </dsp:style>
       <dsp:txBody>
-        <a:bodyPr spcFirstLastPara="0" vert="horz" wrap="square" lIns="68580" tIns="68580" rIns="68580" bIns="68580" numCol="1" spcCol="1270" anchor="ctr" anchorCtr="0">
+        <a:bodyPr spcFirstLastPara="0" vert="horz" wrap="square" lIns="64770" tIns="64770" rIns="64770" bIns="64770" numCol="1" spcCol="1270" anchor="ctr" anchorCtr="0">
           <a:noAutofit/>
         </a:bodyPr>
         <a:lstStyle/>
         <a:p>
-          <a:pPr lvl="0" algn="l" defTabSz="800100">
+          <a:pPr marL="0" lvl="0" indent="0" algn="l" defTabSz="755650">
             <a:lnSpc>
               <a:spcPct val="90000"/>
             </a:lnSpc>
@@ -1930,17 +1859,18 @@
             <a:spcAft>
               <a:spcPct val="35000"/>
             </a:spcAft>
+            <a:buNone/>
           </a:pPr>
           <a:r>
-            <a:rPr lang="en-US" sz="1800" b="1" kern="1200" dirty="0"/>
+            <a:rPr lang="en-US" sz="1700" b="1" kern="1200" dirty="0"/>
             <a:t>2. Digital (Electronic) Meters</a:t>
           </a:r>
-          <a:endParaRPr lang="en-US" sz="1800" kern="1200" dirty="0"/>
+          <a:endParaRPr lang="en-US" sz="1700" kern="1200" dirty="0"/>
         </a:p>
       </dsp:txBody>
       <dsp:txXfrm>
-        <a:off x="20561" y="32844"/>
-        <a:ext cx="6074045" cy="380078"/>
+        <a:off x="19904" y="122007"/>
+        <a:ext cx="6075359" cy="367937"/>
       </dsp:txXfrm>
     </dsp:sp>
     <dsp:sp modelId="{3509AE8C-DB38-4758-9779-253DD5ED381E}">
@@ -1950,8 +1880,8 @@
       </dsp:nvSpPr>
       <dsp:spPr>
         <a:xfrm>
-          <a:off x="0" y="485323"/>
-          <a:ext cx="6115167" cy="421200"/>
+          <a:off x="0" y="558808"/>
+          <a:ext cx="6115167" cy="407745"/>
         </a:xfrm>
         <a:prstGeom prst="roundRect">
           <a:avLst/>
@@ -1993,12 +1923,12 @@
         </a:fontRef>
       </dsp:style>
       <dsp:txBody>
-        <a:bodyPr spcFirstLastPara="0" vert="horz" wrap="square" lIns="68580" tIns="68580" rIns="68580" bIns="68580" numCol="1" spcCol="1270" anchor="ctr" anchorCtr="0">
+        <a:bodyPr spcFirstLastPara="0" vert="horz" wrap="square" lIns="64770" tIns="64770" rIns="64770" bIns="64770" numCol="1" spcCol="1270" anchor="ctr" anchorCtr="0">
           <a:noAutofit/>
         </a:bodyPr>
         <a:lstStyle/>
         <a:p>
-          <a:pPr lvl="0" algn="l" defTabSz="800100">
+          <a:pPr marL="0" lvl="0" indent="0" algn="l" defTabSz="755650">
             <a:lnSpc>
               <a:spcPct val="90000"/>
             </a:lnSpc>
@@ -2008,17 +1938,18 @@
             <a:spcAft>
               <a:spcPct val="35000"/>
             </a:spcAft>
+            <a:buNone/>
           </a:pPr>
           <a:r>
-            <a:rPr lang="en-US" sz="1800" b="1" kern="1200"/>
-            <a:t>*Advantages:</a:t>
+            <a:rPr lang="en-US" sz="1700" b="1" kern="1200" dirty="0"/>
+            <a:t>Advantages:</a:t>
           </a:r>
-          <a:endParaRPr lang="en-US" sz="1800" kern="1200"/>
+          <a:endParaRPr lang="en-US" sz="1700" kern="1200" dirty="0"/>
         </a:p>
       </dsp:txBody>
       <dsp:txXfrm>
-        <a:off x="20561" y="505884"/>
-        <a:ext cx="6074045" cy="380078"/>
+        <a:off x="19904" y="578712"/>
+        <a:ext cx="6075359" cy="367937"/>
       </dsp:txXfrm>
     </dsp:sp>
     <dsp:sp modelId="{569C8E1F-F23D-4672-BD9E-4DB7C6C148B1}">
@@ -2028,8 +1959,8 @@
       </dsp:nvSpPr>
       <dsp:spPr>
         <a:xfrm>
-          <a:off x="0" y="906523"/>
-          <a:ext cx="6115167" cy="875610"/>
+          <a:off x="0" y="966553"/>
+          <a:ext cx="6115167" cy="844560"/>
         </a:xfrm>
         <a:prstGeom prst="rect">
           <a:avLst/>
@@ -2053,12 +1984,12 @@
         <a:fontRef idx="minor"/>
       </dsp:style>
       <dsp:txBody>
-        <a:bodyPr spcFirstLastPara="0" vert="horz" wrap="square" lIns="194157" tIns="22860" rIns="128016" bIns="22860" numCol="1" spcCol="1270" anchor="t" anchorCtr="0">
+        <a:bodyPr spcFirstLastPara="0" vert="horz" wrap="square" lIns="194157" tIns="21590" rIns="120904" bIns="21590" numCol="1" spcCol="1270" anchor="t" anchorCtr="0">
           <a:noAutofit/>
         </a:bodyPr>
         <a:lstStyle/>
         <a:p>
-          <a:pPr marL="114300" lvl="1" indent="-114300" algn="l" defTabSz="622300">
+          <a:pPr marL="114300" lvl="1" indent="-114300" algn="l" defTabSz="577850">
             <a:lnSpc>
               <a:spcPct val="90000"/>
             </a:lnSpc>
@@ -2068,16 +1999,16 @@
             <a:spcAft>
               <a:spcPct val="20000"/>
             </a:spcAft>
-            <a:buChar char="••"/>
+            <a:buChar char="•"/>
           </a:pPr>
           <a:r>
-            <a:rPr lang="en-US" sz="1400" b="1" kern="1200"/>
+            <a:rPr lang="en-US" sz="1300" b="1" kern="1200" dirty="0"/>
             <a:t>-High accuracy in measurement.</a:t>
           </a:r>
-          <a:endParaRPr lang="en-US" sz="1400" kern="1200"/>
+          <a:endParaRPr lang="en-US" sz="1300" kern="1200" dirty="0"/>
         </a:p>
         <a:p>
-          <a:pPr marL="114300" lvl="1" indent="-114300" algn="l" defTabSz="622300">
+          <a:pPr marL="114300" lvl="1" indent="-114300" algn="l" defTabSz="577850">
             <a:lnSpc>
               <a:spcPct val="90000"/>
             </a:lnSpc>
@@ -2087,16 +2018,16 @@
             <a:spcAft>
               <a:spcPct val="20000"/>
             </a:spcAft>
-            <a:buChar char="••"/>
+            <a:buChar char="•"/>
           </a:pPr>
           <a:r>
-            <a:rPr lang="en-US" sz="1400" b="1" kern="1200"/>
+            <a:rPr lang="en-US" sz="1300" b="1" kern="1200" dirty="0"/>
             <a:t>-Easy-to-read digital display.</a:t>
           </a:r>
-          <a:endParaRPr lang="en-US" sz="1400" kern="1200"/>
+          <a:endParaRPr lang="en-US" sz="1300" kern="1200" dirty="0"/>
         </a:p>
         <a:p>
-          <a:pPr marL="114300" lvl="1" indent="-114300" algn="l" defTabSz="622300">
+          <a:pPr marL="114300" lvl="1" indent="-114300" algn="l" defTabSz="577850">
             <a:lnSpc>
               <a:spcPct val="90000"/>
             </a:lnSpc>
@@ -2106,18 +2037,18 @@
             <a:spcAft>
               <a:spcPct val="20000"/>
             </a:spcAft>
-            <a:buChar char="••"/>
+            <a:buChar char="•"/>
           </a:pPr>
           <a:r>
-            <a:rPr lang="en-US" sz="1400" b="1" kern="1200"/>
+            <a:rPr lang="en-US" sz="1300" b="1" kern="1200" dirty="0"/>
             <a:t>-Provides additional information, such as energy consumption over different time periods.</a:t>
           </a:r>
-          <a:endParaRPr lang="en-US" sz="1400" kern="1200"/>
+          <a:endParaRPr lang="en-US" sz="1300" kern="1200" dirty="0"/>
         </a:p>
       </dsp:txBody>
       <dsp:txXfrm>
-        <a:off x="0" y="906523"/>
-        <a:ext cx="6115167" cy="875610"/>
+        <a:off x="0" y="966553"/>
+        <a:ext cx="6115167" cy="844560"/>
       </dsp:txXfrm>
     </dsp:sp>
     <dsp:sp modelId="{8C585FD7-E806-48FF-B83E-1EEBAB0AB40F}">
@@ -2127,8 +2058,8 @@
       </dsp:nvSpPr>
       <dsp:spPr>
         <a:xfrm>
-          <a:off x="0" y="1782133"/>
-          <a:ext cx="6115167" cy="421200"/>
+          <a:off x="0" y="1811113"/>
+          <a:ext cx="6115167" cy="407745"/>
         </a:xfrm>
         <a:prstGeom prst="roundRect">
           <a:avLst/>
@@ -2170,12 +2101,12 @@
         </a:fontRef>
       </dsp:style>
       <dsp:txBody>
-        <a:bodyPr spcFirstLastPara="0" vert="horz" wrap="square" lIns="68580" tIns="68580" rIns="68580" bIns="68580" numCol="1" spcCol="1270" anchor="ctr" anchorCtr="0">
+        <a:bodyPr spcFirstLastPara="0" vert="horz" wrap="square" lIns="64770" tIns="64770" rIns="64770" bIns="64770" numCol="1" spcCol="1270" anchor="ctr" anchorCtr="0">
           <a:noAutofit/>
         </a:bodyPr>
         <a:lstStyle/>
         <a:p>
-          <a:pPr lvl="0" algn="l" defTabSz="800100">
+          <a:pPr marL="0" lvl="0" indent="0" algn="l" defTabSz="755650">
             <a:lnSpc>
               <a:spcPct val="90000"/>
             </a:lnSpc>
@@ -2185,17 +2116,18 @@
             <a:spcAft>
               <a:spcPct val="35000"/>
             </a:spcAft>
+            <a:buNone/>
           </a:pPr>
           <a:r>
-            <a:rPr lang="en-US" sz="1800" b="1" kern="1200"/>
-            <a:t>*Disadvantages:</a:t>
+            <a:rPr lang="en-US" sz="1700" b="1" kern="1200" dirty="0"/>
+            <a:t>Disadvantages:</a:t>
           </a:r>
-          <a:endParaRPr lang="en-US" sz="1800" kern="1200"/>
+          <a:endParaRPr lang="en-US" sz="1700" kern="1200" dirty="0"/>
         </a:p>
       </dsp:txBody>
       <dsp:txXfrm>
-        <a:off x="20561" y="1802694"/>
-        <a:ext cx="6074045" cy="380078"/>
+        <a:off x="19904" y="1831017"/>
+        <a:ext cx="6075359" cy="367937"/>
       </dsp:txXfrm>
     </dsp:sp>
     <dsp:sp modelId="{B10E6B83-44AD-4AF0-A750-4556316D8185}">
@@ -2205,8 +2137,8 @@
       </dsp:nvSpPr>
       <dsp:spPr>
         <a:xfrm>
-          <a:off x="0" y="2203333"/>
-          <a:ext cx="6115167" cy="689310"/>
+          <a:off x="0" y="2218858"/>
+          <a:ext cx="6115167" cy="668609"/>
         </a:xfrm>
         <a:prstGeom prst="rect">
           <a:avLst/>
@@ -2230,12 +2162,12 @@
         <a:fontRef idx="minor"/>
       </dsp:style>
       <dsp:txBody>
-        <a:bodyPr spcFirstLastPara="0" vert="horz" wrap="square" lIns="194157" tIns="22860" rIns="128016" bIns="22860" numCol="1" spcCol="1270" anchor="t" anchorCtr="0">
+        <a:bodyPr spcFirstLastPara="0" vert="horz" wrap="square" lIns="194157" tIns="21590" rIns="120904" bIns="21590" numCol="1" spcCol="1270" anchor="t" anchorCtr="0">
           <a:noAutofit/>
         </a:bodyPr>
         <a:lstStyle/>
         <a:p>
-          <a:pPr marL="114300" lvl="1" indent="-114300" algn="l" defTabSz="622300">
+          <a:pPr marL="114300" lvl="1" indent="-114300" algn="l" defTabSz="577850">
             <a:lnSpc>
               <a:spcPct val="90000"/>
             </a:lnSpc>
@@ -2245,16 +2177,16 @@
             <a:spcAft>
               <a:spcPct val="20000"/>
             </a:spcAft>
-            <a:buChar char="••"/>
+            <a:buChar char="•"/>
           </a:pPr>
           <a:r>
-            <a:rPr lang="en-US" sz="1400" b="1" kern="1200"/>
+            <a:rPr lang="en-US" sz="1300" b="1" kern="1200" dirty="0"/>
             <a:t>-Higher cost than conventional meters.</a:t>
           </a:r>
-          <a:endParaRPr lang="en-US" sz="1400" kern="1200"/>
+          <a:endParaRPr lang="en-US" sz="1300" kern="1200" dirty="0"/>
         </a:p>
         <a:p>
-          <a:pPr marL="114300" lvl="1" indent="-114300" algn="l" defTabSz="622300">
+          <a:pPr marL="114300" lvl="1" indent="-114300" algn="l" defTabSz="577850">
             <a:lnSpc>
               <a:spcPct val="90000"/>
             </a:lnSpc>
@@ -2264,16 +2196,16 @@
             <a:spcAft>
               <a:spcPct val="20000"/>
             </a:spcAft>
-            <a:buChar char="••"/>
+            <a:buChar char="•"/>
           </a:pPr>
           <a:r>
-            <a:rPr lang="en-US" sz="1400" b="1" kern="1200"/>
+            <a:rPr lang="en-US" sz="1300" b="1" kern="1200" dirty="0"/>
             <a:t>-Dependent on a power source to operate (for the display).</a:t>
           </a:r>
-          <a:endParaRPr lang="en-US" sz="1400" kern="1200"/>
+          <a:endParaRPr lang="en-US" sz="1300" kern="1200" dirty="0"/>
         </a:p>
         <a:p>
-          <a:pPr marL="114300" lvl="1" indent="-114300" algn="l" defTabSz="622300">
+          <a:pPr marL="114300" lvl="1" indent="-114300" algn="l" defTabSz="577850">
             <a:lnSpc>
               <a:spcPct val="90000"/>
             </a:lnSpc>
@@ -2283,18 +2215,18 @@
             <a:spcAft>
               <a:spcPct val="20000"/>
             </a:spcAft>
-            <a:buChar char="••"/>
+            <a:buChar char="•"/>
           </a:pPr>
           <a:r>
-            <a:rPr lang="en-US" sz="1400" b="1" kern="1200"/>
+            <a:rPr lang="en-US" sz="1300" b="1" kern="1200" dirty="0"/>
             <a:t>-May be prone to electronic malfunctions.</a:t>
           </a:r>
-          <a:endParaRPr lang="en-US" sz="1400" kern="1200"/>
+          <a:endParaRPr lang="en-US" sz="1300" kern="1200" dirty="0"/>
         </a:p>
       </dsp:txBody>
       <dsp:txXfrm>
-        <a:off x="0" y="2203333"/>
-        <a:ext cx="6115167" cy="689310"/>
+        <a:off x="0" y="2218858"/>
+        <a:ext cx="6115167" cy="668609"/>
       </dsp:txXfrm>
     </dsp:sp>
     <dsp:sp modelId="{D36F94E7-10CD-4898-B980-6DFB7006EF04}">
@@ -2304,8 +2236,8 @@
       </dsp:nvSpPr>
       <dsp:spPr>
         <a:xfrm>
-          <a:off x="0" y="2892643"/>
-          <a:ext cx="6115167" cy="421200"/>
+          <a:off x="0" y="2887468"/>
+          <a:ext cx="6115167" cy="407745"/>
         </a:xfrm>
         <a:prstGeom prst="roundRect">
           <a:avLst/>
@@ -2347,12 +2279,12 @@
         </a:fontRef>
       </dsp:style>
       <dsp:txBody>
-        <a:bodyPr spcFirstLastPara="0" vert="horz" wrap="square" lIns="68580" tIns="68580" rIns="68580" bIns="68580" numCol="1" spcCol="1270" anchor="ctr" anchorCtr="0">
+        <a:bodyPr spcFirstLastPara="0" vert="horz" wrap="square" lIns="64770" tIns="64770" rIns="64770" bIns="64770" numCol="1" spcCol="1270" anchor="ctr" anchorCtr="0">
           <a:noAutofit/>
         </a:bodyPr>
         <a:lstStyle/>
         <a:p>
-          <a:pPr lvl="0" algn="l" defTabSz="800100">
+          <a:pPr marL="0" lvl="0" indent="0" algn="l" defTabSz="755650">
             <a:lnSpc>
               <a:spcPct val="90000"/>
             </a:lnSpc>
@@ -2362,17 +2294,18 @@
             <a:spcAft>
               <a:spcPct val="35000"/>
             </a:spcAft>
+            <a:buNone/>
           </a:pPr>
           <a:r>
-            <a:rPr lang="en-US" sz="1800" b="1" kern="1200"/>
+            <a:rPr lang="en-US" sz="1700" b="1" kern="1200" dirty="0"/>
             <a:t>3. Smart Meters</a:t>
           </a:r>
-          <a:endParaRPr lang="en-US" sz="1800" kern="1200"/>
+          <a:endParaRPr lang="en-US" sz="1700" kern="1200" dirty="0"/>
         </a:p>
       </dsp:txBody>
       <dsp:txXfrm>
-        <a:off x="20561" y="2913204"/>
-        <a:ext cx="6074045" cy="380078"/>
+        <a:off x="19904" y="2907372"/>
+        <a:ext cx="6075359" cy="367937"/>
       </dsp:txXfrm>
     </dsp:sp>
     <dsp:sp modelId="{77F14AAE-FE3D-4299-BC4B-5B56173D26C1}">
@@ -2382,8 +2315,8 @@
       </dsp:nvSpPr>
       <dsp:spPr>
         <a:xfrm>
-          <a:off x="0" y="3365683"/>
-          <a:ext cx="6115167" cy="421200"/>
+          <a:off x="0" y="3344173"/>
+          <a:ext cx="6115167" cy="407745"/>
         </a:xfrm>
         <a:prstGeom prst="roundRect">
           <a:avLst/>
@@ -2425,12 +2358,12 @@
         </a:fontRef>
       </dsp:style>
       <dsp:txBody>
-        <a:bodyPr spcFirstLastPara="0" vert="horz" wrap="square" lIns="68580" tIns="68580" rIns="68580" bIns="68580" numCol="1" spcCol="1270" anchor="ctr" anchorCtr="0">
+        <a:bodyPr spcFirstLastPara="0" vert="horz" wrap="square" lIns="64770" tIns="64770" rIns="64770" bIns="64770" numCol="1" spcCol="1270" anchor="ctr" anchorCtr="0">
           <a:noAutofit/>
         </a:bodyPr>
         <a:lstStyle/>
         <a:p>
-          <a:pPr lvl="0" algn="l" defTabSz="800100">
+          <a:pPr marL="0" lvl="0" indent="0" algn="l" defTabSz="755650">
             <a:lnSpc>
               <a:spcPct val="90000"/>
             </a:lnSpc>
@@ -2440,17 +2373,18 @@
             <a:spcAft>
               <a:spcPct val="35000"/>
             </a:spcAft>
+            <a:buNone/>
           </a:pPr>
           <a:r>
-            <a:rPr lang="en-US" sz="1800" b="1" kern="1200"/>
-            <a:t>*Advantages:</a:t>
+            <a:rPr lang="en-US" sz="1700" b="1" kern="1200" dirty="0"/>
+            <a:t>Advantages:</a:t>
           </a:r>
-          <a:endParaRPr lang="en-US" sz="1800" kern="1200"/>
+          <a:endParaRPr lang="en-US" sz="1700" kern="1200" dirty="0"/>
         </a:p>
       </dsp:txBody>
       <dsp:txXfrm>
-        <a:off x="20561" y="3386244"/>
-        <a:ext cx="6074045" cy="380078"/>
+        <a:off x="19904" y="3364077"/>
+        <a:ext cx="6075359" cy="367937"/>
       </dsp:txXfrm>
     </dsp:sp>
     <dsp:sp modelId="{3BC56E0B-086A-4BB6-9D2A-ECA2C04843A7}">
@@ -2460,8 +2394,8 @@
       </dsp:nvSpPr>
       <dsp:spPr>
         <a:xfrm>
-          <a:off x="0" y="3786883"/>
-          <a:ext cx="6115167" cy="689310"/>
+          <a:off x="0" y="3751918"/>
+          <a:ext cx="6115167" cy="668609"/>
         </a:xfrm>
         <a:prstGeom prst="rect">
           <a:avLst/>
@@ -2485,12 +2419,12 @@
         <a:fontRef idx="minor"/>
       </dsp:style>
       <dsp:txBody>
-        <a:bodyPr spcFirstLastPara="0" vert="horz" wrap="square" lIns="194157" tIns="22860" rIns="128016" bIns="22860" numCol="1" spcCol="1270" anchor="t" anchorCtr="0">
+        <a:bodyPr spcFirstLastPara="0" vert="horz" wrap="square" lIns="194157" tIns="21590" rIns="120904" bIns="21590" numCol="1" spcCol="1270" anchor="t" anchorCtr="0">
           <a:noAutofit/>
         </a:bodyPr>
         <a:lstStyle/>
         <a:p>
-          <a:pPr marL="114300" lvl="1" indent="-114300" algn="l" defTabSz="622300">
+          <a:pPr marL="114300" lvl="1" indent="-114300" algn="l" defTabSz="577850">
             <a:lnSpc>
               <a:spcPct val="90000"/>
             </a:lnSpc>
@@ -2500,16 +2434,16 @@
             <a:spcAft>
               <a:spcPct val="20000"/>
             </a:spcAft>
-            <a:buChar char="••"/>
+            <a:buChar char="•"/>
           </a:pPr>
           <a:r>
-            <a:rPr lang="en-US" sz="1400" b="1" kern="1200"/>
+            <a:rPr lang="en-US" sz="1300" b="1" kern="1200" dirty="0"/>
             <a:t>-Provides real-time data on consumption.</a:t>
           </a:r>
-          <a:endParaRPr lang="en-US" sz="1400" kern="1200"/>
+          <a:endParaRPr lang="en-US" sz="1300" kern="1200" dirty="0"/>
         </a:p>
         <a:p>
-          <a:pPr marL="114300" lvl="1" indent="-114300" algn="l" defTabSz="622300">
+          <a:pPr marL="114300" lvl="1" indent="-114300" algn="l" defTabSz="577850">
             <a:lnSpc>
               <a:spcPct val="90000"/>
             </a:lnSpc>
@@ -2519,16 +2453,16 @@
             <a:spcAft>
               <a:spcPct val="20000"/>
             </a:spcAft>
-            <a:buChar char="••"/>
+            <a:buChar char="•"/>
           </a:pPr>
           <a:r>
-            <a:rPr lang="en-US" sz="1400" b="1" kern="1200"/>
+            <a:rPr lang="en-US" sz="1300" b="1" kern="1200" dirty="0"/>
             <a:t>-Enables remote reading, simplifying the billing process.</a:t>
           </a:r>
-          <a:endParaRPr lang="en-US" sz="1400" kern="1200"/>
+          <a:endParaRPr lang="en-US" sz="1300" kern="1200" dirty="0"/>
         </a:p>
         <a:p>
-          <a:pPr marL="114300" lvl="1" indent="-114300" algn="l" defTabSz="622300">
+          <a:pPr marL="114300" lvl="1" indent="-114300" algn="l" defTabSz="577850">
             <a:lnSpc>
               <a:spcPct val="90000"/>
             </a:lnSpc>
@@ -2538,18 +2472,18 @@
             <a:spcAft>
               <a:spcPct val="20000"/>
             </a:spcAft>
-            <a:buChar char="••"/>
+            <a:buChar char="•"/>
           </a:pPr>
           <a:r>
-            <a:rPr lang="en-US" sz="1400" b="1" kern="1200"/>
+            <a:rPr lang="en-US" sz="1300" b="1" kern="1200" dirty="0"/>
             <a:t>-Helps manage energy usage and reduce bills.</a:t>
           </a:r>
-          <a:endParaRPr lang="en-US" sz="1400" kern="1200"/>
+          <a:endParaRPr lang="en-US" sz="1300" kern="1200" dirty="0"/>
         </a:p>
       </dsp:txBody>
       <dsp:txXfrm>
-        <a:off x="0" y="3786883"/>
-        <a:ext cx="6115167" cy="689310"/>
+        <a:off x="0" y="3751918"/>
+        <a:ext cx="6115167" cy="668609"/>
       </dsp:txXfrm>
     </dsp:sp>
     <dsp:sp modelId="{59F117F1-0952-46D8-80F3-49DA1824E556}">
@@ -2559,8 +2493,8 @@
       </dsp:nvSpPr>
       <dsp:spPr>
         <a:xfrm>
-          <a:off x="0" y="4476193"/>
-          <a:ext cx="6115167" cy="421200"/>
+          <a:off x="0" y="4420528"/>
+          <a:ext cx="6115167" cy="407745"/>
         </a:xfrm>
         <a:prstGeom prst="roundRect">
           <a:avLst/>
@@ -2602,12 +2536,12 @@
         </a:fontRef>
       </dsp:style>
       <dsp:txBody>
-        <a:bodyPr spcFirstLastPara="0" vert="horz" wrap="square" lIns="68580" tIns="68580" rIns="68580" bIns="68580" numCol="1" spcCol="1270" anchor="ctr" anchorCtr="0">
+        <a:bodyPr spcFirstLastPara="0" vert="horz" wrap="square" lIns="64770" tIns="64770" rIns="64770" bIns="64770" numCol="1" spcCol="1270" anchor="ctr" anchorCtr="0">
           <a:noAutofit/>
         </a:bodyPr>
         <a:lstStyle/>
         <a:p>
-          <a:pPr lvl="0" algn="l" defTabSz="800100">
+          <a:pPr marL="0" lvl="0" indent="0" algn="l" defTabSz="755650">
             <a:lnSpc>
               <a:spcPct val="90000"/>
             </a:lnSpc>
@@ -2617,17 +2551,18 @@
             <a:spcAft>
               <a:spcPct val="35000"/>
             </a:spcAft>
+            <a:buNone/>
           </a:pPr>
           <a:r>
-            <a:rPr lang="en-US" sz="1800" b="1" kern="1200"/>
-            <a:t>*Disadvantages:</a:t>
+            <a:rPr lang="en-US" sz="1700" b="1" kern="1200" dirty="0"/>
+            <a:t>Disadvantages:</a:t>
           </a:r>
-          <a:endParaRPr lang="en-US" sz="1800" kern="1200"/>
+          <a:endParaRPr lang="en-US" sz="1700" kern="1200" dirty="0"/>
         </a:p>
       </dsp:txBody>
       <dsp:txXfrm>
-        <a:off x="20561" y="4496754"/>
-        <a:ext cx="6074045" cy="380078"/>
+        <a:off x="19904" y="4440432"/>
+        <a:ext cx="6075359" cy="367937"/>
       </dsp:txXfrm>
     </dsp:sp>
     <dsp:sp modelId="{8F973AD2-A175-4416-867F-04A774CDBE0C}">
@@ -2637,8 +2572,8 @@
       </dsp:nvSpPr>
       <dsp:spPr>
         <a:xfrm>
-          <a:off x="0" y="4897393"/>
-          <a:ext cx="6115167" cy="689310"/>
+          <a:off x="0" y="4828273"/>
+          <a:ext cx="6115167" cy="668609"/>
         </a:xfrm>
         <a:prstGeom prst="rect">
           <a:avLst/>
@@ -2662,12 +2597,12 @@
         <a:fontRef idx="minor"/>
       </dsp:style>
       <dsp:txBody>
-        <a:bodyPr spcFirstLastPara="0" vert="horz" wrap="square" lIns="194157" tIns="22860" rIns="128016" bIns="22860" numCol="1" spcCol="1270" anchor="t" anchorCtr="0">
+        <a:bodyPr spcFirstLastPara="0" vert="horz" wrap="square" lIns="194157" tIns="21590" rIns="120904" bIns="21590" numCol="1" spcCol="1270" anchor="t" anchorCtr="0">
           <a:noAutofit/>
         </a:bodyPr>
         <a:lstStyle/>
         <a:p>
-          <a:pPr marL="114300" lvl="1" indent="-114300" algn="l" defTabSz="622300">
+          <a:pPr marL="114300" lvl="1" indent="-114300" algn="l" defTabSz="577850">
             <a:lnSpc>
               <a:spcPct val="90000"/>
             </a:lnSpc>
@@ -2677,16 +2612,16 @@
             <a:spcAft>
               <a:spcPct val="20000"/>
             </a:spcAft>
-            <a:buChar char="••"/>
+            <a:buChar char="•"/>
           </a:pPr>
           <a:r>
-            <a:rPr lang="en-US" sz="1400" b="1" kern="1200"/>
+            <a:rPr lang="en-US" sz="1300" b="1" kern="1200" dirty="0"/>
             <a:t>-Higher initial cost.</a:t>
           </a:r>
-          <a:endParaRPr lang="en-US" sz="1400" kern="1200"/>
+          <a:endParaRPr lang="en-US" sz="1300" kern="1200" dirty="0"/>
         </a:p>
         <a:p>
-          <a:pPr marL="114300" lvl="1" indent="-114300" algn="l" defTabSz="622300">
+          <a:pPr marL="114300" lvl="1" indent="-114300" algn="l" defTabSz="577850">
             <a:lnSpc>
               <a:spcPct val="90000"/>
             </a:lnSpc>
@@ -2696,16 +2631,16 @@
             <a:spcAft>
               <a:spcPct val="20000"/>
             </a:spcAft>
-            <a:buChar char="••"/>
+            <a:buChar char="•"/>
           </a:pPr>
           <a:r>
-            <a:rPr lang="en-US" sz="1400" b="1" kern="1200"/>
+            <a:rPr lang="en-US" sz="1300" b="1" kern="1200" dirty="0"/>
             <a:t>-Requires infrastructure for information technology.</a:t>
           </a:r>
-          <a:endParaRPr lang="en-US" sz="1400" kern="1200"/>
+          <a:endParaRPr lang="en-US" sz="1300" kern="1200" dirty="0"/>
         </a:p>
         <a:p>
-          <a:pPr marL="114300" lvl="1" indent="-114300" algn="l" defTabSz="622300">
+          <a:pPr marL="114300" lvl="1" indent="-114300" algn="l" defTabSz="577850">
             <a:lnSpc>
               <a:spcPct val="90000"/>
             </a:lnSpc>
@@ -2715,18 +2650,18 @@
             <a:spcAft>
               <a:spcPct val="20000"/>
             </a:spcAft>
-            <a:buChar char="••"/>
+            <a:buChar char="•"/>
           </a:pPr>
           <a:r>
-            <a:rPr lang="en-US" sz="1400" b="1" kern="1200"/>
+            <a:rPr lang="en-US" sz="1300" b="1" kern="1200" dirty="0"/>
             <a:t>-Concerns regarding privacy and data security.</a:t>
           </a:r>
-          <a:endParaRPr lang="en-US" sz="1400" kern="1200"/>
+          <a:endParaRPr lang="en-US" sz="1300" kern="1200" dirty="0"/>
         </a:p>
       </dsp:txBody>
       <dsp:txXfrm>
-        <a:off x="0" y="4897393"/>
-        <a:ext cx="6115167" cy="689310"/>
+        <a:off x="0" y="4828273"/>
+        <a:ext cx="6115167" cy="668609"/>
       </dsp:txXfrm>
     </dsp:sp>
   </dsp:spTree>
@@ -3956,7 +3891,7 @@
           <p:cNvPr id="2" name="Title 1">
             <a:extLst>
               <a:ext uri="{FF2B5EF4-FFF2-40B4-BE49-F238E27FC236}">
-                <a16:creationId xmlns="" xmlns:a16="http://schemas.microsoft.com/office/drawing/2014/main" id="{BB722F66-727D-4150-ADA5-49CF3A0F6873}"/>
+                <a16:creationId xmlns:a16="http://schemas.microsoft.com/office/drawing/2014/main" id="{BB722F66-727D-4150-ADA5-49CF3A0F6873}"/>
               </a:ext>
             </a:extLst>
           </p:cNvPr>
@@ -3996,7 +3931,7 @@
           <p:cNvPr id="3" name="Subtitle 2">
             <a:extLst>
               <a:ext uri="{FF2B5EF4-FFF2-40B4-BE49-F238E27FC236}">
-                <a16:creationId xmlns="" xmlns:a16="http://schemas.microsoft.com/office/drawing/2014/main" id="{CDD9A1FE-C39F-4D7C-B93D-F8C203A1D69C}"/>
+                <a16:creationId xmlns:a16="http://schemas.microsoft.com/office/drawing/2014/main" id="{CDD9A1FE-C39F-4D7C-B93D-F8C203A1D69C}"/>
               </a:ext>
             </a:extLst>
           </p:cNvPr>
@@ -4069,7 +4004,7 @@
           <p:cNvPr id="4" name="Date Placeholder 3">
             <a:extLst>
               <a:ext uri="{FF2B5EF4-FFF2-40B4-BE49-F238E27FC236}">
-                <a16:creationId xmlns="" xmlns:a16="http://schemas.microsoft.com/office/drawing/2014/main" id="{BC008AAC-7D41-4304-8D59-EF34B232682C}"/>
+                <a16:creationId xmlns:a16="http://schemas.microsoft.com/office/drawing/2014/main" id="{BC008AAC-7D41-4304-8D59-EF34B232682C}"/>
               </a:ext>
             </a:extLst>
           </p:cNvPr>
@@ -4107,7 +4042,7 @@
           <p:cNvPr id="5" name="Footer Placeholder 4">
             <a:extLst>
               <a:ext uri="{FF2B5EF4-FFF2-40B4-BE49-F238E27FC236}">
-                <a16:creationId xmlns="" xmlns:a16="http://schemas.microsoft.com/office/drawing/2014/main" id="{4724D078-DE22-4F23-8B48-21FB1415C3E3}"/>
+                <a16:creationId xmlns:a16="http://schemas.microsoft.com/office/drawing/2014/main" id="{4724D078-DE22-4F23-8B48-21FB1415C3E3}"/>
               </a:ext>
             </a:extLst>
           </p:cNvPr>
@@ -4141,7 +4076,7 @@
           <p:cNvPr id="6" name="Slide Number Placeholder 5">
             <a:extLst>
               <a:ext uri="{FF2B5EF4-FFF2-40B4-BE49-F238E27FC236}">
-                <a16:creationId xmlns="" xmlns:a16="http://schemas.microsoft.com/office/drawing/2014/main" id="{BB64C1F5-608B-4335-9F2A-17F63D5FAF0D}"/>
+                <a16:creationId xmlns:a16="http://schemas.microsoft.com/office/drawing/2014/main" id="{BB64C1F5-608B-4335-9F2A-17F63D5FAF0D}"/>
               </a:ext>
             </a:extLst>
           </p:cNvPr>
@@ -4175,13 +4110,13 @@
   <p:clrMapOvr>
     <a:masterClrMapping/>
   </p:clrMapOvr>
-  <mc:AlternateContent xmlns:mc="http://schemas.openxmlformats.org/markup-compatibility/2006">
-    <mc:Choice xmlns="" xmlns:p159="http://schemas.microsoft.com/office/powerpoint/2015/09/main" Requires="p159">
+  <mc:AlternateContent xmlns:mc="http://schemas.openxmlformats.org/markup-compatibility/2006" xmlns:p159="http://schemas.microsoft.com/office/powerpoint/2015/09/main">
+    <mc:Choice Requires="p159">
       <p:transition xmlns:p14="http://schemas.microsoft.com/office/powerpoint/2010/main" spd="slow" p14:dur="2000">
         <p159:morph option="byObject"/>
       </p:transition>
     </mc:Choice>
-    <mc:Fallback>
+    <mc:Fallback xmlns="">
       <p:transition spd="slow">
         <p:fade/>
       </p:transition>
@@ -4212,7 +4147,7 @@
           <p:cNvPr id="2" name="Title 1">
             <a:extLst>
               <a:ext uri="{FF2B5EF4-FFF2-40B4-BE49-F238E27FC236}">
-                <a16:creationId xmlns="" xmlns:a16="http://schemas.microsoft.com/office/drawing/2014/main" id="{E929F2C5-A3FC-44EF-BA15-CEC83C83D67C}"/>
+                <a16:creationId xmlns:a16="http://schemas.microsoft.com/office/drawing/2014/main" id="{E929F2C5-A3FC-44EF-BA15-CEC83C83D67C}"/>
               </a:ext>
             </a:extLst>
           </p:cNvPr>
@@ -4241,7 +4176,7 @@
           <p:cNvPr id="3" name="Vertical Text Placeholder 2">
             <a:extLst>
               <a:ext uri="{FF2B5EF4-FFF2-40B4-BE49-F238E27FC236}">
-                <a16:creationId xmlns="" xmlns:a16="http://schemas.microsoft.com/office/drawing/2014/main" id="{D45040D3-67DB-455C-AD79-49E185DB63C7}"/>
+                <a16:creationId xmlns:a16="http://schemas.microsoft.com/office/drawing/2014/main" id="{D45040D3-67DB-455C-AD79-49E185DB63C7}"/>
               </a:ext>
             </a:extLst>
           </p:cNvPr>
@@ -4299,7 +4234,7 @@
           <p:cNvPr id="4" name="Date Placeholder 3">
             <a:extLst>
               <a:ext uri="{FF2B5EF4-FFF2-40B4-BE49-F238E27FC236}">
-                <a16:creationId xmlns="" xmlns:a16="http://schemas.microsoft.com/office/drawing/2014/main" id="{D0B2B07A-258E-42DD-9A68-2C76F7D54040}"/>
+                <a16:creationId xmlns:a16="http://schemas.microsoft.com/office/drawing/2014/main" id="{D0B2B07A-258E-42DD-9A68-2C76F7D54040}"/>
               </a:ext>
             </a:extLst>
           </p:cNvPr>
@@ -4328,7 +4263,7 @@
           <p:cNvPr id="5" name="Footer Placeholder 4">
             <a:extLst>
               <a:ext uri="{FF2B5EF4-FFF2-40B4-BE49-F238E27FC236}">
-                <a16:creationId xmlns="" xmlns:a16="http://schemas.microsoft.com/office/drawing/2014/main" id="{7C01E9BC-3BB8-40CD-9294-59A2E59E1BE6}"/>
+                <a16:creationId xmlns:a16="http://schemas.microsoft.com/office/drawing/2014/main" id="{7C01E9BC-3BB8-40CD-9294-59A2E59E1BE6}"/>
               </a:ext>
             </a:extLst>
           </p:cNvPr>
@@ -4353,7 +4288,7 @@
           <p:cNvPr id="6" name="Slide Number Placeholder 5">
             <a:extLst>
               <a:ext uri="{FF2B5EF4-FFF2-40B4-BE49-F238E27FC236}">
-                <a16:creationId xmlns="" xmlns:a16="http://schemas.microsoft.com/office/drawing/2014/main" id="{5413979D-5589-4770-9D29-046F2B506C33}"/>
+                <a16:creationId xmlns:a16="http://schemas.microsoft.com/office/drawing/2014/main" id="{5413979D-5589-4770-9D29-046F2B506C33}"/>
               </a:ext>
             </a:extLst>
           </p:cNvPr>
@@ -4387,13 +4322,13 @@
   <p:clrMapOvr>
     <a:masterClrMapping/>
   </p:clrMapOvr>
-  <mc:AlternateContent xmlns:mc="http://schemas.openxmlformats.org/markup-compatibility/2006">
-    <mc:Choice xmlns="" xmlns:p159="http://schemas.microsoft.com/office/powerpoint/2015/09/main" Requires="p159">
+  <mc:AlternateContent xmlns:mc="http://schemas.openxmlformats.org/markup-compatibility/2006" xmlns:p159="http://schemas.microsoft.com/office/powerpoint/2015/09/main">
+    <mc:Choice Requires="p159">
       <p:transition xmlns:p14="http://schemas.microsoft.com/office/powerpoint/2010/main" spd="slow" p14:dur="2000">
         <p159:morph option="byObject"/>
       </p:transition>
     </mc:Choice>
-    <mc:Fallback>
+    <mc:Fallback xmlns="">
       <p:transition spd="slow">
         <p:fade/>
       </p:transition>
@@ -4424,7 +4359,7 @@
           <p:cNvPr id="2" name="Vertical Title 1">
             <a:extLst>
               <a:ext uri="{FF2B5EF4-FFF2-40B4-BE49-F238E27FC236}">
-                <a16:creationId xmlns="" xmlns:a16="http://schemas.microsoft.com/office/drawing/2014/main" id="{DC6693CD-CB65-4F37-A6DA-F300B93C14D9}"/>
+                <a16:creationId xmlns:a16="http://schemas.microsoft.com/office/drawing/2014/main" id="{DC6693CD-CB65-4F37-A6DA-F300B93C14D9}"/>
               </a:ext>
             </a:extLst>
           </p:cNvPr>
@@ -4458,7 +4393,7 @@
           <p:cNvPr id="3" name="Vertical Text Placeholder 2">
             <a:extLst>
               <a:ext uri="{FF2B5EF4-FFF2-40B4-BE49-F238E27FC236}">
-                <a16:creationId xmlns="" xmlns:a16="http://schemas.microsoft.com/office/drawing/2014/main" id="{7448D117-7AE6-4831-9867-5145F64A0C24}"/>
+                <a16:creationId xmlns:a16="http://schemas.microsoft.com/office/drawing/2014/main" id="{7448D117-7AE6-4831-9867-5145F64A0C24}"/>
               </a:ext>
             </a:extLst>
           </p:cNvPr>
@@ -4521,7 +4456,7 @@
           <p:cNvPr id="4" name="Date Placeholder 3">
             <a:extLst>
               <a:ext uri="{FF2B5EF4-FFF2-40B4-BE49-F238E27FC236}">
-                <a16:creationId xmlns="" xmlns:a16="http://schemas.microsoft.com/office/drawing/2014/main" id="{E4988CF8-397F-485E-8081-AFA4DADD440C}"/>
+                <a16:creationId xmlns:a16="http://schemas.microsoft.com/office/drawing/2014/main" id="{E4988CF8-397F-485E-8081-AFA4DADD440C}"/>
               </a:ext>
             </a:extLst>
           </p:cNvPr>
@@ -4550,7 +4485,7 @@
           <p:cNvPr id="5" name="Footer Placeholder 4">
             <a:extLst>
               <a:ext uri="{FF2B5EF4-FFF2-40B4-BE49-F238E27FC236}">
-                <a16:creationId xmlns="" xmlns:a16="http://schemas.microsoft.com/office/drawing/2014/main" id="{83CE4773-4660-4F21-83CF-1A449395BB9D}"/>
+                <a16:creationId xmlns:a16="http://schemas.microsoft.com/office/drawing/2014/main" id="{83CE4773-4660-4F21-83CF-1A449395BB9D}"/>
               </a:ext>
             </a:extLst>
           </p:cNvPr>
@@ -4575,7 +4510,7 @@
           <p:cNvPr id="6" name="Slide Number Placeholder 5">
             <a:extLst>
               <a:ext uri="{FF2B5EF4-FFF2-40B4-BE49-F238E27FC236}">
-                <a16:creationId xmlns="" xmlns:a16="http://schemas.microsoft.com/office/drawing/2014/main" id="{D5B59537-EB47-40FA-893E-785D6FE00A5C}"/>
+                <a16:creationId xmlns:a16="http://schemas.microsoft.com/office/drawing/2014/main" id="{D5B59537-EB47-40FA-893E-785D6FE00A5C}"/>
               </a:ext>
             </a:extLst>
           </p:cNvPr>
@@ -4609,13 +4544,13 @@
   <p:clrMapOvr>
     <a:masterClrMapping/>
   </p:clrMapOvr>
-  <mc:AlternateContent xmlns:mc="http://schemas.openxmlformats.org/markup-compatibility/2006">
-    <mc:Choice xmlns="" xmlns:p159="http://schemas.microsoft.com/office/powerpoint/2015/09/main" Requires="p159">
+  <mc:AlternateContent xmlns:mc="http://schemas.openxmlformats.org/markup-compatibility/2006" xmlns:p159="http://schemas.microsoft.com/office/powerpoint/2015/09/main">
+    <mc:Choice Requires="p159">
       <p:transition xmlns:p14="http://schemas.microsoft.com/office/powerpoint/2010/main" spd="slow" p14:dur="2000">
         <p159:morph option="byObject"/>
       </p:transition>
     </mc:Choice>
-    <mc:Fallback>
+    <mc:Fallback xmlns="">
       <p:transition spd="slow">
         <p:fade/>
       </p:transition>
@@ -4646,7 +4581,7 @@
           <p:cNvPr id="2" name="Title 1">
             <a:extLst>
               <a:ext uri="{FF2B5EF4-FFF2-40B4-BE49-F238E27FC236}">
-                <a16:creationId xmlns="" xmlns:a16="http://schemas.microsoft.com/office/drawing/2014/main" id="{D0E7B4A7-C566-48F4-B4B8-3A5E7B6C5C3A}"/>
+                <a16:creationId xmlns:a16="http://schemas.microsoft.com/office/drawing/2014/main" id="{D0E7B4A7-C566-48F4-B4B8-3A5E7B6C5C3A}"/>
               </a:ext>
             </a:extLst>
           </p:cNvPr>
@@ -4675,7 +4610,7 @@
           <p:cNvPr id="3" name="Content Placeholder 2">
             <a:extLst>
               <a:ext uri="{FF2B5EF4-FFF2-40B4-BE49-F238E27FC236}">
-                <a16:creationId xmlns="" xmlns:a16="http://schemas.microsoft.com/office/drawing/2014/main" id="{AD3B93F5-BC8B-452C-ACE2-C7E01D1B80FD}"/>
+                <a16:creationId xmlns:a16="http://schemas.microsoft.com/office/drawing/2014/main" id="{AD3B93F5-BC8B-452C-ACE2-C7E01D1B80FD}"/>
               </a:ext>
             </a:extLst>
           </p:cNvPr>
@@ -4733,7 +4668,7 @@
           <p:cNvPr id="4" name="Date Placeholder 3">
             <a:extLst>
               <a:ext uri="{FF2B5EF4-FFF2-40B4-BE49-F238E27FC236}">
-                <a16:creationId xmlns="" xmlns:a16="http://schemas.microsoft.com/office/drawing/2014/main" id="{239A49B3-A57D-46C5-8462-0C52509F8FCA}"/>
+                <a16:creationId xmlns:a16="http://schemas.microsoft.com/office/drawing/2014/main" id="{239A49B3-A57D-46C5-8462-0C52509F8FCA}"/>
               </a:ext>
             </a:extLst>
           </p:cNvPr>
@@ -4762,7 +4697,7 @@
           <p:cNvPr id="5" name="Footer Placeholder 4">
             <a:extLst>
               <a:ext uri="{FF2B5EF4-FFF2-40B4-BE49-F238E27FC236}">
-                <a16:creationId xmlns="" xmlns:a16="http://schemas.microsoft.com/office/drawing/2014/main" id="{9EC8C810-EAF4-4D86-84DD-2E574122DD84}"/>
+                <a16:creationId xmlns:a16="http://schemas.microsoft.com/office/drawing/2014/main" id="{9EC8C810-EAF4-4D86-84DD-2E574122DD84}"/>
               </a:ext>
             </a:extLst>
           </p:cNvPr>
@@ -4787,7 +4722,7 @@
           <p:cNvPr id="6" name="Slide Number Placeholder 5">
             <a:extLst>
               <a:ext uri="{FF2B5EF4-FFF2-40B4-BE49-F238E27FC236}">
-                <a16:creationId xmlns="" xmlns:a16="http://schemas.microsoft.com/office/drawing/2014/main" id="{9587E738-8574-490B-974B-9AD3B2AAE521}"/>
+                <a16:creationId xmlns:a16="http://schemas.microsoft.com/office/drawing/2014/main" id="{9587E738-8574-490B-974B-9AD3B2AAE521}"/>
               </a:ext>
             </a:extLst>
           </p:cNvPr>
@@ -4821,13 +4756,13 @@
   <p:clrMapOvr>
     <a:masterClrMapping/>
   </p:clrMapOvr>
-  <mc:AlternateContent xmlns:mc="http://schemas.openxmlformats.org/markup-compatibility/2006">
-    <mc:Choice xmlns="" xmlns:p159="http://schemas.microsoft.com/office/powerpoint/2015/09/main" Requires="p159">
+  <mc:AlternateContent xmlns:mc="http://schemas.openxmlformats.org/markup-compatibility/2006" xmlns:p159="http://schemas.microsoft.com/office/powerpoint/2015/09/main">
+    <mc:Choice Requires="p159">
       <p:transition xmlns:p14="http://schemas.microsoft.com/office/powerpoint/2010/main" spd="slow" p14:dur="2000">
         <p159:morph option="byObject"/>
       </p:transition>
     </mc:Choice>
-    <mc:Fallback>
+    <mc:Fallback xmlns="">
       <p:transition spd="slow">
         <p:fade/>
       </p:transition>
@@ -4858,7 +4793,7 @@
           <p:cNvPr id="2" name="Title 1">
             <a:extLst>
               <a:ext uri="{FF2B5EF4-FFF2-40B4-BE49-F238E27FC236}">
-                <a16:creationId xmlns="" xmlns:a16="http://schemas.microsoft.com/office/drawing/2014/main" id="{D839764E-4B3D-4B6A-A210-B50E4F60E246}"/>
+                <a16:creationId xmlns:a16="http://schemas.microsoft.com/office/drawing/2014/main" id="{D839764E-4B3D-4B6A-A210-B50E4F60E246}"/>
               </a:ext>
             </a:extLst>
           </p:cNvPr>
@@ -4898,7 +4833,7 @@
           <p:cNvPr id="3" name="Text Placeholder 2">
             <a:extLst>
               <a:ext uri="{FF2B5EF4-FFF2-40B4-BE49-F238E27FC236}">
-                <a16:creationId xmlns="" xmlns:a16="http://schemas.microsoft.com/office/drawing/2014/main" id="{8A30AEC2-B6E6-4C09-A16F-5E2A1C9A0D0E}"/>
+                <a16:creationId xmlns:a16="http://schemas.microsoft.com/office/drawing/2014/main" id="{8A30AEC2-B6E6-4C09-A16F-5E2A1C9A0D0E}"/>
               </a:ext>
             </a:extLst>
           </p:cNvPr>
@@ -5026,7 +4961,7 @@
           <p:cNvPr id="4" name="Date Placeholder 3">
             <a:extLst>
               <a:ext uri="{FF2B5EF4-FFF2-40B4-BE49-F238E27FC236}">
-                <a16:creationId xmlns="" xmlns:a16="http://schemas.microsoft.com/office/drawing/2014/main" id="{42A37CAB-B545-4E42-BB5A-F1DAA9335033}"/>
+                <a16:creationId xmlns:a16="http://schemas.microsoft.com/office/drawing/2014/main" id="{42A37CAB-B545-4E42-BB5A-F1DAA9335033}"/>
               </a:ext>
             </a:extLst>
           </p:cNvPr>
@@ -5055,7 +4990,7 @@
           <p:cNvPr id="5" name="Footer Placeholder 4">
             <a:extLst>
               <a:ext uri="{FF2B5EF4-FFF2-40B4-BE49-F238E27FC236}">
-                <a16:creationId xmlns="" xmlns:a16="http://schemas.microsoft.com/office/drawing/2014/main" id="{AF6D720B-7E58-43F4-9659-ADB2403A50BB}"/>
+                <a16:creationId xmlns:a16="http://schemas.microsoft.com/office/drawing/2014/main" id="{AF6D720B-7E58-43F4-9659-ADB2403A50BB}"/>
               </a:ext>
             </a:extLst>
           </p:cNvPr>
@@ -5080,7 +5015,7 @@
           <p:cNvPr id="6" name="Slide Number Placeholder 5">
             <a:extLst>
               <a:ext uri="{FF2B5EF4-FFF2-40B4-BE49-F238E27FC236}">
-                <a16:creationId xmlns="" xmlns:a16="http://schemas.microsoft.com/office/drawing/2014/main" id="{A895F53F-2FA5-4B5C-A151-F07BBC002B29}"/>
+                <a16:creationId xmlns:a16="http://schemas.microsoft.com/office/drawing/2014/main" id="{A895F53F-2FA5-4B5C-A151-F07BBC002B29}"/>
               </a:ext>
             </a:extLst>
           </p:cNvPr>
@@ -5114,13 +5049,13 @@
   <p:clrMapOvr>
     <a:masterClrMapping/>
   </p:clrMapOvr>
-  <mc:AlternateContent xmlns:mc="http://schemas.openxmlformats.org/markup-compatibility/2006">
-    <mc:Choice xmlns="" xmlns:p159="http://schemas.microsoft.com/office/powerpoint/2015/09/main" Requires="p159">
+  <mc:AlternateContent xmlns:mc="http://schemas.openxmlformats.org/markup-compatibility/2006" xmlns:p159="http://schemas.microsoft.com/office/powerpoint/2015/09/main">
+    <mc:Choice Requires="p159">
       <p:transition xmlns:p14="http://schemas.microsoft.com/office/powerpoint/2010/main" spd="slow" p14:dur="2000">
         <p159:morph option="byObject"/>
       </p:transition>
     </mc:Choice>
-    <mc:Fallback>
+    <mc:Fallback xmlns="">
       <p:transition spd="slow">
         <p:fade/>
       </p:transition>
@@ -5151,7 +5086,7 @@
           <p:cNvPr id="2" name="Title 1">
             <a:extLst>
               <a:ext uri="{FF2B5EF4-FFF2-40B4-BE49-F238E27FC236}">
-                <a16:creationId xmlns="" xmlns:a16="http://schemas.microsoft.com/office/drawing/2014/main" id="{EAD473D3-0F03-4BF4-831F-34E80BAC5513}"/>
+                <a16:creationId xmlns:a16="http://schemas.microsoft.com/office/drawing/2014/main" id="{EAD473D3-0F03-4BF4-831F-34E80BAC5513}"/>
               </a:ext>
             </a:extLst>
           </p:cNvPr>
@@ -5180,7 +5115,7 @@
           <p:cNvPr id="3" name="Content Placeholder 2">
             <a:extLst>
               <a:ext uri="{FF2B5EF4-FFF2-40B4-BE49-F238E27FC236}">
-                <a16:creationId xmlns="" xmlns:a16="http://schemas.microsoft.com/office/drawing/2014/main" id="{74C09409-59F2-486F-A6D0-FAEE8FFF25B2}"/>
+                <a16:creationId xmlns:a16="http://schemas.microsoft.com/office/drawing/2014/main" id="{74C09409-59F2-486F-A6D0-FAEE8FFF25B2}"/>
               </a:ext>
             </a:extLst>
           </p:cNvPr>
@@ -5243,7 +5178,7 @@
           <p:cNvPr id="4" name="Content Placeholder 3">
             <a:extLst>
               <a:ext uri="{FF2B5EF4-FFF2-40B4-BE49-F238E27FC236}">
-                <a16:creationId xmlns="" xmlns:a16="http://schemas.microsoft.com/office/drawing/2014/main" id="{03087241-B390-47A6-8070-C3D4652F887B}"/>
+                <a16:creationId xmlns:a16="http://schemas.microsoft.com/office/drawing/2014/main" id="{03087241-B390-47A6-8070-C3D4652F887B}"/>
               </a:ext>
             </a:extLst>
           </p:cNvPr>
@@ -5306,7 +5241,7 @@
           <p:cNvPr id="5" name="Date Placeholder 4">
             <a:extLst>
               <a:ext uri="{FF2B5EF4-FFF2-40B4-BE49-F238E27FC236}">
-                <a16:creationId xmlns="" xmlns:a16="http://schemas.microsoft.com/office/drawing/2014/main" id="{5080B360-2ACA-4B93-9439-591B6D3FBC3F}"/>
+                <a16:creationId xmlns:a16="http://schemas.microsoft.com/office/drawing/2014/main" id="{5080B360-2ACA-4B93-9439-591B6D3FBC3F}"/>
               </a:ext>
             </a:extLst>
           </p:cNvPr>
@@ -5335,7 +5270,7 @@
           <p:cNvPr id="6" name="Footer Placeholder 5">
             <a:extLst>
               <a:ext uri="{FF2B5EF4-FFF2-40B4-BE49-F238E27FC236}">
-                <a16:creationId xmlns="" xmlns:a16="http://schemas.microsoft.com/office/drawing/2014/main" id="{684A73E2-CF78-404C-A86F-E70A284AE99E}"/>
+                <a16:creationId xmlns:a16="http://schemas.microsoft.com/office/drawing/2014/main" id="{684A73E2-CF78-404C-A86F-E70A284AE99E}"/>
               </a:ext>
             </a:extLst>
           </p:cNvPr>
@@ -5360,7 +5295,7 @@
           <p:cNvPr id="7" name="Slide Number Placeholder 6">
             <a:extLst>
               <a:ext uri="{FF2B5EF4-FFF2-40B4-BE49-F238E27FC236}">
-                <a16:creationId xmlns="" xmlns:a16="http://schemas.microsoft.com/office/drawing/2014/main" id="{B6A8F42A-11E1-42A0-8ECF-A5BBA3B8CA56}"/>
+                <a16:creationId xmlns:a16="http://schemas.microsoft.com/office/drawing/2014/main" id="{B6A8F42A-11E1-42A0-8ECF-A5BBA3B8CA56}"/>
               </a:ext>
             </a:extLst>
           </p:cNvPr>
@@ -5394,13 +5329,13 @@
   <p:clrMapOvr>
     <a:masterClrMapping/>
   </p:clrMapOvr>
-  <mc:AlternateContent xmlns:mc="http://schemas.openxmlformats.org/markup-compatibility/2006">
-    <mc:Choice xmlns="" xmlns:p159="http://schemas.microsoft.com/office/powerpoint/2015/09/main" Requires="p159">
+  <mc:AlternateContent xmlns:mc="http://schemas.openxmlformats.org/markup-compatibility/2006" xmlns:p159="http://schemas.microsoft.com/office/powerpoint/2015/09/main">
+    <mc:Choice Requires="p159">
       <p:transition xmlns:p14="http://schemas.microsoft.com/office/powerpoint/2010/main" spd="slow" p14:dur="2000">
         <p159:morph option="byObject"/>
       </p:transition>
     </mc:Choice>
-    <mc:Fallback>
+    <mc:Fallback xmlns="">
       <p:transition spd="slow">
         <p:fade/>
       </p:transition>
@@ -5431,7 +5366,7 @@
           <p:cNvPr id="2" name="Title 1">
             <a:extLst>
               <a:ext uri="{FF2B5EF4-FFF2-40B4-BE49-F238E27FC236}">
-                <a16:creationId xmlns="" xmlns:a16="http://schemas.microsoft.com/office/drawing/2014/main" id="{D1BECA31-EE14-41DD-9914-DA7138220460}"/>
+                <a16:creationId xmlns:a16="http://schemas.microsoft.com/office/drawing/2014/main" id="{D1BECA31-EE14-41DD-9914-DA7138220460}"/>
               </a:ext>
             </a:extLst>
           </p:cNvPr>
@@ -5465,7 +5400,7 @@
           <p:cNvPr id="3" name="Text Placeholder 2">
             <a:extLst>
               <a:ext uri="{FF2B5EF4-FFF2-40B4-BE49-F238E27FC236}">
-                <a16:creationId xmlns="" xmlns:a16="http://schemas.microsoft.com/office/drawing/2014/main" id="{6CB22AB6-1657-4AE2-8607-2C77A25D79D9}"/>
+                <a16:creationId xmlns:a16="http://schemas.microsoft.com/office/drawing/2014/main" id="{6CB22AB6-1657-4AE2-8607-2C77A25D79D9}"/>
               </a:ext>
             </a:extLst>
           </p:cNvPr>
@@ -5538,7 +5473,7 @@
           <p:cNvPr id="4" name="Content Placeholder 3">
             <a:extLst>
               <a:ext uri="{FF2B5EF4-FFF2-40B4-BE49-F238E27FC236}">
-                <a16:creationId xmlns="" xmlns:a16="http://schemas.microsoft.com/office/drawing/2014/main" id="{4BAA6DC0-D4D5-4164-A3FD-6BB5CBB2BBAD}"/>
+                <a16:creationId xmlns:a16="http://schemas.microsoft.com/office/drawing/2014/main" id="{4BAA6DC0-D4D5-4164-A3FD-6BB5CBB2BBAD}"/>
               </a:ext>
             </a:extLst>
           </p:cNvPr>
@@ -5619,7 +5554,7 @@
           <p:cNvPr id="5" name="Text Placeholder 4">
             <a:extLst>
               <a:ext uri="{FF2B5EF4-FFF2-40B4-BE49-F238E27FC236}">
-                <a16:creationId xmlns="" xmlns:a16="http://schemas.microsoft.com/office/drawing/2014/main" id="{129B35F8-95F3-43D1-8917-5836BAA90490}"/>
+                <a16:creationId xmlns:a16="http://schemas.microsoft.com/office/drawing/2014/main" id="{129B35F8-95F3-43D1-8917-5836BAA90490}"/>
               </a:ext>
             </a:extLst>
           </p:cNvPr>
@@ -5692,7 +5627,7 @@
           <p:cNvPr id="6" name="Content Placeholder 5">
             <a:extLst>
               <a:ext uri="{FF2B5EF4-FFF2-40B4-BE49-F238E27FC236}">
-                <a16:creationId xmlns="" xmlns:a16="http://schemas.microsoft.com/office/drawing/2014/main" id="{12B639E7-F4A3-4ADE-B290-0A4F9761B977}"/>
+                <a16:creationId xmlns:a16="http://schemas.microsoft.com/office/drawing/2014/main" id="{12B639E7-F4A3-4ADE-B290-0A4F9761B977}"/>
               </a:ext>
             </a:extLst>
           </p:cNvPr>
@@ -5773,7 +5708,7 @@
           <p:cNvPr id="7" name="Date Placeholder 6">
             <a:extLst>
               <a:ext uri="{FF2B5EF4-FFF2-40B4-BE49-F238E27FC236}">
-                <a16:creationId xmlns="" xmlns:a16="http://schemas.microsoft.com/office/drawing/2014/main" id="{CD6F296B-429F-4DFC-ABC3-0A078EA99425}"/>
+                <a16:creationId xmlns:a16="http://schemas.microsoft.com/office/drawing/2014/main" id="{CD6F296B-429F-4DFC-ABC3-0A078EA99425}"/>
               </a:ext>
             </a:extLst>
           </p:cNvPr>
@@ -5802,7 +5737,7 @@
           <p:cNvPr id="8" name="Footer Placeholder 7">
             <a:extLst>
               <a:ext uri="{FF2B5EF4-FFF2-40B4-BE49-F238E27FC236}">
-                <a16:creationId xmlns="" xmlns:a16="http://schemas.microsoft.com/office/drawing/2014/main" id="{0B7103B9-D521-4910-AC15-F12F25CB9524}"/>
+                <a16:creationId xmlns:a16="http://schemas.microsoft.com/office/drawing/2014/main" id="{0B7103B9-D521-4910-AC15-F12F25CB9524}"/>
               </a:ext>
             </a:extLst>
           </p:cNvPr>
@@ -5827,7 +5762,7 @@
           <p:cNvPr id="9" name="Slide Number Placeholder 8">
             <a:extLst>
               <a:ext uri="{FF2B5EF4-FFF2-40B4-BE49-F238E27FC236}">
-                <a16:creationId xmlns="" xmlns:a16="http://schemas.microsoft.com/office/drawing/2014/main" id="{9F73A6D9-123D-492C-B5CE-294EF2559FAB}"/>
+                <a16:creationId xmlns:a16="http://schemas.microsoft.com/office/drawing/2014/main" id="{9F73A6D9-123D-492C-B5CE-294EF2559FAB}"/>
               </a:ext>
             </a:extLst>
           </p:cNvPr>
@@ -5861,13 +5796,13 @@
   <p:clrMapOvr>
     <a:masterClrMapping/>
   </p:clrMapOvr>
-  <mc:AlternateContent xmlns:mc="http://schemas.openxmlformats.org/markup-compatibility/2006">
-    <mc:Choice xmlns="" xmlns:p159="http://schemas.microsoft.com/office/powerpoint/2015/09/main" Requires="p159">
+  <mc:AlternateContent xmlns:mc="http://schemas.openxmlformats.org/markup-compatibility/2006" xmlns:p159="http://schemas.microsoft.com/office/powerpoint/2015/09/main">
+    <mc:Choice Requires="p159">
       <p:transition xmlns:p14="http://schemas.microsoft.com/office/powerpoint/2010/main" spd="slow" p14:dur="2000">
         <p159:morph option="byObject"/>
       </p:transition>
     </mc:Choice>
-    <mc:Fallback>
+    <mc:Fallback xmlns="">
       <p:transition spd="slow">
         <p:fade/>
       </p:transition>
@@ -5898,7 +5833,7 @@
           <p:cNvPr id="2" name="Title 1">
             <a:extLst>
               <a:ext uri="{FF2B5EF4-FFF2-40B4-BE49-F238E27FC236}">
-                <a16:creationId xmlns="" xmlns:a16="http://schemas.microsoft.com/office/drawing/2014/main" id="{4C592A22-4B4D-4F58-9783-A0469DA4D233}"/>
+                <a16:creationId xmlns:a16="http://schemas.microsoft.com/office/drawing/2014/main" id="{4C592A22-4B4D-4F58-9783-A0469DA4D233}"/>
               </a:ext>
             </a:extLst>
           </p:cNvPr>
@@ -5932,7 +5867,7 @@
           <p:cNvPr id="3" name="Date Placeholder 2">
             <a:extLst>
               <a:ext uri="{FF2B5EF4-FFF2-40B4-BE49-F238E27FC236}">
-                <a16:creationId xmlns="" xmlns:a16="http://schemas.microsoft.com/office/drawing/2014/main" id="{3B5EE610-5457-4E8C-B568-B8D560773B5C}"/>
+                <a16:creationId xmlns:a16="http://schemas.microsoft.com/office/drawing/2014/main" id="{3B5EE610-5457-4E8C-B568-B8D560773B5C}"/>
               </a:ext>
             </a:extLst>
           </p:cNvPr>
@@ -5961,7 +5896,7 @@
           <p:cNvPr id="4" name="Footer Placeholder 3">
             <a:extLst>
               <a:ext uri="{FF2B5EF4-FFF2-40B4-BE49-F238E27FC236}">
-                <a16:creationId xmlns="" xmlns:a16="http://schemas.microsoft.com/office/drawing/2014/main" id="{A0BA57BB-288A-4A30-A4EC-FF0537BC2603}"/>
+                <a16:creationId xmlns:a16="http://schemas.microsoft.com/office/drawing/2014/main" id="{A0BA57BB-288A-4A30-A4EC-FF0537BC2603}"/>
               </a:ext>
             </a:extLst>
           </p:cNvPr>
@@ -5986,7 +5921,7 @@
           <p:cNvPr id="5" name="Slide Number Placeholder 4">
             <a:extLst>
               <a:ext uri="{FF2B5EF4-FFF2-40B4-BE49-F238E27FC236}">
-                <a16:creationId xmlns="" xmlns:a16="http://schemas.microsoft.com/office/drawing/2014/main" id="{D0414C89-B968-4A85-A035-E2997A5F8498}"/>
+                <a16:creationId xmlns:a16="http://schemas.microsoft.com/office/drawing/2014/main" id="{D0414C89-B968-4A85-A035-E2997A5F8498}"/>
               </a:ext>
             </a:extLst>
           </p:cNvPr>
@@ -6020,13 +5955,13 @@
   <p:clrMapOvr>
     <a:masterClrMapping/>
   </p:clrMapOvr>
-  <mc:AlternateContent xmlns:mc="http://schemas.openxmlformats.org/markup-compatibility/2006">
-    <mc:Choice xmlns="" xmlns:p159="http://schemas.microsoft.com/office/powerpoint/2015/09/main" Requires="p159">
+  <mc:AlternateContent xmlns:mc="http://schemas.openxmlformats.org/markup-compatibility/2006" xmlns:p159="http://schemas.microsoft.com/office/powerpoint/2015/09/main">
+    <mc:Choice Requires="p159">
       <p:transition xmlns:p14="http://schemas.microsoft.com/office/powerpoint/2010/main" spd="slow" p14:dur="2000">
         <p159:morph option="byObject"/>
       </p:transition>
     </mc:Choice>
-    <mc:Fallback>
+    <mc:Fallback xmlns="">
       <p:transition spd="slow">
         <p:fade/>
       </p:transition>
@@ -6057,7 +5992,7 @@
           <p:cNvPr id="2" name="Date Placeholder 1">
             <a:extLst>
               <a:ext uri="{FF2B5EF4-FFF2-40B4-BE49-F238E27FC236}">
-                <a16:creationId xmlns="" xmlns:a16="http://schemas.microsoft.com/office/drawing/2014/main" id="{1B7A339C-4093-4B40-8C90-52F005CA9A0E}"/>
+                <a16:creationId xmlns:a16="http://schemas.microsoft.com/office/drawing/2014/main" id="{1B7A339C-4093-4B40-8C90-52F005CA9A0E}"/>
               </a:ext>
             </a:extLst>
           </p:cNvPr>
@@ -6086,7 +6021,7 @@
           <p:cNvPr id="3" name="Footer Placeholder 2">
             <a:extLst>
               <a:ext uri="{FF2B5EF4-FFF2-40B4-BE49-F238E27FC236}">
-                <a16:creationId xmlns="" xmlns:a16="http://schemas.microsoft.com/office/drawing/2014/main" id="{DFA33F04-8E0A-4165-930C-527D781A7D0C}"/>
+                <a16:creationId xmlns:a16="http://schemas.microsoft.com/office/drawing/2014/main" id="{DFA33F04-8E0A-4165-930C-527D781A7D0C}"/>
               </a:ext>
             </a:extLst>
           </p:cNvPr>
@@ -6111,7 +6046,7 @@
           <p:cNvPr id="4" name="Slide Number Placeholder 3">
             <a:extLst>
               <a:ext uri="{FF2B5EF4-FFF2-40B4-BE49-F238E27FC236}">
-                <a16:creationId xmlns="" xmlns:a16="http://schemas.microsoft.com/office/drawing/2014/main" id="{9062F57B-BEB6-4973-A362-38F638E0D05C}"/>
+                <a16:creationId xmlns:a16="http://schemas.microsoft.com/office/drawing/2014/main" id="{9062F57B-BEB6-4973-A362-38F638E0D05C}"/>
               </a:ext>
             </a:extLst>
           </p:cNvPr>
@@ -6145,13 +6080,13 @@
   <p:clrMapOvr>
     <a:masterClrMapping/>
   </p:clrMapOvr>
-  <mc:AlternateContent xmlns:mc="http://schemas.openxmlformats.org/markup-compatibility/2006">
-    <mc:Choice xmlns="" xmlns:p159="http://schemas.microsoft.com/office/powerpoint/2015/09/main" Requires="p159">
+  <mc:AlternateContent xmlns:mc="http://schemas.openxmlformats.org/markup-compatibility/2006" xmlns:p159="http://schemas.microsoft.com/office/powerpoint/2015/09/main">
+    <mc:Choice Requires="p159">
       <p:transition xmlns:p14="http://schemas.microsoft.com/office/powerpoint/2010/main" spd="slow" p14:dur="2000">
         <p159:morph option="byObject"/>
       </p:transition>
     </mc:Choice>
-    <mc:Fallback>
+    <mc:Fallback xmlns="">
       <p:transition spd="slow">
         <p:fade/>
       </p:transition>
@@ -6182,7 +6117,7 @@
           <p:cNvPr id="2" name="Title 1">
             <a:extLst>
               <a:ext uri="{FF2B5EF4-FFF2-40B4-BE49-F238E27FC236}">
-                <a16:creationId xmlns="" xmlns:a16="http://schemas.microsoft.com/office/drawing/2014/main" id="{4A8FAC90-C2CA-44DD-8EF8-20BDD6724247}"/>
+                <a16:creationId xmlns:a16="http://schemas.microsoft.com/office/drawing/2014/main" id="{4A8FAC90-C2CA-44DD-8EF8-20BDD6724247}"/>
               </a:ext>
             </a:extLst>
           </p:cNvPr>
@@ -6222,7 +6157,7 @@
           <p:cNvPr id="3" name="Content Placeholder 2">
             <a:extLst>
               <a:ext uri="{FF2B5EF4-FFF2-40B4-BE49-F238E27FC236}">
-                <a16:creationId xmlns="" xmlns:a16="http://schemas.microsoft.com/office/drawing/2014/main" id="{5EE915FB-D5F4-4CAD-AE70-3644E81802E6}"/>
+                <a16:creationId xmlns:a16="http://schemas.microsoft.com/office/drawing/2014/main" id="{5EE915FB-D5F4-4CAD-AE70-3644E81802E6}"/>
               </a:ext>
             </a:extLst>
           </p:cNvPr>
@@ -6315,7 +6250,7 @@
           <p:cNvPr id="4" name="Text Placeholder 3">
             <a:extLst>
               <a:ext uri="{FF2B5EF4-FFF2-40B4-BE49-F238E27FC236}">
-                <a16:creationId xmlns="" xmlns:a16="http://schemas.microsoft.com/office/drawing/2014/main" id="{E7374DA3-3BAC-4045-825F-B3C27B89736B}"/>
+                <a16:creationId xmlns:a16="http://schemas.microsoft.com/office/drawing/2014/main" id="{E7374DA3-3BAC-4045-825F-B3C27B89736B}"/>
               </a:ext>
             </a:extLst>
           </p:cNvPr>
@@ -6388,7 +6323,7 @@
           <p:cNvPr id="5" name="Date Placeholder 4">
             <a:extLst>
               <a:ext uri="{FF2B5EF4-FFF2-40B4-BE49-F238E27FC236}">
-                <a16:creationId xmlns="" xmlns:a16="http://schemas.microsoft.com/office/drawing/2014/main" id="{D45A0D65-0423-4E45-947A-E08C8569F15F}"/>
+                <a16:creationId xmlns:a16="http://schemas.microsoft.com/office/drawing/2014/main" id="{D45A0D65-0423-4E45-947A-E08C8569F15F}"/>
               </a:ext>
             </a:extLst>
           </p:cNvPr>
@@ -6417,7 +6352,7 @@
           <p:cNvPr id="6" name="Footer Placeholder 5">
             <a:extLst>
               <a:ext uri="{FF2B5EF4-FFF2-40B4-BE49-F238E27FC236}">
-                <a16:creationId xmlns="" xmlns:a16="http://schemas.microsoft.com/office/drawing/2014/main" id="{27E6FBD0-E49F-4DE6-9264-CEDB9BAA01C6}"/>
+                <a16:creationId xmlns:a16="http://schemas.microsoft.com/office/drawing/2014/main" id="{27E6FBD0-E49F-4DE6-9264-CEDB9BAA01C6}"/>
               </a:ext>
             </a:extLst>
           </p:cNvPr>
@@ -6442,7 +6377,7 @@
           <p:cNvPr id="7" name="Slide Number Placeholder 6">
             <a:extLst>
               <a:ext uri="{FF2B5EF4-FFF2-40B4-BE49-F238E27FC236}">
-                <a16:creationId xmlns="" xmlns:a16="http://schemas.microsoft.com/office/drawing/2014/main" id="{A816B246-A768-4B2D-96C6-9F417852636C}"/>
+                <a16:creationId xmlns:a16="http://schemas.microsoft.com/office/drawing/2014/main" id="{A816B246-A768-4B2D-96C6-9F417852636C}"/>
               </a:ext>
             </a:extLst>
           </p:cNvPr>
@@ -6476,13 +6411,13 @@
   <p:clrMapOvr>
     <a:masterClrMapping/>
   </p:clrMapOvr>
-  <mc:AlternateContent xmlns:mc="http://schemas.openxmlformats.org/markup-compatibility/2006">
-    <mc:Choice xmlns="" xmlns:p159="http://schemas.microsoft.com/office/powerpoint/2015/09/main" Requires="p159">
+  <mc:AlternateContent xmlns:mc="http://schemas.openxmlformats.org/markup-compatibility/2006" xmlns:p159="http://schemas.microsoft.com/office/powerpoint/2015/09/main">
+    <mc:Choice Requires="p159">
       <p:transition xmlns:p14="http://schemas.microsoft.com/office/powerpoint/2010/main" spd="slow" p14:dur="2000">
         <p159:morph option="byObject"/>
       </p:transition>
     </mc:Choice>
-    <mc:Fallback>
+    <mc:Fallback xmlns="">
       <p:transition spd="slow">
         <p:fade/>
       </p:transition>
@@ -6513,7 +6448,7 @@
           <p:cNvPr id="2" name="Title 1">
             <a:extLst>
               <a:ext uri="{FF2B5EF4-FFF2-40B4-BE49-F238E27FC236}">
-                <a16:creationId xmlns="" xmlns:a16="http://schemas.microsoft.com/office/drawing/2014/main" id="{060CB0C8-915E-4BF2-976E-B8D7EDC591F9}"/>
+                <a16:creationId xmlns:a16="http://schemas.microsoft.com/office/drawing/2014/main" id="{060CB0C8-915E-4BF2-976E-B8D7EDC591F9}"/>
               </a:ext>
             </a:extLst>
           </p:cNvPr>
@@ -6553,7 +6488,7 @@
           <p:cNvPr id="3" name="Picture Placeholder 2">
             <a:extLst>
               <a:ext uri="{FF2B5EF4-FFF2-40B4-BE49-F238E27FC236}">
-                <a16:creationId xmlns="" xmlns:a16="http://schemas.microsoft.com/office/drawing/2014/main" id="{710714E6-8E50-4B50-A2E0-F9D20155EB9B}"/>
+                <a16:creationId xmlns:a16="http://schemas.microsoft.com/office/drawing/2014/main" id="{710714E6-8E50-4B50-A2E0-F9D20155EB9B}"/>
               </a:ext>
             </a:extLst>
           </p:cNvPr>
@@ -6624,7 +6559,7 @@
           <p:cNvPr id="4" name="Text Placeholder 3">
             <a:extLst>
               <a:ext uri="{FF2B5EF4-FFF2-40B4-BE49-F238E27FC236}">
-                <a16:creationId xmlns="" xmlns:a16="http://schemas.microsoft.com/office/drawing/2014/main" id="{E0D67A6C-5CA5-4EF0-B1C4-ED85FF255AE3}"/>
+                <a16:creationId xmlns:a16="http://schemas.microsoft.com/office/drawing/2014/main" id="{E0D67A6C-5CA5-4EF0-B1C4-ED85FF255AE3}"/>
               </a:ext>
             </a:extLst>
           </p:cNvPr>
@@ -6697,7 +6632,7 @@
           <p:cNvPr id="5" name="Date Placeholder 4">
             <a:extLst>
               <a:ext uri="{FF2B5EF4-FFF2-40B4-BE49-F238E27FC236}">
-                <a16:creationId xmlns="" xmlns:a16="http://schemas.microsoft.com/office/drawing/2014/main" id="{31C76474-31D4-4567-B4EC-B6AF24488AE7}"/>
+                <a16:creationId xmlns:a16="http://schemas.microsoft.com/office/drawing/2014/main" id="{31C76474-31D4-4567-B4EC-B6AF24488AE7}"/>
               </a:ext>
             </a:extLst>
           </p:cNvPr>
@@ -6726,7 +6661,7 @@
           <p:cNvPr id="6" name="Footer Placeholder 5">
             <a:extLst>
               <a:ext uri="{FF2B5EF4-FFF2-40B4-BE49-F238E27FC236}">
-                <a16:creationId xmlns="" xmlns:a16="http://schemas.microsoft.com/office/drawing/2014/main" id="{5C902DE0-33F5-4372-8EB5-F5746D344A59}"/>
+                <a16:creationId xmlns:a16="http://schemas.microsoft.com/office/drawing/2014/main" id="{5C902DE0-33F5-4372-8EB5-F5746D344A59}"/>
               </a:ext>
             </a:extLst>
           </p:cNvPr>
@@ -6751,7 +6686,7 @@
           <p:cNvPr id="7" name="Slide Number Placeholder 6">
             <a:extLst>
               <a:ext uri="{FF2B5EF4-FFF2-40B4-BE49-F238E27FC236}">
-                <a16:creationId xmlns="" xmlns:a16="http://schemas.microsoft.com/office/drawing/2014/main" id="{25C5C2EF-849D-4B2C-8ED6-D26553657DBA}"/>
+                <a16:creationId xmlns:a16="http://schemas.microsoft.com/office/drawing/2014/main" id="{25C5C2EF-849D-4B2C-8ED6-D26553657DBA}"/>
               </a:ext>
             </a:extLst>
           </p:cNvPr>
@@ -6785,13 +6720,13 @@
   <p:clrMapOvr>
     <a:masterClrMapping/>
   </p:clrMapOvr>
-  <mc:AlternateContent xmlns:mc="http://schemas.openxmlformats.org/markup-compatibility/2006">
-    <mc:Choice xmlns="" xmlns:p159="http://schemas.microsoft.com/office/powerpoint/2015/09/main" Requires="p159">
+  <mc:AlternateContent xmlns:mc="http://schemas.openxmlformats.org/markup-compatibility/2006" xmlns:p159="http://schemas.microsoft.com/office/powerpoint/2015/09/main">
+    <mc:Choice Requires="p159">
       <p:transition xmlns:p14="http://schemas.microsoft.com/office/powerpoint/2010/main" spd="slow" p14:dur="2000">
         <p159:morph option="byObject"/>
       </p:transition>
     </mc:Choice>
-    <mc:Fallback>
+    <mc:Fallback xmlns="">
       <p:transition spd="slow">
         <p:fade/>
       </p:transition>
@@ -6827,10 +6762,10 @@
           <p:cNvPr id="7" name="Rectangle 6">
             <a:extLst>
               <a:ext uri="{FF2B5EF4-FFF2-40B4-BE49-F238E27FC236}">
-                <a16:creationId xmlns="" xmlns:a16="http://schemas.microsoft.com/office/drawing/2014/main" id="{2293296F-4C3A-4530-98F5-F83646ACE913}"/>
+                <a16:creationId xmlns:a16="http://schemas.microsoft.com/office/drawing/2014/main" id="{2293296F-4C3A-4530-98F5-F83646ACE913}"/>
               </a:ext>
               <a:ext uri="{C183D7F6-B498-43B3-948B-1728B52AA6E4}">
-                <adec:decorative xmlns="" xmlns:adec="http://schemas.microsoft.com/office/drawing/2017/decorative" val="1"/>
+                <adec:decorative xmlns:adec="http://schemas.microsoft.com/office/drawing/2017/decorative" val="1"/>
               </a:ext>
             </a:extLst>
           </p:cNvPr>
@@ -6885,10 +6820,10 @@
           <p:cNvPr id="8" name="Group 7">
             <a:extLst>
               <a:ext uri="{FF2B5EF4-FFF2-40B4-BE49-F238E27FC236}">
-                <a16:creationId xmlns="" xmlns:a16="http://schemas.microsoft.com/office/drawing/2014/main" id="{3914D2BD-3C47-433D-81FE-DC6C39595F0E}"/>
+                <a16:creationId xmlns:a16="http://schemas.microsoft.com/office/drawing/2014/main" id="{3914D2BD-3C47-433D-81FE-DC6C39595F0E}"/>
               </a:ext>
               <a:ext uri="{C183D7F6-B498-43B3-948B-1728B52AA6E4}">
-                <adec:decorative xmlns="" xmlns:adec="http://schemas.microsoft.com/office/drawing/2017/decorative" val="1"/>
+                <adec:decorative xmlns:adec="http://schemas.microsoft.com/office/drawing/2017/decorative" val="1"/>
               </a:ext>
             </a:extLst>
           </p:cNvPr>
@@ -6908,7 +6843,7 @@
             <p:cNvPr id="9" name="Straight Connector 8">
               <a:extLst>
                 <a:ext uri="{FF2B5EF4-FFF2-40B4-BE49-F238E27FC236}">
-                  <a16:creationId xmlns="" xmlns:a16="http://schemas.microsoft.com/office/drawing/2014/main" id="{D3DD55E4-EA4F-4874-8B5B-6E0EAF4BBFC4}"/>
+                  <a16:creationId xmlns:a16="http://schemas.microsoft.com/office/drawing/2014/main" id="{D3DD55E4-EA4F-4874-8B5B-6E0EAF4BBFC4}"/>
                 </a:ext>
               </a:extLst>
             </p:cNvPr>
@@ -6951,7 +6886,7 @@
             <p:cNvPr id="10" name="Straight Connector 9">
               <a:extLst>
                 <a:ext uri="{FF2B5EF4-FFF2-40B4-BE49-F238E27FC236}">
-                  <a16:creationId xmlns="" xmlns:a16="http://schemas.microsoft.com/office/drawing/2014/main" id="{32950BAF-7673-4138-AEA2-DE7D368CC357}"/>
+                  <a16:creationId xmlns:a16="http://schemas.microsoft.com/office/drawing/2014/main" id="{32950BAF-7673-4138-AEA2-DE7D368CC357}"/>
                 </a:ext>
               </a:extLst>
             </p:cNvPr>
@@ -6994,7 +6929,7 @@
             <p:cNvPr id="11" name="Straight Connector 10">
               <a:extLst>
                 <a:ext uri="{FF2B5EF4-FFF2-40B4-BE49-F238E27FC236}">
-                  <a16:creationId xmlns="" xmlns:a16="http://schemas.microsoft.com/office/drawing/2014/main" id="{6BE3E2B5-EA1C-415A-941A-843C7EA148E1}"/>
+                  <a16:creationId xmlns:a16="http://schemas.microsoft.com/office/drawing/2014/main" id="{6BE3E2B5-EA1C-415A-941A-843C7EA148E1}"/>
                 </a:ext>
               </a:extLst>
             </p:cNvPr>
@@ -7037,7 +6972,7 @@
             <p:cNvPr id="12" name="Straight Connector 11">
               <a:extLst>
                 <a:ext uri="{FF2B5EF4-FFF2-40B4-BE49-F238E27FC236}">
-                  <a16:creationId xmlns="" xmlns:a16="http://schemas.microsoft.com/office/drawing/2014/main" id="{087FA3A6-E398-4576-B6B8-3328028D84B2}"/>
+                  <a16:creationId xmlns:a16="http://schemas.microsoft.com/office/drawing/2014/main" id="{087FA3A6-E398-4576-B6B8-3328028D84B2}"/>
                 </a:ext>
               </a:extLst>
             </p:cNvPr>
@@ -7080,7 +7015,7 @@
             <p:cNvPr id="13" name="Graphic 33">
               <a:extLst>
                 <a:ext uri="{FF2B5EF4-FFF2-40B4-BE49-F238E27FC236}">
-                  <a16:creationId xmlns="" xmlns:a16="http://schemas.microsoft.com/office/drawing/2014/main" id="{EFB597D7-65E0-476A-B9EB-3AA6ED33884C}"/>
+                  <a16:creationId xmlns:a16="http://schemas.microsoft.com/office/drawing/2014/main" id="{EFB597D7-65E0-476A-B9EB-3AA6ED33884C}"/>
                 </a:ext>
               </a:extLst>
             </p:cNvPr>
@@ -7155,7 +7090,7 @@
             <p:cNvPr id="14" name="Graphic 33">
               <a:extLst>
                 <a:ext uri="{FF2B5EF4-FFF2-40B4-BE49-F238E27FC236}">
-                  <a16:creationId xmlns="" xmlns:a16="http://schemas.microsoft.com/office/drawing/2014/main" id="{11AA060A-BE0E-4687-8F9E-0E2955D9796D}"/>
+                  <a16:creationId xmlns:a16="http://schemas.microsoft.com/office/drawing/2014/main" id="{11AA060A-BE0E-4687-8F9E-0E2955D9796D}"/>
                 </a:ext>
               </a:extLst>
             </p:cNvPr>
@@ -7231,7 +7166,7 @@
           <p:cNvPr id="2" name="Title Placeholder 1">
             <a:extLst>
               <a:ext uri="{FF2B5EF4-FFF2-40B4-BE49-F238E27FC236}">
-                <a16:creationId xmlns="" xmlns:a16="http://schemas.microsoft.com/office/drawing/2014/main" id="{2D78318D-FE3E-41D7-9A8C-2065A2C46AF3}"/>
+                <a16:creationId xmlns:a16="http://schemas.microsoft.com/office/drawing/2014/main" id="{2D78318D-FE3E-41D7-9A8C-2065A2C46AF3}"/>
               </a:ext>
             </a:extLst>
           </p:cNvPr>
@@ -7270,7 +7205,7 @@
           <p:cNvPr id="3" name="Text Placeholder 2">
             <a:extLst>
               <a:ext uri="{FF2B5EF4-FFF2-40B4-BE49-F238E27FC236}">
-                <a16:creationId xmlns="" xmlns:a16="http://schemas.microsoft.com/office/drawing/2014/main" id="{FDB06718-79E7-4159-A003-F86FE7B3D829}"/>
+                <a16:creationId xmlns:a16="http://schemas.microsoft.com/office/drawing/2014/main" id="{FDB06718-79E7-4159-A003-F86FE7B3D829}"/>
               </a:ext>
             </a:extLst>
           </p:cNvPr>
@@ -7338,7 +7273,7 @@
           <p:cNvPr id="4" name="Date Placeholder 3">
             <a:extLst>
               <a:ext uri="{FF2B5EF4-FFF2-40B4-BE49-F238E27FC236}">
-                <a16:creationId xmlns="" xmlns:a16="http://schemas.microsoft.com/office/drawing/2014/main" id="{5B1F99FF-FFE2-431D-A0C8-A46C21712A20}"/>
+                <a16:creationId xmlns:a16="http://schemas.microsoft.com/office/drawing/2014/main" id="{5B1F99FF-FFE2-431D-A0C8-A46C21712A20}"/>
               </a:ext>
             </a:extLst>
           </p:cNvPr>
@@ -7386,7 +7321,7 @@
           <p:cNvPr id="5" name="Footer Placeholder 4">
             <a:extLst>
               <a:ext uri="{FF2B5EF4-FFF2-40B4-BE49-F238E27FC236}">
-                <a16:creationId xmlns="" xmlns:a16="http://schemas.microsoft.com/office/drawing/2014/main" id="{51C3547E-668D-4191-847C-7424F75496E6}"/>
+                <a16:creationId xmlns:a16="http://schemas.microsoft.com/office/drawing/2014/main" id="{51C3547E-668D-4191-847C-7424F75496E6}"/>
               </a:ext>
             </a:extLst>
           </p:cNvPr>
@@ -7430,7 +7365,7 @@
           <p:cNvPr id="6" name="Slide Number Placeholder 5">
             <a:extLst>
               <a:ext uri="{FF2B5EF4-FFF2-40B4-BE49-F238E27FC236}">
-                <a16:creationId xmlns="" xmlns:a16="http://schemas.microsoft.com/office/drawing/2014/main" id="{8CBB6E6E-8527-4F63-A0C7-84CD44A2B00D}"/>
+                <a16:creationId xmlns:a16="http://schemas.microsoft.com/office/drawing/2014/main" id="{8CBB6E6E-8527-4F63-A0C7-84CD44A2B00D}"/>
               </a:ext>
             </a:extLst>
           </p:cNvPr>
@@ -7495,13 +7430,13 @@
     <p:sldLayoutId id="2147483683" r:id="rId10"/>
     <p:sldLayoutId id="2147483684" r:id="rId11"/>
   </p:sldLayoutIdLst>
-  <mc:AlternateContent xmlns:mc="http://schemas.openxmlformats.org/markup-compatibility/2006">
-    <mc:Choice xmlns="" xmlns:p159="http://schemas.microsoft.com/office/powerpoint/2015/09/main" Requires="p159">
+  <mc:AlternateContent xmlns:mc="http://schemas.openxmlformats.org/markup-compatibility/2006" xmlns:p159="http://schemas.microsoft.com/office/powerpoint/2015/09/main">
+    <mc:Choice Requires="p159">
       <p:transition xmlns:p14="http://schemas.microsoft.com/office/powerpoint/2010/main" spd="slow" p14:dur="2000">
         <p159:morph option="byObject"/>
       </p:transition>
     </mc:Choice>
-    <mc:Fallback>
+    <mc:Fallback xmlns="">
       <p:transition spd="slow">
         <p:fade/>
       </p:transition>
@@ -7839,10 +7774,10 @@
           <p:cNvPr id="9" name="Rectangle 8">
             <a:extLst>
               <a:ext uri="{FF2B5EF4-FFF2-40B4-BE49-F238E27FC236}">
-                <a16:creationId xmlns="" xmlns:a16="http://schemas.microsoft.com/office/drawing/2014/main" id="{A38827F1-3359-44F6-9009-43AE2B17FEAD}"/>
+                <a16:creationId xmlns:a16="http://schemas.microsoft.com/office/drawing/2014/main" id="{A38827F1-3359-44F6-9009-43AE2B17FEAD}"/>
               </a:ext>
               <a:ext uri="{C183D7F6-B498-43B3-948B-1728B52AA6E4}">
-                <adec:decorative xmlns="" xmlns:adec="http://schemas.microsoft.com/office/drawing/2017/decorative" val="1"/>
+                <adec:decorative xmlns:adec="http://schemas.microsoft.com/office/drawing/2017/decorative" val="1"/>
               </a:ext>
             </a:extLst>
           </p:cNvPr>
@@ -7852,7 +7787,7 @@
           <p:nvPr>
             <p:extLst>
               <p:ext uri="{386F3935-93C4-4BCD-93E2-E3B085C9AB24}">
-                <p16:designElem xmlns="" xmlns:p16="http://schemas.microsoft.com/office/powerpoint/2015/main" val="1"/>
+                <p16:designElem xmlns:p16="http://schemas.microsoft.com/office/powerpoint/2015/main" val="1"/>
               </p:ext>
             </p:extLst>
           </p:nvPr>
@@ -7899,10 +7834,10 @@
           <p:cNvPr id="11" name="Rectangle 10">
             <a:extLst>
               <a:ext uri="{FF2B5EF4-FFF2-40B4-BE49-F238E27FC236}">
-                <a16:creationId xmlns="" xmlns:a16="http://schemas.microsoft.com/office/drawing/2014/main" id="{17AFAD67-5350-4773-886F-D6DD7E66DB04}"/>
+                <a16:creationId xmlns:a16="http://schemas.microsoft.com/office/drawing/2014/main" id="{17AFAD67-5350-4773-886F-D6DD7E66DB04}"/>
               </a:ext>
               <a:ext uri="{C183D7F6-B498-43B3-948B-1728B52AA6E4}">
-                <adec:decorative xmlns="" xmlns:adec="http://schemas.microsoft.com/office/drawing/2017/decorative" val="1"/>
+                <adec:decorative xmlns:adec="http://schemas.microsoft.com/office/drawing/2017/decorative" val="1"/>
               </a:ext>
             </a:extLst>
           </p:cNvPr>
@@ -7912,7 +7847,7 @@
           <p:nvPr>
             <p:extLst>
               <p:ext uri="{386F3935-93C4-4BCD-93E2-E3B085C9AB24}">
-                <p16:designElem xmlns="" xmlns:p16="http://schemas.microsoft.com/office/powerpoint/2015/main" val="1"/>
+                <p16:designElem xmlns:p16="http://schemas.microsoft.com/office/powerpoint/2015/main" val="1"/>
               </p:ext>
             </p:extLst>
           </p:nvPr>
@@ -7962,7 +7897,7 @@
           <p:cNvPr id="4" name="Picture 3" descr="Volume indicators">
             <a:extLst>
               <a:ext uri="{FF2B5EF4-FFF2-40B4-BE49-F238E27FC236}">
-                <a16:creationId xmlns="" xmlns:a16="http://schemas.microsoft.com/office/drawing/2014/main" id="{44B9E4ED-C411-A81C-54E8-50F55C6C5676}"/>
+                <a16:creationId xmlns:a16="http://schemas.microsoft.com/office/drawing/2014/main" id="{44B9E4ED-C411-A81C-54E8-50F55C6C5676}"/>
               </a:ext>
             </a:extLst>
           </p:cNvPr>
@@ -7996,10 +7931,10 @@
           <p:cNvPr id="13" name="Group 12">
             <a:extLst>
               <a:ext uri="{FF2B5EF4-FFF2-40B4-BE49-F238E27FC236}">
-                <a16:creationId xmlns="" xmlns:a16="http://schemas.microsoft.com/office/drawing/2014/main" id="{654AC0FE-C43D-49AC-9730-284354DEC86E}"/>
+                <a16:creationId xmlns:a16="http://schemas.microsoft.com/office/drawing/2014/main" id="{654AC0FE-C43D-49AC-9730-284354DEC86E}"/>
               </a:ext>
               <a:ext uri="{C183D7F6-B498-43B3-948B-1728B52AA6E4}">
-                <adec:decorative xmlns="" xmlns:adec="http://schemas.microsoft.com/office/drawing/2017/decorative" val="1"/>
+                <adec:decorative xmlns:adec="http://schemas.microsoft.com/office/drawing/2017/decorative" val="1"/>
               </a:ext>
             </a:extLst>
           </p:cNvPr>
@@ -8009,7 +7944,7 @@
           <p:nvPr>
             <p:extLst>
               <p:ext uri="{386F3935-93C4-4BCD-93E2-E3B085C9AB24}">
-                <p16:designElem xmlns="" xmlns:p16="http://schemas.microsoft.com/office/powerpoint/2015/main" val="1"/>
+                <p16:designElem xmlns:p16="http://schemas.microsoft.com/office/powerpoint/2015/main" val="1"/>
               </p:ext>
             </p:extLst>
           </p:nvPr>
@@ -8027,10 +7962,10 @@
             <p:cNvPr id="14" name="Straight Connector 13">
               <a:extLst>
                 <a:ext uri="{FF2B5EF4-FFF2-40B4-BE49-F238E27FC236}">
-                  <a16:creationId xmlns="" xmlns:a16="http://schemas.microsoft.com/office/drawing/2014/main" id="{246F6FE9-8F24-4E96-8FA6-DABE61A20CF5}"/>
+                  <a16:creationId xmlns:a16="http://schemas.microsoft.com/office/drawing/2014/main" id="{246F6FE9-8F24-4E96-8FA6-DABE61A20CF5}"/>
                 </a:ext>
                 <a:ext uri="{C183D7F6-B498-43B3-948B-1728B52AA6E4}">
-                  <adec:decorative xmlns="" xmlns:adec="http://schemas.microsoft.com/office/drawing/2017/decorative" val="1"/>
+                  <adec:decorative xmlns:adec="http://schemas.microsoft.com/office/drawing/2017/decorative" val="1"/>
                 </a:ext>
               </a:extLst>
             </p:cNvPr>
@@ -8040,7 +7975,7 @@
             <p:nvPr>
               <p:extLst>
                 <p:ext uri="{386F3935-93C4-4BCD-93E2-E3B085C9AB24}">
-                  <p16:designElem xmlns="" xmlns:p16="http://schemas.microsoft.com/office/powerpoint/2015/main" val="1"/>
+                  <p16:designElem xmlns:p16="http://schemas.microsoft.com/office/powerpoint/2015/main" val="1"/>
                 </p:ext>
               </p:extLst>
             </p:nvPr>
@@ -8079,10 +8014,10 @@
             <p:cNvPr id="15" name="Straight Connector 14">
               <a:extLst>
                 <a:ext uri="{FF2B5EF4-FFF2-40B4-BE49-F238E27FC236}">
-                  <a16:creationId xmlns="" xmlns:a16="http://schemas.microsoft.com/office/drawing/2014/main" id="{40C5E755-8FD9-4EBF-978B-015F9339F30F}"/>
+                  <a16:creationId xmlns:a16="http://schemas.microsoft.com/office/drawing/2014/main" id="{40C5E755-8FD9-4EBF-978B-015F9339F30F}"/>
                 </a:ext>
                 <a:ext uri="{C183D7F6-B498-43B3-948B-1728B52AA6E4}">
-                  <adec:decorative xmlns="" xmlns:adec="http://schemas.microsoft.com/office/drawing/2017/decorative" val="1"/>
+                  <adec:decorative xmlns:adec="http://schemas.microsoft.com/office/drawing/2017/decorative" val="1"/>
                 </a:ext>
               </a:extLst>
             </p:cNvPr>
@@ -8092,7 +8027,7 @@
             <p:nvPr>
               <p:extLst>
                 <p:ext uri="{386F3935-93C4-4BCD-93E2-E3B085C9AB24}">
-                  <p16:designElem xmlns="" xmlns:p16="http://schemas.microsoft.com/office/powerpoint/2015/main" val="1"/>
+                  <p16:designElem xmlns:p16="http://schemas.microsoft.com/office/powerpoint/2015/main" val="1"/>
                 </p:ext>
               </p:extLst>
             </p:nvPr>
@@ -8131,10 +8066,10 @@
             <p:cNvPr id="16" name="Straight Connector 15">
               <a:extLst>
                 <a:ext uri="{FF2B5EF4-FFF2-40B4-BE49-F238E27FC236}">
-                  <a16:creationId xmlns="" xmlns:a16="http://schemas.microsoft.com/office/drawing/2014/main" id="{9C7F63B7-3E85-42EC-8447-F6699247ECB5}"/>
+                  <a16:creationId xmlns:a16="http://schemas.microsoft.com/office/drawing/2014/main" id="{9C7F63B7-3E85-42EC-8447-F6699247ECB5}"/>
                 </a:ext>
                 <a:ext uri="{C183D7F6-B498-43B3-948B-1728B52AA6E4}">
-                  <adec:decorative xmlns="" xmlns:adec="http://schemas.microsoft.com/office/drawing/2017/decorative" val="1"/>
+                  <adec:decorative xmlns:adec="http://schemas.microsoft.com/office/drawing/2017/decorative" val="1"/>
                 </a:ext>
               </a:extLst>
             </p:cNvPr>
@@ -8144,7 +8079,7 @@
             <p:nvPr>
               <p:extLst>
                 <p:ext uri="{386F3935-93C4-4BCD-93E2-E3B085C9AB24}">
-                  <p16:designElem xmlns="" xmlns:p16="http://schemas.microsoft.com/office/powerpoint/2015/main" val="1"/>
+                  <p16:designElem xmlns:p16="http://schemas.microsoft.com/office/powerpoint/2015/main" val="1"/>
                 </p:ext>
               </p:extLst>
             </p:nvPr>
@@ -8183,10 +8118,10 @@
             <p:cNvPr id="17" name="Graphic 11">
               <a:extLst>
                 <a:ext uri="{FF2B5EF4-FFF2-40B4-BE49-F238E27FC236}">
-                  <a16:creationId xmlns="" xmlns:a16="http://schemas.microsoft.com/office/drawing/2014/main" id="{AFDFA9EA-AAC0-416F-A0E9-ACD410E9DA59}"/>
+                  <a16:creationId xmlns:a16="http://schemas.microsoft.com/office/drawing/2014/main" id="{AFDFA9EA-AAC0-416F-A0E9-ACD410E9DA59}"/>
                 </a:ext>
                 <a:ext uri="{C183D7F6-B498-43B3-948B-1728B52AA6E4}">
-                  <adec:decorative xmlns="" xmlns:adec="http://schemas.microsoft.com/office/drawing/2017/decorative" val="1"/>
+                  <adec:decorative xmlns:adec="http://schemas.microsoft.com/office/drawing/2017/decorative" val="1"/>
                 </a:ext>
               </a:extLst>
             </p:cNvPr>
@@ -8194,7 +8129,7 @@
             <p:nvPr>
               <p:extLst>
                 <p:ext uri="{386F3935-93C4-4BCD-93E2-E3B085C9AB24}">
-                  <p16:designElem xmlns="" xmlns:p16="http://schemas.microsoft.com/office/powerpoint/2015/main" val="1"/>
+                  <p16:designElem xmlns:p16="http://schemas.microsoft.com/office/powerpoint/2015/main" val="1"/>
                 </p:ext>
               </p:extLst>
             </p:nvPr>
@@ -8307,10 +8242,10 @@
             <p:cNvPr id="18" name="Straight Connector 17">
               <a:extLst>
                 <a:ext uri="{FF2B5EF4-FFF2-40B4-BE49-F238E27FC236}">
-                  <a16:creationId xmlns="" xmlns:a16="http://schemas.microsoft.com/office/drawing/2014/main" id="{C4EF7E7E-9948-4D78-BE70-F624A62D8532}"/>
+                  <a16:creationId xmlns:a16="http://schemas.microsoft.com/office/drawing/2014/main" id="{C4EF7E7E-9948-4D78-BE70-F624A62D8532}"/>
                 </a:ext>
                 <a:ext uri="{C183D7F6-B498-43B3-948B-1728B52AA6E4}">
-                  <adec:decorative xmlns="" xmlns:adec="http://schemas.microsoft.com/office/drawing/2017/decorative" val="1"/>
+                  <adec:decorative xmlns:adec="http://schemas.microsoft.com/office/drawing/2017/decorative" val="1"/>
                 </a:ext>
               </a:extLst>
             </p:cNvPr>
@@ -8320,7 +8255,7 @@
             <p:nvPr>
               <p:extLst>
                 <p:ext uri="{386F3935-93C4-4BCD-93E2-E3B085C9AB24}">
-                  <p16:designElem xmlns="" xmlns:p16="http://schemas.microsoft.com/office/powerpoint/2015/main" val="1"/>
+                  <p16:designElem xmlns:p16="http://schemas.microsoft.com/office/powerpoint/2015/main" val="1"/>
                 </p:ext>
               </p:extLst>
             </p:nvPr>
@@ -8359,10 +8294,10 @@
             <p:cNvPr id="19" name="Straight Connector 18">
               <a:extLst>
                 <a:ext uri="{FF2B5EF4-FFF2-40B4-BE49-F238E27FC236}">
-                  <a16:creationId xmlns="" xmlns:a16="http://schemas.microsoft.com/office/drawing/2014/main" id="{6975AAAB-9AEC-496F-94E4-CE5330CB49FA}"/>
+                  <a16:creationId xmlns:a16="http://schemas.microsoft.com/office/drawing/2014/main" id="{6975AAAB-9AEC-496F-94E4-CE5330CB49FA}"/>
                 </a:ext>
                 <a:ext uri="{C183D7F6-B498-43B3-948B-1728B52AA6E4}">
-                  <adec:decorative xmlns="" xmlns:adec="http://schemas.microsoft.com/office/drawing/2017/decorative" val="1"/>
+                  <adec:decorative xmlns:adec="http://schemas.microsoft.com/office/drawing/2017/decorative" val="1"/>
                 </a:ext>
               </a:extLst>
             </p:cNvPr>
@@ -8372,7 +8307,7 @@
             <p:nvPr>
               <p:extLst>
                 <p:ext uri="{386F3935-93C4-4BCD-93E2-E3B085C9AB24}">
-                  <p16:designElem xmlns="" xmlns:p16="http://schemas.microsoft.com/office/powerpoint/2015/main" val="1"/>
+                  <p16:designElem xmlns:p16="http://schemas.microsoft.com/office/powerpoint/2015/main" val="1"/>
                 </p:ext>
               </p:extLst>
             </p:nvPr>
@@ -8411,10 +8346,10 @@
             <p:cNvPr id="20" name="Straight Connector 19">
               <a:extLst>
                 <a:ext uri="{FF2B5EF4-FFF2-40B4-BE49-F238E27FC236}">
-                  <a16:creationId xmlns="" xmlns:a16="http://schemas.microsoft.com/office/drawing/2014/main" id="{EB5BF383-42C5-4FE4-894A-17B84AF224FE}"/>
+                  <a16:creationId xmlns:a16="http://schemas.microsoft.com/office/drawing/2014/main" id="{EB5BF383-42C5-4FE4-894A-17B84AF224FE}"/>
                 </a:ext>
                 <a:ext uri="{C183D7F6-B498-43B3-948B-1728B52AA6E4}">
-                  <adec:decorative xmlns="" xmlns:adec="http://schemas.microsoft.com/office/drawing/2017/decorative" val="1"/>
+                  <adec:decorative xmlns:adec="http://schemas.microsoft.com/office/drawing/2017/decorative" val="1"/>
                 </a:ext>
               </a:extLst>
             </p:cNvPr>
@@ -8424,7 +8359,7 @@
             <p:nvPr>
               <p:extLst>
                 <p:ext uri="{386F3935-93C4-4BCD-93E2-E3B085C9AB24}">
-                  <p16:designElem xmlns="" xmlns:p16="http://schemas.microsoft.com/office/powerpoint/2015/main" val="1"/>
+                  <p16:designElem xmlns:p16="http://schemas.microsoft.com/office/powerpoint/2015/main" val="1"/>
                 </p:ext>
               </p:extLst>
             </p:nvPr>
@@ -8507,25 +8442,18 @@
   <p:clrMapOvr>
     <a:overrideClrMapping bg1="dk1" tx1="lt1" bg2="dk2" tx2="lt2" accent1="accent1" accent2="accent2" accent3="accent3" accent4="accent4" accent5="accent5" accent6="accent6" hlink="hlink" folHlink="folHlink"/>
   </p:clrMapOvr>
-  <mc:AlternateContent xmlns:mc="http://schemas.openxmlformats.org/markup-compatibility/2006">
-    <mc:Choice xmlns="" xmlns:p159="http://schemas.microsoft.com/office/powerpoint/2015/09/main" Requires="p159">
+  <mc:AlternateContent xmlns:mc="http://schemas.openxmlformats.org/markup-compatibility/2006" xmlns:p159="http://schemas.microsoft.com/office/powerpoint/2015/09/main">
+    <mc:Choice Requires="p159">
       <p:transition xmlns:p14="http://schemas.microsoft.com/office/powerpoint/2010/main" spd="slow" p14:dur="2000">
         <p159:morph option="byObject"/>
       </p:transition>
     </mc:Choice>
-    <mc:Fallback>
+    <mc:Fallback xmlns="">
       <p:transition spd="slow">
         <p:fade/>
       </p:transition>
     </mc:Fallback>
   </mc:AlternateContent>
-  <p:timing>
-    <p:tnLst>
-      <p:par>
-        <p:cTn id="1" dur="indefinite" restart="never" nodeType="tmRoot"/>
-      </p:par>
-    </p:tnLst>
-  </p:timing>
 </p:sld>
 </file>
 
@@ -8563,18 +8491,13 @@
           <a:p>
             <a:pPr algn="ctr"/>
             <a:r>
-              <a:rPr lang="en-US" dirty="0" smtClean="0">
+              <a:rPr lang="en-US" dirty="0">
                 <a:solidFill>
                   <a:schemeClr val="tx1"/>
                 </a:solidFill>
               </a:rPr>
               <a:t>Data Flow Diagram</a:t>
             </a:r>
-            <a:endParaRPr lang="en-US" dirty="0">
-              <a:solidFill>
-                <a:schemeClr val="tx1"/>
-              </a:solidFill>
-            </a:endParaRPr>
           </a:p>
         </p:txBody>
       </p:sp>
@@ -8617,25 +8540,18 @@
   <p:clrMapOvr>
     <a:masterClrMapping/>
   </p:clrMapOvr>
-  <mc:AlternateContent xmlns:mc="http://schemas.openxmlformats.org/markup-compatibility/2006">
-    <mc:Choice xmlns="" xmlns:p159="http://schemas.microsoft.com/office/powerpoint/2015/09/main" Requires="p159">
+  <mc:AlternateContent xmlns:mc="http://schemas.openxmlformats.org/markup-compatibility/2006" xmlns:p159="http://schemas.microsoft.com/office/powerpoint/2015/09/main">
+    <mc:Choice Requires="p159">
       <p:transition xmlns:p14="http://schemas.microsoft.com/office/powerpoint/2010/main" spd="slow" p14:dur="2000">
         <p159:morph option="byObject"/>
       </p:transition>
     </mc:Choice>
-    <mc:Fallback>
+    <mc:Fallback xmlns="">
       <p:transition spd="slow">
         <p:fade/>
       </p:transition>
     </mc:Fallback>
   </mc:AlternateContent>
-  <p:timing>
-    <p:tnLst>
-      <p:par>
-        <p:cTn id="1" dur="indefinite" restart="never" nodeType="tmRoot"/>
-      </p:par>
-    </p:tnLst>
-  </p:timing>
 </p:sld>
 </file>
 
@@ -8680,7 +8596,7 @@
           <a:p>
             <a:pPr algn="ctr"/>
             <a:r>
-              <a:rPr lang="en-US" dirty="0" err="1" smtClean="0">
+              <a:rPr lang="en-US" dirty="0" err="1">
                 <a:solidFill>
                   <a:schemeClr val="tx1"/>
                 </a:solidFill>
@@ -8734,8 +8650,205 @@
   <p:clrMapOvr>
     <a:masterClrMapping/>
   </p:clrMapOvr>
+  <mc:AlternateContent xmlns:mc="http://schemas.openxmlformats.org/markup-compatibility/2006" xmlns:p159="http://schemas.microsoft.com/office/powerpoint/2015/09/main">
+    <mc:Choice Requires="p159">
+      <p:transition xmlns:p14="http://schemas.microsoft.com/office/powerpoint/2010/main" spd="slow" p14:dur="2000">
+        <p159:morph option="byObject"/>
+      </p:transition>
+    </mc:Choice>
+    <mc:Fallback xmlns="">
+      <p:transition spd="slow">
+        <p:fade/>
+      </p:transition>
+    </mc:Fallback>
+  </mc:AlternateContent>
+</p:sld>
+</file>
+
+<file path=ppt/slides/slide12.xml><?xml version="1.0" encoding="utf-8"?>
+<p:sld xmlns:a="http://schemas.openxmlformats.org/drawingml/2006/main" xmlns:r="http://schemas.openxmlformats.org/officeDocument/2006/relationships" xmlns:p="http://schemas.openxmlformats.org/presentationml/2006/main">
+  <p:cSld>
+    <p:spTree>
+      <p:nvGrpSpPr>
+        <p:cNvPr id="1" name="">
+          <a:extLst>
+            <a:ext uri="{FF2B5EF4-FFF2-40B4-BE49-F238E27FC236}">
+              <a16:creationId xmlns:a16="http://schemas.microsoft.com/office/drawing/2014/main" id="{B910DEBA-E1FB-441C-9D02-413E99C4E141}"/>
+            </a:ext>
+          </a:extLst>
+        </p:cNvPr>
+        <p:cNvGrpSpPr/>
+        <p:nvPr/>
+      </p:nvGrpSpPr>
+      <p:grpSpPr>
+        <a:xfrm>
+          <a:off x="0" y="0"/>
+          <a:ext cx="0" cy="0"/>
+          <a:chOff x="0" y="0"/>
+          <a:chExt cx="0" cy="0"/>
+        </a:xfrm>
+      </p:grpSpPr>
+      <p:sp>
+        <p:nvSpPr>
+          <p:cNvPr id="2" name="Title 1">
+            <a:extLst>
+              <a:ext uri="{FF2B5EF4-FFF2-40B4-BE49-F238E27FC236}">
+                <a16:creationId xmlns:a16="http://schemas.microsoft.com/office/drawing/2014/main" id="{F95D02F2-9049-9219-5512-6BD522C94445}"/>
+              </a:ext>
+            </a:extLst>
+          </p:cNvPr>
+          <p:cNvSpPr>
+            <a:spLocks noGrp="1"/>
+          </p:cNvSpPr>
+          <p:nvPr>
+            <p:ph type="title"/>
+          </p:nvPr>
+        </p:nvSpPr>
+        <p:spPr>
+          <a:xfrm>
+            <a:off x="838200" y="615355"/>
+            <a:ext cx="10515600" cy="1574052"/>
+          </a:xfrm>
+        </p:spPr>
+        <p:txBody>
+          <a:bodyPr>
+            <a:normAutofit fontScale="90000"/>
+          </a:bodyPr>
+          <a:lstStyle/>
+          <a:p>
+            <a:pPr algn="ctr"/>
+            <a:r>
+              <a:rPr lang="en-US" dirty="0">
+                <a:solidFill>
+                  <a:schemeClr val="accent1">
+                    <a:lumMod val="75000"/>
+                  </a:schemeClr>
+                </a:solidFill>
+              </a:rPr>
+              <a:t>cost calculations according to Egyptian market conditions and the feasibility considerations</a:t>
+            </a:r>
+          </a:p>
+        </p:txBody>
+      </p:sp>
+      <p:sp>
+        <p:nvSpPr>
+          <p:cNvPr id="4" name="Content Placeholder 3">
+            <a:extLst>
+              <a:ext uri="{FF2B5EF4-FFF2-40B4-BE49-F238E27FC236}">
+                <a16:creationId xmlns:a16="http://schemas.microsoft.com/office/drawing/2014/main" id="{7CF212B3-9A1E-E6EF-A805-59954E5FEDB7}"/>
+              </a:ext>
+            </a:extLst>
+          </p:cNvPr>
+          <p:cNvSpPr>
+            <a:spLocks noGrp="1"/>
+          </p:cNvSpPr>
+          <p:nvPr>
+            <p:ph idx="1"/>
+          </p:nvPr>
+        </p:nvSpPr>
+        <p:spPr>
+          <a:xfrm>
+            <a:off x="838200" y="2189407"/>
+            <a:ext cx="10515600" cy="4053237"/>
+          </a:xfrm>
+        </p:spPr>
+        <p:txBody>
+          <a:bodyPr/>
+          <a:lstStyle/>
+          <a:p>
+            <a:pPr marL="0" indent="0">
+              <a:buNone/>
+            </a:pPr>
+            <a:r>
+              <a:rPr lang="en-US" b="1" dirty="0"/>
+              <a:t>1. Project Management Costs</a:t>
+            </a:r>
+          </a:p>
+          <a:p>
+            <a:pPr>
+              <a:buFont typeface="Arial" panose="020B0604020202020204" pitchFamily="34" charset="0"/>
+              <a:buChar char="•"/>
+            </a:pPr>
+            <a:r>
+              <a:rPr lang="en-US" b="1" dirty="0"/>
+              <a:t>System Request and Feasibility Analysis</a:t>
+            </a:r>
+            <a:r>
+              <a:rPr lang="en-US" dirty="0"/>
+              <a:t>: Cost for drafting, feasibility analysis, and consulting, if required.</a:t>
+            </a:r>
+          </a:p>
+          <a:p>
+            <a:pPr marL="742950" lvl="1" indent="-285750">
+              <a:buFont typeface="Arial" panose="020B0604020202020204" pitchFamily="34" charset="0"/>
+              <a:buChar char="•"/>
+            </a:pPr>
+            <a:r>
+              <a:rPr lang="en-US" b="1" dirty="0"/>
+              <a:t>Cost</a:t>
+            </a:r>
+            <a:r>
+              <a:rPr lang="en-US" dirty="0"/>
+              <a:t>: EGP 5,000–15,000.</a:t>
+            </a:r>
+          </a:p>
+          <a:p>
+            <a:endParaRPr lang="en-US" b="1" dirty="0"/>
+          </a:p>
+          <a:p>
+            <a:pPr marL="0" indent="0">
+              <a:buNone/>
+            </a:pPr>
+            <a:r>
+              <a:rPr lang="en-US" b="1" dirty="0"/>
+              <a:t>2. Technical Feasibility and Economic Analysis</a:t>
+            </a:r>
+          </a:p>
+          <a:p>
+            <a:pPr>
+              <a:buFont typeface="Arial" panose="020B0604020202020204" pitchFamily="34" charset="0"/>
+              <a:buChar char="•"/>
+            </a:pPr>
+            <a:r>
+              <a:rPr lang="en-US" b="1" dirty="0"/>
+              <a:t>Cost-Benefit Analysis Tools</a:t>
+            </a:r>
+            <a:r>
+              <a:rPr lang="en-US" dirty="0"/>
+              <a:t>: Software for cash flow analysis, NPV, ROI, and break-even calculations. Open-source tools could reduce costs.</a:t>
+            </a:r>
+          </a:p>
+          <a:p>
+            <a:pPr marL="742950" lvl="1" indent="-285750">
+              <a:buFont typeface="Arial" panose="020B0604020202020204" pitchFamily="34" charset="0"/>
+              <a:buChar char="•"/>
+            </a:pPr>
+            <a:r>
+              <a:rPr lang="en-US" b="1" dirty="0"/>
+              <a:t>Cost</a:t>
+            </a:r>
+            <a:r>
+              <a:rPr lang="en-US" dirty="0"/>
+              <a:t>: EGP 2,000–5,000.</a:t>
+            </a:r>
+          </a:p>
+          <a:p>
+            <a:endParaRPr lang="en-US" dirty="0"/>
+          </a:p>
+        </p:txBody>
+      </p:sp>
+    </p:spTree>
+    <p:extLst>
+      <p:ext uri="{BB962C8B-B14F-4D97-AF65-F5344CB8AC3E}">
+        <p14:creationId xmlns:p14="http://schemas.microsoft.com/office/powerpoint/2010/main" val="3402818246"/>
+      </p:ext>
+    </p:extLst>
+  </p:cSld>
+  <p:clrMapOvr>
+    <a:masterClrMapping/>
+  </p:clrMapOvr>
   <mc:AlternateContent xmlns:mc="http://schemas.openxmlformats.org/markup-compatibility/2006">
-    <mc:Choice xmlns="" xmlns:p159="http://schemas.microsoft.com/office/powerpoint/2015/09/main" Requires="p159">
+    <mc:Choice xmlns:p159="http://schemas.microsoft.com/office/powerpoint/2015/09/main" Requires="p159">
       <p:transition xmlns:p14="http://schemas.microsoft.com/office/powerpoint/2010/main" spd="slow" p14:dur="2000">
         <p159:morph option="byObject"/>
       </p:transition>
@@ -8746,13 +8859,494 @@
       </p:transition>
     </mc:Fallback>
   </mc:AlternateContent>
-  <p:timing>
-    <p:tnLst>
-      <p:par>
-        <p:cTn id="1" dur="indefinite" restart="never" nodeType="tmRoot"/>
-      </p:par>
-    </p:tnLst>
-  </p:timing>
+</p:sld>
+</file>
+
+<file path=ppt/slides/slide13.xml><?xml version="1.0" encoding="utf-8"?>
+<p:sld xmlns:a="http://schemas.openxmlformats.org/drawingml/2006/main" xmlns:r="http://schemas.openxmlformats.org/officeDocument/2006/relationships" xmlns:p="http://schemas.openxmlformats.org/presentationml/2006/main">
+  <p:cSld>
+    <p:spTree>
+      <p:nvGrpSpPr>
+        <p:cNvPr id="1" name=""/>
+        <p:cNvGrpSpPr/>
+        <p:nvPr/>
+      </p:nvGrpSpPr>
+      <p:grpSpPr>
+        <a:xfrm>
+          <a:off x="0" y="0"/>
+          <a:ext cx="0" cy="0"/>
+          <a:chOff x="0" y="0"/>
+          <a:chExt cx="0" cy="0"/>
+        </a:xfrm>
+      </p:grpSpPr>
+      <p:sp>
+        <p:nvSpPr>
+          <p:cNvPr id="2" name="Title 1">
+            <a:extLst>
+              <a:ext uri="{FF2B5EF4-FFF2-40B4-BE49-F238E27FC236}">
+                <a16:creationId xmlns:a16="http://schemas.microsoft.com/office/drawing/2014/main" id="{36552132-349F-54EB-520E-BEF9B5CFF283}"/>
+              </a:ext>
+            </a:extLst>
+          </p:cNvPr>
+          <p:cNvSpPr>
+            <a:spLocks noGrp="1"/>
+          </p:cNvSpPr>
+          <p:nvPr>
+            <p:ph type="title"/>
+          </p:nvPr>
+        </p:nvSpPr>
+        <p:spPr/>
+        <p:txBody>
+          <a:bodyPr>
+            <a:normAutofit fontScale="90000"/>
+          </a:bodyPr>
+          <a:lstStyle/>
+          <a:p>
+            <a:pPr algn="ctr"/>
+            <a:r>
+              <a:rPr lang="en-US" dirty="0">
+                <a:solidFill>
+                  <a:schemeClr val="accent1">
+                    <a:lumMod val="75000"/>
+                  </a:schemeClr>
+                </a:solidFill>
+              </a:rPr>
+              <a:t>cost calculations according to Egyptian market conditions and the feasibility considerations</a:t>
+            </a:r>
+          </a:p>
+        </p:txBody>
+      </p:sp>
+      <p:sp>
+        <p:nvSpPr>
+          <p:cNvPr id="3" name="Content Placeholder 2">
+            <a:extLst>
+              <a:ext uri="{FF2B5EF4-FFF2-40B4-BE49-F238E27FC236}">
+                <a16:creationId xmlns:a16="http://schemas.microsoft.com/office/drawing/2014/main" id="{8F509895-5DD7-CBB3-CC3B-E420AEE78F1D}"/>
+              </a:ext>
+            </a:extLst>
+          </p:cNvPr>
+          <p:cNvSpPr>
+            <a:spLocks noGrp="1"/>
+          </p:cNvSpPr>
+          <p:nvPr>
+            <p:ph idx="1"/>
+          </p:nvPr>
+        </p:nvSpPr>
+        <p:spPr>
+          <a:xfrm>
+            <a:off x="838200" y="2189408"/>
+            <a:ext cx="10515600" cy="4052772"/>
+          </a:xfrm>
+        </p:spPr>
+        <p:txBody>
+          <a:bodyPr>
+            <a:normAutofit lnSpcReduction="10000"/>
+          </a:bodyPr>
+          <a:lstStyle/>
+          <a:p>
+            <a:pPr marL="0" indent="0">
+              <a:buNone/>
+            </a:pPr>
+            <a:r>
+              <a:rPr lang="en-US" b="1" dirty="0"/>
+              <a:t>3. Staffing and Team Costs</a:t>
+            </a:r>
+          </a:p>
+          <a:p>
+            <a:pPr>
+              <a:buFont typeface="Arial" panose="020B0604020202020204" pitchFamily="34" charset="0"/>
+              <a:buChar char="•"/>
+            </a:pPr>
+            <a:r>
+              <a:rPr lang="en-US" b="1" dirty="0"/>
+              <a:t>Development Team</a:t>
+            </a:r>
+            <a:r>
+              <a:rPr lang="en-US" dirty="0"/>
+              <a:t>:</a:t>
+            </a:r>
+          </a:p>
+          <a:p>
+            <a:pPr marL="742950" lvl="1" indent="-285750">
+              <a:buFont typeface="Arial" panose="020B0604020202020204" pitchFamily="34" charset="0"/>
+              <a:buChar char="•"/>
+            </a:pPr>
+            <a:r>
+              <a:rPr lang="en-US" b="1" dirty="0"/>
+              <a:t>Hourly Rates</a:t>
+            </a:r>
+            <a:r>
+              <a:rPr lang="en-US" dirty="0"/>
+              <a:t> for local developers (frontend, backend, AI specialists): EGP 50–200 per hour.</a:t>
+            </a:r>
+          </a:p>
+          <a:p>
+            <a:pPr marL="742950" lvl="1" indent="-285750">
+              <a:buFont typeface="Arial" panose="020B0604020202020204" pitchFamily="34" charset="0"/>
+              <a:buChar char="•"/>
+            </a:pPr>
+            <a:r>
+              <a:rPr lang="en-US" b="1" dirty="0"/>
+              <a:t>Project Manager</a:t>
+            </a:r>
+            <a:r>
+              <a:rPr lang="en-US" dirty="0"/>
+              <a:t>: Full-time or part-time, estimated at EGP 10,000–20,000 per month.</a:t>
+            </a:r>
+          </a:p>
+          <a:p>
+            <a:pPr marL="742950" lvl="1" indent="-285750">
+              <a:buFont typeface="Arial" panose="020B0604020202020204" pitchFamily="34" charset="0"/>
+              <a:buChar char="•"/>
+            </a:pPr>
+            <a:r>
+              <a:rPr lang="en-US" b="1" dirty="0"/>
+              <a:t>Total Staffing Cost</a:t>
+            </a:r>
+            <a:r>
+              <a:rPr lang="en-US" dirty="0"/>
+              <a:t>: EGP 50,000–150,000 depending on duration and number of team members.</a:t>
+            </a:r>
+          </a:p>
+          <a:p>
+            <a:pPr marL="0" indent="0">
+              <a:buNone/>
+            </a:pPr>
+            <a:endParaRPr lang="en-US" b="1" dirty="0"/>
+          </a:p>
+          <a:p>
+            <a:pPr marL="0" indent="0">
+              <a:buNone/>
+            </a:pPr>
+            <a:r>
+              <a:rPr lang="en-US" b="1" dirty="0"/>
+              <a:t>4. Infrastructure and Environment</a:t>
+            </a:r>
+          </a:p>
+          <a:p>
+            <a:pPr>
+              <a:buFont typeface="Arial" panose="020B0604020202020204" pitchFamily="34" charset="0"/>
+              <a:buChar char="•"/>
+            </a:pPr>
+            <a:r>
+              <a:rPr lang="en-US" b="1" dirty="0"/>
+              <a:t>Local Server Build</a:t>
+            </a:r>
+            <a:r>
+              <a:rPr lang="en-US" dirty="0"/>
+              <a:t>: Including hardware, OS licensing, cooling, and network equipment.</a:t>
+            </a:r>
+          </a:p>
+          <a:p>
+            <a:pPr marL="742950" lvl="1" indent="-285750">
+              <a:buFont typeface="Arial" panose="020B0604020202020204" pitchFamily="34" charset="0"/>
+              <a:buChar char="•"/>
+            </a:pPr>
+            <a:r>
+              <a:rPr lang="en-US" b="1" dirty="0"/>
+              <a:t>Hardware Setup</a:t>
+            </a:r>
+            <a:r>
+              <a:rPr lang="en-US" dirty="0"/>
+              <a:t>: EGP 15,000–120,000 per server based on server grade.</a:t>
+            </a:r>
+          </a:p>
+          <a:p>
+            <a:pPr marL="742950" lvl="1" indent="-285750">
+              <a:buFont typeface="Arial" panose="020B0604020202020204" pitchFamily="34" charset="0"/>
+              <a:buChar char="•"/>
+            </a:pPr>
+            <a:r>
+              <a:rPr lang="en-US" b="1" dirty="0"/>
+              <a:t>Ongoing Maintenance and Power</a:t>
+            </a:r>
+            <a:r>
+              <a:rPr lang="en-US" dirty="0"/>
+              <a:t>: EGP 2,000–5,000 monthly.</a:t>
+            </a:r>
+          </a:p>
+          <a:p>
+            <a:pPr marL="742950" lvl="1" indent="-285750">
+              <a:buFont typeface="Arial" panose="020B0604020202020204" pitchFamily="34" charset="0"/>
+              <a:buChar char="•"/>
+            </a:pPr>
+            <a:r>
+              <a:rPr lang="en-US" b="1" dirty="0"/>
+              <a:t>Security and Backup Systems</a:t>
+            </a:r>
+            <a:r>
+              <a:rPr lang="en-US" dirty="0"/>
+              <a:t>: Initial setup EGP 5,000–15,000.</a:t>
+            </a:r>
+          </a:p>
+          <a:p>
+            <a:pPr marL="0" indent="0">
+              <a:buNone/>
+            </a:pPr>
+            <a:endParaRPr lang="en-US" dirty="0"/>
+          </a:p>
+          <a:p>
+            <a:pPr marL="0" indent="0">
+              <a:buNone/>
+            </a:pPr>
+            <a:endParaRPr lang="en-US" dirty="0"/>
+          </a:p>
+        </p:txBody>
+      </p:sp>
+    </p:spTree>
+    <p:extLst>
+      <p:ext uri="{BB962C8B-B14F-4D97-AF65-F5344CB8AC3E}">
+        <p14:creationId xmlns:p14="http://schemas.microsoft.com/office/powerpoint/2010/main" val="316254262"/>
+      </p:ext>
+    </p:extLst>
+  </p:cSld>
+  <p:clrMapOvr>
+    <a:masterClrMapping/>
+  </p:clrMapOvr>
+  <mc:AlternateContent xmlns:mc="http://schemas.openxmlformats.org/markup-compatibility/2006" xmlns:p159="http://schemas.microsoft.com/office/powerpoint/2015/09/main">
+    <mc:Choice Requires="p159">
+      <p:transition xmlns:p14="http://schemas.microsoft.com/office/powerpoint/2010/main" spd="slow" p14:dur="2000">
+        <p159:morph option="byObject"/>
+      </p:transition>
+    </mc:Choice>
+    <mc:Fallback xmlns="">
+      <p:transition spd="slow">
+        <p:fade/>
+      </p:transition>
+    </mc:Fallback>
+  </mc:AlternateContent>
+</p:sld>
+</file>
+
+<file path=ppt/slides/slide14.xml><?xml version="1.0" encoding="utf-8"?>
+<p:sld xmlns:a="http://schemas.openxmlformats.org/drawingml/2006/main" xmlns:r="http://schemas.openxmlformats.org/officeDocument/2006/relationships" xmlns:p="http://schemas.openxmlformats.org/presentationml/2006/main">
+  <p:cSld>
+    <p:spTree>
+      <p:nvGrpSpPr>
+        <p:cNvPr id="1" name=""/>
+        <p:cNvGrpSpPr/>
+        <p:nvPr/>
+      </p:nvGrpSpPr>
+      <p:grpSpPr>
+        <a:xfrm>
+          <a:off x="0" y="0"/>
+          <a:ext cx="0" cy="0"/>
+          <a:chOff x="0" y="0"/>
+          <a:chExt cx="0" cy="0"/>
+        </a:xfrm>
+      </p:grpSpPr>
+      <p:sp>
+        <p:nvSpPr>
+          <p:cNvPr id="2" name="Title 1">
+            <a:extLst>
+              <a:ext uri="{FF2B5EF4-FFF2-40B4-BE49-F238E27FC236}">
+                <a16:creationId xmlns:a16="http://schemas.microsoft.com/office/drawing/2014/main" id="{03785D49-4076-4BE1-A236-8D2C1DAABF85}"/>
+              </a:ext>
+            </a:extLst>
+          </p:cNvPr>
+          <p:cNvSpPr>
+            <a:spLocks noGrp="1"/>
+          </p:cNvSpPr>
+          <p:nvPr>
+            <p:ph type="title"/>
+          </p:nvPr>
+        </p:nvSpPr>
+        <p:spPr/>
+        <p:txBody>
+          <a:bodyPr>
+            <a:normAutofit fontScale="90000"/>
+          </a:bodyPr>
+          <a:lstStyle/>
+          <a:p>
+            <a:pPr algn="ctr"/>
+            <a:r>
+              <a:rPr lang="en-US" dirty="0">
+                <a:solidFill>
+                  <a:schemeClr val="accent1">
+                    <a:lumMod val="75000"/>
+                  </a:schemeClr>
+                </a:solidFill>
+              </a:rPr>
+              <a:t>cost calculations according to Egyptian market conditions and the feasibility considerations</a:t>
+            </a:r>
+          </a:p>
+        </p:txBody>
+      </p:sp>
+      <p:sp>
+        <p:nvSpPr>
+          <p:cNvPr id="3" name="Content Placeholder 2">
+            <a:extLst>
+              <a:ext uri="{FF2B5EF4-FFF2-40B4-BE49-F238E27FC236}">
+                <a16:creationId xmlns:a16="http://schemas.microsoft.com/office/drawing/2014/main" id="{D1AF0E73-7728-6D81-2B2E-37A29129C7E6}"/>
+              </a:ext>
+            </a:extLst>
+          </p:cNvPr>
+          <p:cNvSpPr>
+            <a:spLocks noGrp="1"/>
+          </p:cNvSpPr>
+          <p:nvPr>
+            <p:ph idx="1"/>
+          </p:nvPr>
+        </p:nvSpPr>
+        <p:spPr>
+          <a:xfrm>
+            <a:off x="838200" y="2052887"/>
+            <a:ext cx="10515600" cy="4245276"/>
+          </a:xfrm>
+        </p:spPr>
+        <p:txBody>
+          <a:bodyPr>
+            <a:normAutofit/>
+          </a:bodyPr>
+          <a:lstStyle/>
+          <a:p>
+            <a:pPr marL="0" indent="0">
+              <a:buNone/>
+            </a:pPr>
+            <a:r>
+              <a:rPr lang="en-US" b="1" dirty="0"/>
+              <a:t>5. Scope Management and Project Tools</a:t>
+            </a:r>
+          </a:p>
+          <a:p>
+            <a:pPr>
+              <a:buFont typeface="Arial" panose="020B0604020202020204" pitchFamily="34" charset="0"/>
+              <a:buChar char="•"/>
+            </a:pPr>
+            <a:r>
+              <a:rPr lang="en-US" b="1" dirty="0"/>
+              <a:t>Work Breakdown Structure and Project Planning Tools</a:t>
+            </a:r>
+            <a:r>
+              <a:rPr lang="en-US" dirty="0"/>
+              <a:t> (Gantt charts, network diagrams):</a:t>
+            </a:r>
+          </a:p>
+          <a:p>
+            <a:pPr marL="742950" lvl="1" indent="-285750">
+              <a:buFont typeface="Arial" panose="020B0604020202020204" pitchFamily="34" charset="0"/>
+              <a:buChar char="•"/>
+            </a:pPr>
+            <a:r>
+              <a:rPr lang="en-US" b="1" dirty="0"/>
+              <a:t>Software Licenses</a:t>
+            </a:r>
+            <a:r>
+              <a:rPr lang="en-US" dirty="0"/>
+              <a:t> (e.g., Microsoft Project, local alternatives): EGP 2,000–8,000 per year.</a:t>
+            </a:r>
+          </a:p>
+          <a:p>
+            <a:pPr>
+              <a:buFont typeface="Arial" panose="020B0604020202020204" pitchFamily="34" charset="0"/>
+              <a:buChar char="•"/>
+            </a:pPr>
+            <a:r>
+              <a:rPr lang="en-US" b="1" dirty="0"/>
+              <a:t>Change Management and Testing Tools</a:t>
+            </a:r>
+            <a:r>
+              <a:rPr lang="en-US" dirty="0"/>
+              <a:t>:</a:t>
+            </a:r>
+          </a:p>
+          <a:p>
+            <a:pPr marL="742950" lvl="1" indent="-285750">
+              <a:buFont typeface="Arial" panose="020B0604020202020204" pitchFamily="34" charset="0"/>
+              <a:buChar char="•"/>
+            </a:pPr>
+            <a:r>
+              <a:rPr lang="en-US" dirty="0"/>
+              <a:t>Tools to manage scope, testing feedback, and iterations, potentially open-source or low-cost software.</a:t>
+            </a:r>
+          </a:p>
+          <a:p>
+            <a:pPr marL="742950" lvl="1" indent="-285750">
+              <a:buFont typeface="Arial" panose="020B0604020202020204" pitchFamily="34" charset="0"/>
+              <a:buChar char="•"/>
+            </a:pPr>
+            <a:r>
+              <a:rPr lang="en-US" b="1" dirty="0"/>
+              <a:t>Cost</a:t>
+            </a:r>
+            <a:r>
+              <a:rPr lang="en-US" dirty="0"/>
+              <a:t>: EGP 5,000–10,000.</a:t>
+            </a:r>
+          </a:p>
+          <a:p>
+            <a:pPr marL="0" indent="0">
+              <a:buNone/>
+            </a:pPr>
+            <a:endParaRPr lang="en-US" b="1" dirty="0"/>
+          </a:p>
+          <a:p>
+            <a:pPr marL="0" indent="0">
+              <a:buNone/>
+            </a:pPr>
+            <a:r>
+              <a:rPr lang="en-US" b="1" dirty="0"/>
+              <a:t>6. Documentation and Infrastructure Management</a:t>
+            </a:r>
+          </a:p>
+          <a:p>
+            <a:pPr>
+              <a:buFont typeface="Arial" panose="020B0604020202020204" pitchFamily="34" charset="0"/>
+              <a:buChar char="•"/>
+            </a:pPr>
+            <a:r>
+              <a:rPr lang="en-US" b="1" dirty="0"/>
+              <a:t>Documentation Tools</a:t>
+            </a:r>
+            <a:r>
+              <a:rPr lang="en-US" dirty="0"/>
+              <a:t>: Software to manage and store documentation, diagrams, and communications.</a:t>
+            </a:r>
+          </a:p>
+          <a:p>
+            <a:pPr marL="742950" lvl="1" indent="-285750">
+              <a:buFont typeface="Arial" panose="020B0604020202020204" pitchFamily="34" charset="0"/>
+              <a:buChar char="•"/>
+            </a:pPr>
+            <a:r>
+              <a:rPr lang="en-US" b="1" dirty="0"/>
+              <a:t>Cost</a:t>
+            </a:r>
+            <a:r>
+              <a:rPr lang="en-US" dirty="0"/>
+              <a:t>: EGP 1,000–3,000 annually for document management solutions.</a:t>
+            </a:r>
+          </a:p>
+          <a:p>
+            <a:pPr marL="0" indent="0">
+              <a:buNone/>
+            </a:pPr>
+            <a:endParaRPr lang="en-US" dirty="0"/>
+          </a:p>
+        </p:txBody>
+      </p:sp>
+    </p:spTree>
+    <p:extLst>
+      <p:ext uri="{BB962C8B-B14F-4D97-AF65-F5344CB8AC3E}">
+        <p14:creationId xmlns:p14="http://schemas.microsoft.com/office/powerpoint/2010/main" val="1128351593"/>
+      </p:ext>
+    </p:extLst>
+  </p:cSld>
+  <p:clrMapOvr>
+    <a:masterClrMapping/>
+  </p:clrMapOvr>
+  <mc:AlternateContent xmlns:mc="http://schemas.openxmlformats.org/markup-compatibility/2006" xmlns:p159="http://schemas.microsoft.com/office/powerpoint/2015/09/main">
+    <mc:Choice Requires="p159">
+      <p:transition xmlns:p14="http://schemas.microsoft.com/office/powerpoint/2010/main" spd="slow" p14:dur="2000">
+        <p159:morph option="byObject"/>
+      </p:transition>
+    </mc:Choice>
+    <mc:Fallback xmlns="">
+      <p:transition spd="slow">
+        <p:fade/>
+      </p:transition>
+    </mc:Fallback>
+  </mc:AlternateContent>
 </p:sld>
 </file>
 
@@ -8786,10 +9380,10 @@
           <p:cNvPr id="23" name="Rectangle 22">
             <a:extLst>
               <a:ext uri="{FF2B5EF4-FFF2-40B4-BE49-F238E27FC236}">
-                <a16:creationId xmlns="" xmlns:a16="http://schemas.microsoft.com/office/drawing/2014/main" id="{CF10C978-51B5-420C-9A05-C8F194EACAC3}"/>
+                <a16:creationId xmlns:a16="http://schemas.microsoft.com/office/drawing/2014/main" id="{CF10C978-51B5-420C-9A05-C8F194EACAC3}"/>
               </a:ext>
               <a:ext uri="{C183D7F6-B498-43B3-948B-1728B52AA6E4}">
-                <adec:decorative xmlns="" xmlns:adec="http://schemas.microsoft.com/office/drawing/2017/decorative" val="1"/>
+                <adec:decorative xmlns:adec="http://schemas.microsoft.com/office/drawing/2017/decorative" val="1"/>
               </a:ext>
             </a:extLst>
           </p:cNvPr>
@@ -8799,7 +9393,7 @@
           <p:nvPr>
             <p:extLst>
               <p:ext uri="{386F3935-93C4-4BCD-93E2-E3B085C9AB24}">
-                <p16:designElem xmlns="" xmlns:p16="http://schemas.microsoft.com/office/powerpoint/2015/main" val="1"/>
+                <p16:designElem xmlns:p16="http://schemas.microsoft.com/office/powerpoint/2015/main" val="1"/>
               </p:ext>
             </p:extLst>
           </p:nvPr>
@@ -8846,10 +9440,10 @@
           <p:cNvPr id="24" name="Rectangle 23">
             <a:extLst>
               <a:ext uri="{FF2B5EF4-FFF2-40B4-BE49-F238E27FC236}">
-                <a16:creationId xmlns="" xmlns:a16="http://schemas.microsoft.com/office/drawing/2014/main" id="{28D34D1C-4E49-4D32-96F1-E49CEBBF86E0}"/>
+                <a16:creationId xmlns:a16="http://schemas.microsoft.com/office/drawing/2014/main" id="{28D34D1C-4E49-4D32-96F1-E49CEBBF86E0}"/>
               </a:ext>
               <a:ext uri="{C183D7F6-B498-43B3-948B-1728B52AA6E4}">
-                <adec:decorative xmlns="" xmlns:adec="http://schemas.microsoft.com/office/drawing/2017/decorative" val="1"/>
+                <adec:decorative xmlns:adec="http://schemas.microsoft.com/office/drawing/2017/decorative" val="1"/>
               </a:ext>
             </a:extLst>
           </p:cNvPr>
@@ -8859,7 +9453,7 @@
           <p:nvPr>
             <p:extLst>
               <p:ext uri="{386F3935-93C4-4BCD-93E2-E3B085C9AB24}">
-                <p16:designElem xmlns="" xmlns:p16="http://schemas.microsoft.com/office/powerpoint/2015/main" val="1"/>
+                <p16:designElem xmlns:p16="http://schemas.microsoft.com/office/powerpoint/2015/main" val="1"/>
               </p:ext>
             </p:extLst>
           </p:nvPr>
@@ -8912,7 +9506,7 @@
           <p:cNvPr id="2" name="Title 1">
             <a:extLst>
               <a:ext uri="{FF2B5EF4-FFF2-40B4-BE49-F238E27FC236}">
-                <a16:creationId xmlns="" xmlns:a16="http://schemas.microsoft.com/office/drawing/2014/main" id="{1828427D-00E8-7343-23AA-BB7BF9DB6623}"/>
+                <a16:creationId xmlns:a16="http://schemas.microsoft.com/office/drawing/2014/main" id="{1828427D-00E8-7343-23AA-BB7BF9DB6623}"/>
               </a:ext>
             </a:extLst>
           </p:cNvPr>
@@ -8947,7 +9541,7 @@
           <p:cNvPr id="3" name="Content Placeholder 2">
             <a:extLst>
               <a:ext uri="{FF2B5EF4-FFF2-40B4-BE49-F238E27FC236}">
-                <a16:creationId xmlns="" xmlns:a16="http://schemas.microsoft.com/office/drawing/2014/main" id="{19D8C378-CE95-CCB8-7C06-90174EDE3CBD}"/>
+                <a16:creationId xmlns:a16="http://schemas.microsoft.com/office/drawing/2014/main" id="{19D8C378-CE95-CCB8-7C06-90174EDE3CBD}"/>
               </a:ext>
             </a:extLst>
           </p:cNvPr>
@@ -9030,10 +9624,10 @@
           <p:cNvPr id="25" name="Group 24">
             <a:extLst>
               <a:ext uri="{FF2B5EF4-FFF2-40B4-BE49-F238E27FC236}">
-                <a16:creationId xmlns="" xmlns:a16="http://schemas.microsoft.com/office/drawing/2014/main" id="{B3E72256-336B-4C56-A208-D12E28599B6F}"/>
+                <a16:creationId xmlns:a16="http://schemas.microsoft.com/office/drawing/2014/main" id="{B3E72256-336B-4C56-A208-D12E28599B6F}"/>
               </a:ext>
               <a:ext uri="{C183D7F6-B498-43B3-948B-1728B52AA6E4}">
-                <adec:decorative xmlns="" xmlns:adec="http://schemas.microsoft.com/office/drawing/2017/decorative" val="1"/>
+                <adec:decorative xmlns:adec="http://schemas.microsoft.com/office/drawing/2017/decorative" val="1"/>
               </a:ext>
             </a:extLst>
           </p:cNvPr>
@@ -9043,7 +9637,7 @@
           <p:nvPr>
             <p:extLst>
               <p:ext uri="{386F3935-93C4-4BCD-93E2-E3B085C9AB24}">
-                <p16:designElem xmlns="" xmlns:p16="http://schemas.microsoft.com/office/powerpoint/2015/main" val="1"/>
+                <p16:designElem xmlns:p16="http://schemas.microsoft.com/office/powerpoint/2015/main" val="1"/>
               </p:ext>
             </p:extLst>
           </p:nvPr>
@@ -9061,10 +9655,10 @@
             <p:cNvPr id="13" name="Straight Connector 12">
               <a:extLst>
                 <a:ext uri="{FF2B5EF4-FFF2-40B4-BE49-F238E27FC236}">
-                  <a16:creationId xmlns="" xmlns:a16="http://schemas.microsoft.com/office/drawing/2014/main" id="{6D1A7D90-D071-42CE-8999-521FE5EB0C9B}"/>
+                  <a16:creationId xmlns:a16="http://schemas.microsoft.com/office/drawing/2014/main" id="{6D1A7D90-D071-42CE-8999-521FE5EB0C9B}"/>
                 </a:ext>
                 <a:ext uri="{C183D7F6-B498-43B3-948B-1728B52AA6E4}">
-                  <adec:decorative xmlns="" xmlns:adec="http://schemas.microsoft.com/office/drawing/2017/decorative" val="1"/>
+                  <adec:decorative xmlns:adec="http://schemas.microsoft.com/office/drawing/2017/decorative" val="1"/>
                 </a:ext>
               </a:extLst>
             </p:cNvPr>
@@ -9074,7 +9668,7 @@
             <p:nvPr>
               <p:extLst>
                 <p:ext uri="{386F3935-93C4-4BCD-93E2-E3B085C9AB24}">
-                  <p16:designElem xmlns="" xmlns:p16="http://schemas.microsoft.com/office/powerpoint/2015/main" val="1"/>
+                  <p16:designElem xmlns:p16="http://schemas.microsoft.com/office/powerpoint/2015/main" val="1"/>
                 </p:ext>
               </p:extLst>
             </p:nvPr>
@@ -9113,10 +9707,10 @@
             <p:cNvPr id="14" name="Freeform: Shape 13">
               <a:extLst>
                 <a:ext uri="{FF2B5EF4-FFF2-40B4-BE49-F238E27FC236}">
-                  <a16:creationId xmlns="" xmlns:a16="http://schemas.microsoft.com/office/drawing/2014/main" id="{88BA3207-8B24-423E-876F-EED4F64FCB61}"/>
+                  <a16:creationId xmlns:a16="http://schemas.microsoft.com/office/drawing/2014/main" id="{88BA3207-8B24-423E-876F-EED4F64FCB61}"/>
                 </a:ext>
                 <a:ext uri="{C183D7F6-B498-43B3-948B-1728B52AA6E4}">
-                  <adec:decorative xmlns="" xmlns:adec="http://schemas.microsoft.com/office/drawing/2017/decorative" val="1"/>
+                  <adec:decorative xmlns:adec="http://schemas.microsoft.com/office/drawing/2017/decorative" val="1"/>
                 </a:ext>
               </a:extLst>
             </p:cNvPr>
@@ -9124,7 +9718,7 @@
             <p:nvPr>
               <p:extLst>
                 <p:ext uri="{386F3935-93C4-4BCD-93E2-E3B085C9AB24}">
-                  <p16:designElem xmlns="" xmlns:p16="http://schemas.microsoft.com/office/powerpoint/2015/main" val="1"/>
+                  <p16:designElem xmlns:p16="http://schemas.microsoft.com/office/powerpoint/2015/main" val="1"/>
                 </p:ext>
               </p:extLst>
             </p:nvPr>
@@ -9283,10 +9877,10 @@
             <p:cNvPr id="15" name="Straight Connector 14">
               <a:extLst>
                 <a:ext uri="{FF2B5EF4-FFF2-40B4-BE49-F238E27FC236}">
-                  <a16:creationId xmlns="" xmlns:a16="http://schemas.microsoft.com/office/drawing/2014/main" id="{E36E21C5-DC18-4475-9613-1AF97FC0CAB4}"/>
+                  <a16:creationId xmlns:a16="http://schemas.microsoft.com/office/drawing/2014/main" id="{E36E21C5-DC18-4475-9613-1AF97FC0CAB4}"/>
                 </a:ext>
                 <a:ext uri="{C183D7F6-B498-43B3-948B-1728B52AA6E4}">
-                  <adec:decorative xmlns="" xmlns:adec="http://schemas.microsoft.com/office/drawing/2017/decorative" val="1"/>
+                  <adec:decorative xmlns:adec="http://schemas.microsoft.com/office/drawing/2017/decorative" val="1"/>
                 </a:ext>
               </a:extLst>
             </p:cNvPr>
@@ -9296,7 +9890,7 @@
             <p:nvPr>
               <p:extLst>
                 <p:ext uri="{386F3935-93C4-4BCD-93E2-E3B085C9AB24}">
-                  <p16:designElem xmlns="" xmlns:p16="http://schemas.microsoft.com/office/powerpoint/2015/main" val="1"/>
+                  <p16:designElem xmlns:p16="http://schemas.microsoft.com/office/powerpoint/2015/main" val="1"/>
                 </p:ext>
               </p:extLst>
             </p:nvPr>
@@ -9335,10 +9929,10 @@
             <p:cNvPr id="16" name="Straight Connector 15">
               <a:extLst>
                 <a:ext uri="{FF2B5EF4-FFF2-40B4-BE49-F238E27FC236}">
-                  <a16:creationId xmlns="" xmlns:a16="http://schemas.microsoft.com/office/drawing/2014/main" id="{28498F04-5415-4A8B-A069-CF07486ECF69}"/>
+                  <a16:creationId xmlns:a16="http://schemas.microsoft.com/office/drawing/2014/main" id="{28498F04-5415-4A8B-A069-CF07486ECF69}"/>
                 </a:ext>
                 <a:ext uri="{C183D7F6-B498-43B3-948B-1728B52AA6E4}">
-                  <adec:decorative xmlns="" xmlns:adec="http://schemas.microsoft.com/office/drawing/2017/decorative" val="1"/>
+                  <adec:decorative xmlns:adec="http://schemas.microsoft.com/office/drawing/2017/decorative" val="1"/>
                 </a:ext>
               </a:extLst>
             </p:cNvPr>
@@ -9348,7 +9942,7 @@
             <p:nvPr>
               <p:extLst>
                 <p:ext uri="{386F3935-93C4-4BCD-93E2-E3B085C9AB24}">
-                  <p16:designElem xmlns="" xmlns:p16="http://schemas.microsoft.com/office/powerpoint/2015/main" val="1"/>
+                  <p16:designElem xmlns:p16="http://schemas.microsoft.com/office/powerpoint/2015/main" val="1"/>
                 </p:ext>
               </p:extLst>
             </p:nvPr>
@@ -9387,10 +9981,10 @@
             <p:cNvPr id="17" name="Graphic 8">
               <a:extLst>
                 <a:ext uri="{FF2B5EF4-FFF2-40B4-BE49-F238E27FC236}">
-                  <a16:creationId xmlns="" xmlns:a16="http://schemas.microsoft.com/office/drawing/2014/main" id="{7536A5CA-5F9D-44C7-87C6-A12CF740D518}"/>
+                  <a16:creationId xmlns:a16="http://schemas.microsoft.com/office/drawing/2014/main" id="{7536A5CA-5F9D-44C7-87C6-A12CF740D518}"/>
                 </a:ext>
                 <a:ext uri="{C183D7F6-B498-43B3-948B-1728B52AA6E4}">
-                  <adec:decorative xmlns="" xmlns:adec="http://schemas.microsoft.com/office/drawing/2017/decorative" val="1"/>
+                  <adec:decorative xmlns:adec="http://schemas.microsoft.com/office/drawing/2017/decorative" val="1"/>
                 </a:ext>
               </a:extLst>
             </p:cNvPr>
@@ -9398,7 +9992,7 @@
             <p:nvPr>
               <p:extLst>
                 <p:ext uri="{386F3935-93C4-4BCD-93E2-E3B085C9AB24}">
-                  <p16:designElem xmlns="" xmlns:p16="http://schemas.microsoft.com/office/powerpoint/2015/main" val="1"/>
+                  <p16:designElem xmlns:p16="http://schemas.microsoft.com/office/powerpoint/2015/main" val="1"/>
                 </p:ext>
               </p:extLst>
             </p:nvPr>
@@ -9471,10 +10065,10 @@
             <p:cNvPr id="18" name="Graphic 8">
               <a:extLst>
                 <a:ext uri="{FF2B5EF4-FFF2-40B4-BE49-F238E27FC236}">
-                  <a16:creationId xmlns="" xmlns:a16="http://schemas.microsoft.com/office/drawing/2014/main" id="{BE6FB307-61DF-42E4-ACB8-4E47813A8107}"/>
+                  <a16:creationId xmlns:a16="http://schemas.microsoft.com/office/drawing/2014/main" id="{BE6FB307-61DF-42E4-ACB8-4E47813A8107}"/>
                 </a:ext>
                 <a:ext uri="{C183D7F6-B498-43B3-948B-1728B52AA6E4}">
-                  <adec:decorative xmlns="" xmlns:adec="http://schemas.microsoft.com/office/drawing/2017/decorative" val="1"/>
+                  <adec:decorative xmlns:adec="http://schemas.microsoft.com/office/drawing/2017/decorative" val="1"/>
                 </a:ext>
               </a:extLst>
             </p:cNvPr>
@@ -9482,7 +10076,7 @@
             <p:nvPr>
               <p:extLst>
                 <p:ext uri="{386F3935-93C4-4BCD-93E2-E3B085C9AB24}">
-                  <p16:designElem xmlns="" xmlns:p16="http://schemas.microsoft.com/office/powerpoint/2015/main" val="1"/>
+                  <p16:designElem xmlns:p16="http://schemas.microsoft.com/office/powerpoint/2015/main" val="1"/>
                 </p:ext>
               </p:extLst>
             </p:nvPr>
@@ -9555,10 +10149,10 @@
             <p:cNvPr id="19" name="Straight Connector 18">
               <a:extLst>
                 <a:ext uri="{FF2B5EF4-FFF2-40B4-BE49-F238E27FC236}">
-                  <a16:creationId xmlns="" xmlns:a16="http://schemas.microsoft.com/office/drawing/2014/main" id="{E7C9104A-0B2E-42A7-8F27-CCEFDBA9001C}"/>
+                  <a16:creationId xmlns:a16="http://schemas.microsoft.com/office/drawing/2014/main" id="{E7C9104A-0B2E-42A7-8F27-CCEFDBA9001C}"/>
                 </a:ext>
                 <a:ext uri="{C183D7F6-B498-43B3-948B-1728B52AA6E4}">
-                  <adec:decorative xmlns="" xmlns:adec="http://schemas.microsoft.com/office/drawing/2017/decorative" val="1"/>
+                  <adec:decorative xmlns:adec="http://schemas.microsoft.com/office/drawing/2017/decorative" val="1"/>
                 </a:ext>
               </a:extLst>
             </p:cNvPr>
@@ -9568,7 +10162,7 @@
             <p:nvPr>
               <p:extLst>
                 <p:ext uri="{386F3935-93C4-4BCD-93E2-E3B085C9AB24}">
-                  <p16:designElem xmlns="" xmlns:p16="http://schemas.microsoft.com/office/powerpoint/2015/main" val="1"/>
+                  <p16:designElem xmlns:p16="http://schemas.microsoft.com/office/powerpoint/2015/main" val="1"/>
                 </p:ext>
               </p:extLst>
             </p:nvPr>
@@ -9607,10 +10201,10 @@
             <p:cNvPr id="20" name="Straight Connector 19">
               <a:extLst>
                 <a:ext uri="{FF2B5EF4-FFF2-40B4-BE49-F238E27FC236}">
-                  <a16:creationId xmlns="" xmlns:a16="http://schemas.microsoft.com/office/drawing/2014/main" id="{07C0EC34-7095-4362-AA58-F57213137383}"/>
+                  <a16:creationId xmlns:a16="http://schemas.microsoft.com/office/drawing/2014/main" id="{07C0EC34-7095-4362-AA58-F57213137383}"/>
                 </a:ext>
                 <a:ext uri="{C183D7F6-B498-43B3-948B-1728B52AA6E4}">
-                  <adec:decorative xmlns="" xmlns:adec="http://schemas.microsoft.com/office/drawing/2017/decorative" val="1"/>
+                  <adec:decorative xmlns:adec="http://schemas.microsoft.com/office/drawing/2017/decorative" val="1"/>
                 </a:ext>
               </a:extLst>
             </p:cNvPr>
@@ -9620,7 +10214,7 @@
             <p:nvPr>
               <p:extLst>
                 <p:ext uri="{386F3935-93C4-4BCD-93E2-E3B085C9AB24}">
-                  <p16:designElem xmlns="" xmlns:p16="http://schemas.microsoft.com/office/powerpoint/2015/main" val="1"/>
+                  <p16:designElem xmlns:p16="http://schemas.microsoft.com/office/powerpoint/2015/main" val="1"/>
                 </p:ext>
               </p:extLst>
             </p:nvPr>
@@ -9659,10 +10253,10 @@
             <p:cNvPr id="21" name="Straight Connector 20">
               <a:extLst>
                 <a:ext uri="{FF2B5EF4-FFF2-40B4-BE49-F238E27FC236}">
-                  <a16:creationId xmlns="" xmlns:a16="http://schemas.microsoft.com/office/drawing/2014/main" id="{3C19E597-F67B-455A-9D77-8B564DC5DB2C}"/>
+                  <a16:creationId xmlns:a16="http://schemas.microsoft.com/office/drawing/2014/main" id="{3C19E597-F67B-455A-9D77-8B564DC5DB2C}"/>
                 </a:ext>
                 <a:ext uri="{C183D7F6-B498-43B3-948B-1728B52AA6E4}">
-                  <adec:decorative xmlns="" xmlns:adec="http://schemas.microsoft.com/office/drawing/2017/decorative" val="1"/>
+                  <adec:decorative xmlns:adec="http://schemas.microsoft.com/office/drawing/2017/decorative" val="1"/>
                 </a:ext>
               </a:extLst>
             </p:cNvPr>
@@ -9672,7 +10266,7 @@
             <p:nvPr>
               <p:extLst>
                 <p:ext uri="{386F3935-93C4-4BCD-93E2-E3B085C9AB24}">
-                  <p16:designElem xmlns="" xmlns:p16="http://schemas.microsoft.com/office/powerpoint/2015/main" val="1"/>
+                  <p16:designElem xmlns:p16="http://schemas.microsoft.com/office/powerpoint/2015/main" val="1"/>
                 </p:ext>
               </p:extLst>
             </p:nvPr>
@@ -9711,10 +10305,10 @@
             <p:cNvPr id="22" name="Straight Connector 21">
               <a:extLst>
                 <a:ext uri="{FF2B5EF4-FFF2-40B4-BE49-F238E27FC236}">
-                  <a16:creationId xmlns="" xmlns:a16="http://schemas.microsoft.com/office/drawing/2014/main" id="{2CFF4279-F451-4DED-87EB-1899D7E4EBFE}"/>
+                  <a16:creationId xmlns:a16="http://schemas.microsoft.com/office/drawing/2014/main" id="{2CFF4279-F451-4DED-87EB-1899D7E4EBFE}"/>
                 </a:ext>
                 <a:ext uri="{C183D7F6-B498-43B3-948B-1728B52AA6E4}">
-                  <adec:decorative xmlns="" xmlns:adec="http://schemas.microsoft.com/office/drawing/2017/decorative" val="1"/>
+                  <adec:decorative xmlns:adec="http://schemas.microsoft.com/office/drawing/2017/decorative" val="1"/>
                 </a:ext>
               </a:extLst>
             </p:cNvPr>
@@ -9724,7 +10318,7 @@
             <p:nvPr>
               <p:extLst>
                 <p:ext uri="{386F3935-93C4-4BCD-93E2-E3B085C9AB24}">
-                  <p16:designElem xmlns="" xmlns:p16="http://schemas.microsoft.com/office/powerpoint/2015/main" val="1"/>
+                  <p16:designElem xmlns:p16="http://schemas.microsoft.com/office/powerpoint/2015/main" val="1"/>
                 </p:ext>
               </p:extLst>
             </p:nvPr>
@@ -9769,25 +10363,18 @@
   <p:clrMapOvr>
     <a:overrideClrMapping bg1="dk1" tx1="lt1" bg2="dk2" tx2="lt2" accent1="accent1" accent2="accent2" accent3="accent3" accent4="accent4" accent5="accent5" accent6="accent6" hlink="hlink" folHlink="folHlink"/>
   </p:clrMapOvr>
-  <mc:AlternateContent xmlns:mc="http://schemas.openxmlformats.org/markup-compatibility/2006">
-    <mc:Choice xmlns="" xmlns:p159="http://schemas.microsoft.com/office/powerpoint/2015/09/main" Requires="p159">
+  <mc:AlternateContent xmlns:mc="http://schemas.openxmlformats.org/markup-compatibility/2006" xmlns:p159="http://schemas.microsoft.com/office/powerpoint/2015/09/main">
+    <mc:Choice Requires="p159">
       <p:transition xmlns:p14="http://schemas.microsoft.com/office/powerpoint/2010/main" spd="slow" p14:dur="2000">
         <p159:morph option="byObject"/>
       </p:transition>
     </mc:Choice>
-    <mc:Fallback>
+    <mc:Fallback xmlns="">
       <p:transition spd="slow">
         <p:fade/>
       </p:transition>
     </mc:Fallback>
   </mc:AlternateContent>
-  <p:timing>
-    <p:tnLst>
-      <p:par>
-        <p:cTn id="1" dur="indefinite" restart="never" nodeType="tmRoot"/>
-      </p:par>
-    </p:tnLst>
-  </p:timing>
 </p:sld>
 </file>
 
@@ -9821,10 +10408,10 @@
           <p:cNvPr id="26" name="Rectangle 25">
             <a:extLst>
               <a:ext uri="{FF2B5EF4-FFF2-40B4-BE49-F238E27FC236}">
-                <a16:creationId xmlns="" xmlns:a16="http://schemas.microsoft.com/office/drawing/2014/main" id="{AE6FDE22-1F54-452D-A9BA-1BE9FDB53450}"/>
+                <a16:creationId xmlns:a16="http://schemas.microsoft.com/office/drawing/2014/main" id="{AE6FDE22-1F54-452D-A9BA-1BE9FDB53450}"/>
               </a:ext>
               <a:ext uri="{C183D7F6-B498-43B3-948B-1728B52AA6E4}">
-                <adec:decorative xmlns="" xmlns:adec="http://schemas.microsoft.com/office/drawing/2017/decorative" val="1"/>
+                <adec:decorative xmlns:adec="http://schemas.microsoft.com/office/drawing/2017/decorative" val="1"/>
               </a:ext>
             </a:extLst>
           </p:cNvPr>
@@ -9834,7 +10421,7 @@
           <p:nvPr>
             <p:extLst>
               <p:ext uri="{386F3935-93C4-4BCD-93E2-E3B085C9AB24}">
-                <p16:designElem xmlns="" xmlns:p16="http://schemas.microsoft.com/office/powerpoint/2015/main" val="1"/>
+                <p16:designElem xmlns:p16="http://schemas.microsoft.com/office/powerpoint/2015/main" val="1"/>
               </p:ext>
             </p:extLst>
           </p:nvPr>
@@ -9881,10 +10468,10 @@
           <p:cNvPr id="28" name="Rectangle 27">
             <a:extLst>
               <a:ext uri="{FF2B5EF4-FFF2-40B4-BE49-F238E27FC236}">
-                <a16:creationId xmlns="" xmlns:a16="http://schemas.microsoft.com/office/drawing/2014/main" id="{F06127CE-6F15-49AE-9751-398F3AC67163}"/>
+                <a16:creationId xmlns:a16="http://schemas.microsoft.com/office/drawing/2014/main" id="{F06127CE-6F15-49AE-9751-398F3AC67163}"/>
               </a:ext>
               <a:ext uri="{C183D7F6-B498-43B3-948B-1728B52AA6E4}">
-                <adec:decorative xmlns="" xmlns:adec="http://schemas.microsoft.com/office/drawing/2017/decorative" val="1"/>
+                <adec:decorative xmlns:adec="http://schemas.microsoft.com/office/drawing/2017/decorative" val="1"/>
               </a:ext>
             </a:extLst>
           </p:cNvPr>
@@ -9894,7 +10481,7 @@
           <p:nvPr>
             <p:extLst>
               <p:ext uri="{386F3935-93C4-4BCD-93E2-E3B085C9AB24}">
-                <p16:designElem xmlns="" xmlns:p16="http://schemas.microsoft.com/office/powerpoint/2015/main" val="1"/>
+                <p16:designElem xmlns:p16="http://schemas.microsoft.com/office/powerpoint/2015/main" val="1"/>
               </p:ext>
             </p:extLst>
           </p:nvPr>
@@ -9947,7 +10534,7 @@
           <p:cNvPr id="2" name="Title 1">
             <a:extLst>
               <a:ext uri="{FF2B5EF4-FFF2-40B4-BE49-F238E27FC236}">
-                <a16:creationId xmlns="" xmlns:a16="http://schemas.microsoft.com/office/drawing/2014/main" id="{943FFA39-B050-6E01-DA36-C6FB812064E8}"/>
+                <a16:creationId xmlns:a16="http://schemas.microsoft.com/office/drawing/2014/main" id="{943FFA39-B050-6E01-DA36-C6FB812064E8}"/>
               </a:ext>
             </a:extLst>
           </p:cNvPr>
@@ -9982,7 +10569,7 @@
           <p:cNvPr id="3" name="Content Placeholder 2">
             <a:extLst>
               <a:ext uri="{FF2B5EF4-FFF2-40B4-BE49-F238E27FC236}">
-                <a16:creationId xmlns="" xmlns:a16="http://schemas.microsoft.com/office/drawing/2014/main" id="{C759F7E9-A8F8-AC76-E747-37972266B03E}"/>
+                <a16:creationId xmlns:a16="http://schemas.microsoft.com/office/drawing/2014/main" id="{C759F7E9-A8F8-AC76-E747-37972266B03E}"/>
               </a:ext>
             </a:extLst>
           </p:cNvPr>
@@ -10182,10 +10769,10 @@
           <p:cNvPr id="30" name="Group 29">
             <a:extLst>
               <a:ext uri="{FF2B5EF4-FFF2-40B4-BE49-F238E27FC236}">
-                <a16:creationId xmlns="" xmlns:a16="http://schemas.microsoft.com/office/drawing/2014/main" id="{FCAB7548-8099-4066-AA4A-668904679008}"/>
+                <a16:creationId xmlns:a16="http://schemas.microsoft.com/office/drawing/2014/main" id="{FCAB7548-8099-4066-AA4A-668904679008}"/>
               </a:ext>
               <a:ext uri="{C183D7F6-B498-43B3-948B-1728B52AA6E4}">
-                <adec:decorative xmlns="" xmlns:adec="http://schemas.microsoft.com/office/drawing/2017/decorative" val="1"/>
+                <adec:decorative xmlns:adec="http://schemas.microsoft.com/office/drawing/2017/decorative" val="1"/>
               </a:ext>
             </a:extLst>
           </p:cNvPr>
@@ -10195,7 +10782,7 @@
           <p:nvPr>
             <p:extLst>
               <p:ext uri="{386F3935-93C4-4BCD-93E2-E3B085C9AB24}">
-                <p16:designElem xmlns="" xmlns:p16="http://schemas.microsoft.com/office/powerpoint/2015/main" val="1"/>
+                <p16:designElem xmlns:p16="http://schemas.microsoft.com/office/powerpoint/2015/main" val="1"/>
               </p:ext>
             </p:extLst>
           </p:nvPr>
@@ -10213,10 +10800,10 @@
             <p:cNvPr id="31" name="Straight Connector 30">
               <a:extLst>
                 <a:ext uri="{FF2B5EF4-FFF2-40B4-BE49-F238E27FC236}">
-                  <a16:creationId xmlns="" xmlns:a16="http://schemas.microsoft.com/office/drawing/2014/main" id="{0DD6D54C-5C05-40DE-8EAF-FA50D609AE24}"/>
+                  <a16:creationId xmlns:a16="http://schemas.microsoft.com/office/drawing/2014/main" id="{0DD6D54C-5C05-40DE-8EAF-FA50D609AE24}"/>
                 </a:ext>
                 <a:ext uri="{C183D7F6-B498-43B3-948B-1728B52AA6E4}">
-                  <adec:decorative xmlns="" xmlns:adec="http://schemas.microsoft.com/office/drawing/2017/decorative" val="1"/>
+                  <adec:decorative xmlns:adec="http://schemas.microsoft.com/office/drawing/2017/decorative" val="1"/>
                 </a:ext>
               </a:extLst>
             </p:cNvPr>
@@ -10226,7 +10813,7 @@
             <p:nvPr>
               <p:extLst>
                 <p:ext uri="{386F3935-93C4-4BCD-93E2-E3B085C9AB24}">
-                  <p16:designElem xmlns="" xmlns:p16="http://schemas.microsoft.com/office/powerpoint/2015/main" val="1"/>
+                  <p16:designElem xmlns:p16="http://schemas.microsoft.com/office/powerpoint/2015/main" val="1"/>
                 </p:ext>
               </p:extLst>
             </p:nvPr>
@@ -10265,10 +10852,10 @@
             <p:cNvPr id="32" name="Straight Connector 31">
               <a:extLst>
                 <a:ext uri="{FF2B5EF4-FFF2-40B4-BE49-F238E27FC236}">
-                  <a16:creationId xmlns="" xmlns:a16="http://schemas.microsoft.com/office/drawing/2014/main" id="{EB0CFF5B-7CFC-4A1B-811A-262201C04935}"/>
+                  <a16:creationId xmlns:a16="http://schemas.microsoft.com/office/drawing/2014/main" id="{EB0CFF5B-7CFC-4A1B-811A-262201C04935}"/>
                 </a:ext>
                 <a:ext uri="{C183D7F6-B498-43B3-948B-1728B52AA6E4}">
-                  <adec:decorative xmlns="" xmlns:adec="http://schemas.microsoft.com/office/drawing/2017/decorative" val="1"/>
+                  <adec:decorative xmlns:adec="http://schemas.microsoft.com/office/drawing/2017/decorative" val="1"/>
                 </a:ext>
               </a:extLst>
             </p:cNvPr>
@@ -10278,7 +10865,7 @@
             <p:nvPr>
               <p:extLst>
                 <p:ext uri="{386F3935-93C4-4BCD-93E2-E3B085C9AB24}">
-                  <p16:designElem xmlns="" xmlns:p16="http://schemas.microsoft.com/office/powerpoint/2015/main" val="1"/>
+                  <p16:designElem xmlns:p16="http://schemas.microsoft.com/office/powerpoint/2015/main" val="1"/>
                 </p:ext>
               </p:extLst>
             </p:nvPr>
@@ -10317,10 +10904,10 @@
             <p:cNvPr id="33" name="Straight Connector 32">
               <a:extLst>
                 <a:ext uri="{FF2B5EF4-FFF2-40B4-BE49-F238E27FC236}">
-                  <a16:creationId xmlns="" xmlns:a16="http://schemas.microsoft.com/office/drawing/2014/main" id="{3BD7D63C-11FE-48D4-8433-A188CDAB2343}"/>
+                  <a16:creationId xmlns:a16="http://schemas.microsoft.com/office/drawing/2014/main" id="{3BD7D63C-11FE-48D4-8433-A188CDAB2343}"/>
                 </a:ext>
                 <a:ext uri="{C183D7F6-B498-43B3-948B-1728B52AA6E4}">
-                  <adec:decorative xmlns="" xmlns:adec="http://schemas.microsoft.com/office/drawing/2017/decorative" val="1"/>
+                  <adec:decorative xmlns:adec="http://schemas.microsoft.com/office/drawing/2017/decorative" val="1"/>
                 </a:ext>
               </a:extLst>
             </p:cNvPr>
@@ -10330,7 +10917,7 @@
             <p:nvPr>
               <p:extLst>
                 <p:ext uri="{386F3935-93C4-4BCD-93E2-E3B085C9AB24}">
-                  <p16:designElem xmlns="" xmlns:p16="http://schemas.microsoft.com/office/powerpoint/2015/main" val="1"/>
+                  <p16:designElem xmlns:p16="http://schemas.microsoft.com/office/powerpoint/2015/main" val="1"/>
                 </p:ext>
               </p:extLst>
             </p:nvPr>
@@ -10369,10 +10956,10 @@
             <p:cNvPr id="34" name="Straight Connector 33">
               <a:extLst>
                 <a:ext uri="{FF2B5EF4-FFF2-40B4-BE49-F238E27FC236}">
-                  <a16:creationId xmlns="" xmlns:a16="http://schemas.microsoft.com/office/drawing/2014/main" id="{D0EB69FA-9640-4C07-9993-F74D211FB52E}"/>
+                  <a16:creationId xmlns:a16="http://schemas.microsoft.com/office/drawing/2014/main" id="{D0EB69FA-9640-4C07-9993-F74D211FB52E}"/>
                 </a:ext>
                 <a:ext uri="{C183D7F6-B498-43B3-948B-1728B52AA6E4}">
-                  <adec:decorative xmlns="" xmlns:adec="http://schemas.microsoft.com/office/drawing/2017/decorative" val="1"/>
+                  <adec:decorative xmlns:adec="http://schemas.microsoft.com/office/drawing/2017/decorative" val="1"/>
                 </a:ext>
               </a:extLst>
             </p:cNvPr>
@@ -10382,7 +10969,7 @@
             <p:nvPr>
               <p:extLst>
                 <p:ext uri="{386F3935-93C4-4BCD-93E2-E3B085C9AB24}">
-                  <p16:designElem xmlns="" xmlns:p16="http://schemas.microsoft.com/office/powerpoint/2015/main" val="1"/>
+                  <p16:designElem xmlns:p16="http://schemas.microsoft.com/office/powerpoint/2015/main" val="1"/>
                 </p:ext>
               </p:extLst>
             </p:nvPr>
@@ -10421,10 +11008,10 @@
             <p:cNvPr id="35" name="Straight Connector 34">
               <a:extLst>
                 <a:ext uri="{FF2B5EF4-FFF2-40B4-BE49-F238E27FC236}">
-                  <a16:creationId xmlns="" xmlns:a16="http://schemas.microsoft.com/office/drawing/2014/main" id="{B887ECAA-6BDB-4356-A66A-D28C7026B681}"/>
+                  <a16:creationId xmlns:a16="http://schemas.microsoft.com/office/drawing/2014/main" id="{B887ECAA-6BDB-4356-A66A-D28C7026B681}"/>
                 </a:ext>
                 <a:ext uri="{C183D7F6-B498-43B3-948B-1728B52AA6E4}">
-                  <adec:decorative xmlns="" xmlns:adec="http://schemas.microsoft.com/office/drawing/2017/decorative" val="1"/>
+                  <adec:decorative xmlns:adec="http://schemas.microsoft.com/office/drawing/2017/decorative" val="1"/>
                 </a:ext>
               </a:extLst>
             </p:cNvPr>
@@ -10434,7 +11021,7 @@
             <p:nvPr>
               <p:extLst>
                 <p:ext uri="{386F3935-93C4-4BCD-93E2-E3B085C9AB24}">
-                  <p16:designElem xmlns="" xmlns:p16="http://schemas.microsoft.com/office/powerpoint/2015/main" val="1"/>
+                  <p16:designElem xmlns:p16="http://schemas.microsoft.com/office/powerpoint/2015/main" val="1"/>
                 </p:ext>
               </p:extLst>
             </p:nvPr>
@@ -10473,10 +11060,10 @@
             <p:cNvPr id="36" name="Straight Connector 35">
               <a:extLst>
                 <a:ext uri="{FF2B5EF4-FFF2-40B4-BE49-F238E27FC236}">
-                  <a16:creationId xmlns="" xmlns:a16="http://schemas.microsoft.com/office/drawing/2014/main" id="{CFC3365E-17A9-4CC8-BE01-3969BF4C8E3B}"/>
+                  <a16:creationId xmlns:a16="http://schemas.microsoft.com/office/drawing/2014/main" id="{CFC3365E-17A9-4CC8-BE01-3969BF4C8E3B}"/>
                 </a:ext>
                 <a:ext uri="{C183D7F6-B498-43B3-948B-1728B52AA6E4}">
-                  <adec:decorative xmlns="" xmlns:adec="http://schemas.microsoft.com/office/drawing/2017/decorative" val="1"/>
+                  <adec:decorative xmlns:adec="http://schemas.microsoft.com/office/drawing/2017/decorative" val="1"/>
                 </a:ext>
               </a:extLst>
             </p:cNvPr>
@@ -10486,7 +11073,7 @@
             <p:nvPr>
               <p:extLst>
                 <p:ext uri="{386F3935-93C4-4BCD-93E2-E3B085C9AB24}">
-                  <p16:designElem xmlns="" xmlns:p16="http://schemas.microsoft.com/office/powerpoint/2015/main" val="1"/>
+                  <p16:designElem xmlns:p16="http://schemas.microsoft.com/office/powerpoint/2015/main" val="1"/>
                 </p:ext>
               </p:extLst>
             </p:nvPr>
@@ -10526,7 +11113,7 @@
           <p:cNvPr id="5" name="Picture 4" descr="Five bulbs and one of them is glowing">
             <a:extLst>
               <a:ext uri="{FF2B5EF4-FFF2-40B4-BE49-F238E27FC236}">
-                <a16:creationId xmlns="" xmlns:a16="http://schemas.microsoft.com/office/drawing/2014/main" id="{0E3B6F73-5BD1-E881-5FF8-60780B19D87D}"/>
+                <a16:creationId xmlns:a16="http://schemas.microsoft.com/office/drawing/2014/main" id="{0E3B6F73-5BD1-E881-5FF8-60780B19D87D}"/>
               </a:ext>
             </a:extLst>
           </p:cNvPr>
@@ -10616,7 +11203,7 @@
           <p:cNvPr id="4" name="Title 1">
             <a:extLst>
               <a:ext uri="{FF2B5EF4-FFF2-40B4-BE49-F238E27FC236}">
-                <a16:creationId xmlns="" xmlns:a16="http://schemas.microsoft.com/office/drawing/2014/main" id="{F32F67AD-8975-319C-6B65-4592639CE617}"/>
+                <a16:creationId xmlns:a16="http://schemas.microsoft.com/office/drawing/2014/main" id="{F32F67AD-8975-319C-6B65-4592639CE617}"/>
               </a:ext>
             </a:extLst>
           </p:cNvPr>
@@ -10687,25 +11274,18 @@
   <p:clrMapOvr>
     <a:masterClrMapping/>
   </p:clrMapOvr>
-  <mc:AlternateContent xmlns:mc="http://schemas.openxmlformats.org/markup-compatibility/2006">
-    <mc:Choice xmlns="" xmlns:p159="http://schemas.microsoft.com/office/powerpoint/2015/09/main" Requires="p159">
+  <mc:AlternateContent xmlns:mc="http://schemas.openxmlformats.org/markup-compatibility/2006" xmlns:p159="http://schemas.microsoft.com/office/powerpoint/2015/09/main">
+    <mc:Choice Requires="p159">
       <p:transition xmlns:p14="http://schemas.microsoft.com/office/powerpoint/2010/main" spd="slow" p14:dur="2000">
         <p159:morph option="byObject"/>
       </p:transition>
     </mc:Choice>
-    <mc:Fallback>
+    <mc:Fallback xmlns="">
       <p:transition spd="slow">
         <p:fade/>
       </p:transition>
     </mc:Fallback>
   </mc:AlternateContent>
-  <p:timing>
-    <p:tnLst>
-      <p:par>
-        <p:cTn id="1" dur="indefinite" restart="never" nodeType="tmRoot"/>
-      </p:par>
-    </p:tnLst>
-  </p:timing>
 </p:sld>
 </file>
 
@@ -10739,10 +11319,10 @@
           <p:cNvPr id="9" name="Rectangle 8">
             <a:extLst>
               <a:ext uri="{FF2B5EF4-FFF2-40B4-BE49-F238E27FC236}">
-                <a16:creationId xmlns="" xmlns:a16="http://schemas.microsoft.com/office/drawing/2014/main" id="{AE6FDE22-1F54-452D-A9BA-1BE9FDB53450}"/>
+                <a16:creationId xmlns:a16="http://schemas.microsoft.com/office/drawing/2014/main" id="{AE6FDE22-1F54-452D-A9BA-1BE9FDB53450}"/>
               </a:ext>
               <a:ext uri="{C183D7F6-B498-43B3-948B-1728B52AA6E4}">
-                <adec:decorative xmlns="" xmlns:adec="http://schemas.microsoft.com/office/drawing/2017/decorative" val="1"/>
+                <adec:decorative xmlns:adec="http://schemas.microsoft.com/office/drawing/2017/decorative" val="1"/>
               </a:ext>
             </a:extLst>
           </p:cNvPr>
@@ -10752,7 +11332,7 @@
           <p:nvPr>
             <p:extLst>
               <p:ext uri="{386F3935-93C4-4BCD-93E2-E3B085C9AB24}">
-                <p16:designElem xmlns="" xmlns:p16="http://schemas.microsoft.com/office/powerpoint/2015/main" val="1"/>
+                <p16:designElem xmlns:p16="http://schemas.microsoft.com/office/powerpoint/2015/main" val="1"/>
               </p:ext>
             </p:extLst>
           </p:nvPr>
@@ -10799,10 +11379,10 @@
           <p:cNvPr id="11" name="Rectangle 10">
             <a:extLst>
               <a:ext uri="{FF2B5EF4-FFF2-40B4-BE49-F238E27FC236}">
-                <a16:creationId xmlns="" xmlns:a16="http://schemas.microsoft.com/office/drawing/2014/main" id="{E24727BA-2777-4823-88E1-1B4B61968504}"/>
+                <a16:creationId xmlns:a16="http://schemas.microsoft.com/office/drawing/2014/main" id="{E24727BA-2777-4823-88E1-1B4B61968504}"/>
               </a:ext>
               <a:ext uri="{C183D7F6-B498-43B3-948B-1728B52AA6E4}">
-                <adec:decorative xmlns="" xmlns:adec="http://schemas.microsoft.com/office/drawing/2017/decorative" val="1"/>
+                <adec:decorative xmlns:adec="http://schemas.microsoft.com/office/drawing/2017/decorative" val="1"/>
               </a:ext>
             </a:extLst>
           </p:cNvPr>
@@ -10812,7 +11392,7 @@
           <p:nvPr>
             <p:extLst>
               <p:ext uri="{386F3935-93C4-4BCD-93E2-E3B085C9AB24}">
-                <p16:designElem xmlns="" xmlns:p16="http://schemas.microsoft.com/office/powerpoint/2015/main" val="1"/>
+                <p16:designElem xmlns:p16="http://schemas.microsoft.com/office/powerpoint/2015/main" val="1"/>
               </p:ext>
             </p:extLst>
           </p:nvPr>
@@ -10862,10 +11442,10 @@
           <p:cNvPr id="13" name="Rectangle 12">
             <a:extLst>
               <a:ext uri="{FF2B5EF4-FFF2-40B4-BE49-F238E27FC236}">
-                <a16:creationId xmlns="" xmlns:a16="http://schemas.microsoft.com/office/drawing/2014/main" id="{2AB0E0E5-A956-4B80-A317-E670B96CB03B}"/>
+                <a16:creationId xmlns:a16="http://schemas.microsoft.com/office/drawing/2014/main" id="{2AB0E0E5-A956-4B80-A317-E670B96CB03B}"/>
               </a:ext>
               <a:ext uri="{C183D7F6-B498-43B3-948B-1728B52AA6E4}">
-                <adec:decorative xmlns="" xmlns:adec="http://schemas.microsoft.com/office/drawing/2017/decorative" val="1"/>
+                <adec:decorative xmlns:adec="http://schemas.microsoft.com/office/drawing/2017/decorative" val="1"/>
               </a:ext>
             </a:extLst>
           </p:cNvPr>
@@ -10875,7 +11455,7 @@
           <p:nvPr>
             <p:extLst>
               <p:ext uri="{386F3935-93C4-4BCD-93E2-E3B085C9AB24}">
-                <p16:designElem xmlns="" xmlns:p16="http://schemas.microsoft.com/office/powerpoint/2015/main" val="1"/>
+                <p16:designElem xmlns:p16="http://schemas.microsoft.com/office/powerpoint/2015/main" val="1"/>
               </p:ext>
             </p:extLst>
           </p:nvPr>
@@ -10925,7 +11505,7 @@
           <p:cNvPr id="5" name="Picture 4" descr="Person watching empty phone">
             <a:extLst>
               <a:ext uri="{FF2B5EF4-FFF2-40B4-BE49-F238E27FC236}">
-                <a16:creationId xmlns="" xmlns:a16="http://schemas.microsoft.com/office/drawing/2014/main" id="{36BF03C9-7783-2E80-D333-EBEBAB79BB38}"/>
+                <a16:creationId xmlns:a16="http://schemas.microsoft.com/office/drawing/2014/main" id="{36BF03C9-7783-2E80-D333-EBEBAB79BB38}"/>
               </a:ext>
             </a:extLst>
           </p:cNvPr>
@@ -10959,10 +11539,10 @@
           <p:cNvPr id="15" name="Group 14">
             <a:extLst>
               <a:ext uri="{FF2B5EF4-FFF2-40B4-BE49-F238E27FC236}">
-                <a16:creationId xmlns="" xmlns:a16="http://schemas.microsoft.com/office/drawing/2014/main" id="{68142369-1172-4897-98AF-7E16842C4A29}"/>
+                <a16:creationId xmlns:a16="http://schemas.microsoft.com/office/drawing/2014/main" id="{68142369-1172-4897-98AF-7E16842C4A29}"/>
               </a:ext>
               <a:ext uri="{C183D7F6-B498-43B3-948B-1728B52AA6E4}">
-                <adec:decorative xmlns="" xmlns:adec="http://schemas.microsoft.com/office/drawing/2017/decorative" val="1"/>
+                <adec:decorative xmlns:adec="http://schemas.microsoft.com/office/drawing/2017/decorative" val="1"/>
               </a:ext>
             </a:extLst>
           </p:cNvPr>
@@ -10972,7 +11552,7 @@
           <p:nvPr>
             <p:extLst>
               <p:ext uri="{386F3935-93C4-4BCD-93E2-E3B085C9AB24}">
-                <p16:designElem xmlns="" xmlns:p16="http://schemas.microsoft.com/office/powerpoint/2015/main" val="1"/>
+                <p16:designElem xmlns:p16="http://schemas.microsoft.com/office/powerpoint/2015/main" val="1"/>
               </p:ext>
             </p:extLst>
           </p:nvPr>
@@ -10990,10 +11570,10 @@
             <p:cNvPr id="16" name="Straight Connector 15">
               <a:extLst>
                 <a:ext uri="{FF2B5EF4-FFF2-40B4-BE49-F238E27FC236}">
-                  <a16:creationId xmlns="" xmlns:a16="http://schemas.microsoft.com/office/drawing/2014/main" id="{6B4EC643-469D-49F7-B2C7-FA3DA6FFACC7}"/>
+                  <a16:creationId xmlns:a16="http://schemas.microsoft.com/office/drawing/2014/main" id="{6B4EC643-469D-49F7-B2C7-FA3DA6FFACC7}"/>
                 </a:ext>
                 <a:ext uri="{C183D7F6-B498-43B3-948B-1728B52AA6E4}">
-                  <adec:decorative xmlns="" xmlns:adec="http://schemas.microsoft.com/office/drawing/2017/decorative" val="1"/>
+                  <adec:decorative xmlns:adec="http://schemas.microsoft.com/office/drawing/2017/decorative" val="1"/>
                 </a:ext>
               </a:extLst>
             </p:cNvPr>
@@ -11003,7 +11583,7 @@
             <p:nvPr>
               <p:extLst>
                 <p:ext uri="{386F3935-93C4-4BCD-93E2-E3B085C9AB24}">
-                  <p16:designElem xmlns="" xmlns:p16="http://schemas.microsoft.com/office/powerpoint/2015/main" val="1"/>
+                  <p16:designElem xmlns:p16="http://schemas.microsoft.com/office/powerpoint/2015/main" val="1"/>
                 </p:ext>
               </p:extLst>
             </p:nvPr>
@@ -11042,10 +11622,10 @@
             <p:cNvPr id="17" name="Straight Connector 16">
               <a:extLst>
                 <a:ext uri="{FF2B5EF4-FFF2-40B4-BE49-F238E27FC236}">
-                  <a16:creationId xmlns="" xmlns:a16="http://schemas.microsoft.com/office/drawing/2014/main" id="{33C04565-7FC8-416F-9C08-F430D337F817}"/>
+                  <a16:creationId xmlns:a16="http://schemas.microsoft.com/office/drawing/2014/main" id="{33C04565-7FC8-416F-9C08-F430D337F817}"/>
                 </a:ext>
                 <a:ext uri="{C183D7F6-B498-43B3-948B-1728B52AA6E4}">
-                  <adec:decorative xmlns="" xmlns:adec="http://schemas.microsoft.com/office/drawing/2017/decorative" val="1"/>
+                  <adec:decorative xmlns:adec="http://schemas.microsoft.com/office/drawing/2017/decorative" val="1"/>
                 </a:ext>
               </a:extLst>
             </p:cNvPr>
@@ -11055,7 +11635,7 @@
             <p:nvPr>
               <p:extLst>
                 <p:ext uri="{386F3935-93C4-4BCD-93E2-E3B085C9AB24}">
-                  <p16:designElem xmlns="" xmlns:p16="http://schemas.microsoft.com/office/powerpoint/2015/main" val="1"/>
+                  <p16:designElem xmlns:p16="http://schemas.microsoft.com/office/powerpoint/2015/main" val="1"/>
                 </p:ext>
               </p:extLst>
             </p:nvPr>
@@ -11094,10 +11674,10 @@
             <p:cNvPr id="18" name="Straight Connector 17">
               <a:extLst>
                 <a:ext uri="{FF2B5EF4-FFF2-40B4-BE49-F238E27FC236}">
-                  <a16:creationId xmlns="" xmlns:a16="http://schemas.microsoft.com/office/drawing/2014/main" id="{92BD8DCF-6634-460D-AA2E-1357451FBA18}"/>
+                  <a16:creationId xmlns:a16="http://schemas.microsoft.com/office/drawing/2014/main" id="{92BD8DCF-6634-460D-AA2E-1357451FBA18}"/>
                 </a:ext>
                 <a:ext uri="{C183D7F6-B498-43B3-948B-1728B52AA6E4}">
-                  <adec:decorative xmlns="" xmlns:adec="http://schemas.microsoft.com/office/drawing/2017/decorative" val="1"/>
+                  <adec:decorative xmlns:adec="http://schemas.microsoft.com/office/drawing/2017/decorative" val="1"/>
                 </a:ext>
               </a:extLst>
             </p:cNvPr>
@@ -11107,7 +11687,7 @@
             <p:nvPr>
               <p:extLst>
                 <p:ext uri="{386F3935-93C4-4BCD-93E2-E3B085C9AB24}">
-                  <p16:designElem xmlns="" xmlns:p16="http://schemas.microsoft.com/office/powerpoint/2015/main" val="1"/>
+                  <p16:designElem xmlns:p16="http://schemas.microsoft.com/office/powerpoint/2015/main" val="1"/>
                 </p:ext>
               </p:extLst>
             </p:nvPr>
@@ -11146,10 +11726,10 @@
             <p:cNvPr id="19" name="Straight Connector 18">
               <a:extLst>
                 <a:ext uri="{FF2B5EF4-FFF2-40B4-BE49-F238E27FC236}">
-                  <a16:creationId xmlns="" xmlns:a16="http://schemas.microsoft.com/office/drawing/2014/main" id="{8EAC9175-245B-4886-A4F2-EEA53C13F540}"/>
+                  <a16:creationId xmlns:a16="http://schemas.microsoft.com/office/drawing/2014/main" id="{8EAC9175-245B-4886-A4F2-EEA53C13F540}"/>
                 </a:ext>
                 <a:ext uri="{C183D7F6-B498-43B3-948B-1728B52AA6E4}">
-                  <adec:decorative xmlns="" xmlns:adec="http://schemas.microsoft.com/office/drawing/2017/decorative" val="1"/>
+                  <adec:decorative xmlns:adec="http://schemas.microsoft.com/office/drawing/2017/decorative" val="1"/>
                 </a:ext>
               </a:extLst>
             </p:cNvPr>
@@ -11159,7 +11739,7 @@
             <p:nvPr>
               <p:extLst>
                 <p:ext uri="{386F3935-93C4-4BCD-93E2-E3B085C9AB24}">
-                  <p16:designElem xmlns="" xmlns:p16="http://schemas.microsoft.com/office/powerpoint/2015/main" val="1"/>
+                  <p16:designElem xmlns:p16="http://schemas.microsoft.com/office/powerpoint/2015/main" val="1"/>
                 </p:ext>
               </p:extLst>
             </p:nvPr>
@@ -11198,10 +11778,10 @@
             <p:cNvPr id="20" name="Graphic 33">
               <a:extLst>
                 <a:ext uri="{FF2B5EF4-FFF2-40B4-BE49-F238E27FC236}">
-                  <a16:creationId xmlns="" xmlns:a16="http://schemas.microsoft.com/office/drawing/2014/main" id="{BC567658-11B8-4D35-89AE-B7353466914F}"/>
+                  <a16:creationId xmlns:a16="http://schemas.microsoft.com/office/drawing/2014/main" id="{BC567658-11B8-4D35-89AE-B7353466914F}"/>
                 </a:ext>
                 <a:ext uri="{C183D7F6-B498-43B3-948B-1728B52AA6E4}">
-                  <adec:decorative xmlns="" xmlns:adec="http://schemas.microsoft.com/office/drawing/2017/decorative" val="1"/>
+                  <adec:decorative xmlns:adec="http://schemas.microsoft.com/office/drawing/2017/decorative" val="1"/>
                 </a:ext>
               </a:extLst>
             </p:cNvPr>
@@ -11209,7 +11789,7 @@
             <p:nvPr>
               <p:extLst>
                 <p:ext uri="{386F3935-93C4-4BCD-93E2-E3B085C9AB24}">
-                  <p16:designElem xmlns="" xmlns:p16="http://schemas.microsoft.com/office/powerpoint/2015/main" val="1"/>
+                  <p16:designElem xmlns:p16="http://schemas.microsoft.com/office/powerpoint/2015/main" val="1"/>
                 </p:ext>
               </p:extLst>
             </p:nvPr>
@@ -11376,10 +11956,10 @@
             <p:cNvPr id="21" name="Graphic 33">
               <a:extLst>
                 <a:ext uri="{FF2B5EF4-FFF2-40B4-BE49-F238E27FC236}">
-                  <a16:creationId xmlns="" xmlns:a16="http://schemas.microsoft.com/office/drawing/2014/main" id="{B2AAA79A-1602-4193-8170-9C436D9CED8F}"/>
+                  <a16:creationId xmlns:a16="http://schemas.microsoft.com/office/drawing/2014/main" id="{B2AAA79A-1602-4193-8170-9C436D9CED8F}"/>
                 </a:ext>
                 <a:ext uri="{C183D7F6-B498-43B3-948B-1728B52AA6E4}">
-                  <adec:decorative xmlns="" xmlns:adec="http://schemas.microsoft.com/office/drawing/2017/decorative" val="1"/>
+                  <adec:decorative xmlns:adec="http://schemas.microsoft.com/office/drawing/2017/decorative" val="1"/>
                 </a:ext>
               </a:extLst>
             </p:cNvPr>
@@ -11387,7 +11967,7 @@
             <p:nvPr>
               <p:extLst>
                 <p:ext uri="{386F3935-93C4-4BCD-93E2-E3B085C9AB24}">
-                  <p16:designElem xmlns="" xmlns:p16="http://schemas.microsoft.com/office/powerpoint/2015/main" val="1"/>
+                  <p16:designElem xmlns:p16="http://schemas.microsoft.com/office/powerpoint/2015/main" val="1"/>
                 </p:ext>
               </p:extLst>
             </p:nvPr>
@@ -11555,7 +12135,7 @@
           <p:cNvPr id="2" name="Title 1">
             <a:extLst>
               <a:ext uri="{FF2B5EF4-FFF2-40B4-BE49-F238E27FC236}">
-                <a16:creationId xmlns="" xmlns:a16="http://schemas.microsoft.com/office/drawing/2014/main" id="{B523243B-B02A-F4D0-FCD6-F67803657973}"/>
+                <a16:creationId xmlns:a16="http://schemas.microsoft.com/office/drawing/2014/main" id="{B523243B-B02A-F4D0-FCD6-F67803657973}"/>
               </a:ext>
             </a:extLst>
           </p:cNvPr>
@@ -11594,7 +12174,7 @@
           <p:cNvPr id="3" name="Content Placeholder 2">
             <a:extLst>
               <a:ext uri="{FF2B5EF4-FFF2-40B4-BE49-F238E27FC236}">
-                <a16:creationId xmlns="" xmlns:a16="http://schemas.microsoft.com/office/drawing/2014/main" id="{914F2E01-CB12-0A24-CE27-8DD6F821D827}"/>
+                <a16:creationId xmlns:a16="http://schemas.microsoft.com/office/drawing/2014/main" id="{914F2E01-CB12-0A24-CE27-8DD6F821D827}"/>
               </a:ext>
             </a:extLst>
           </p:cNvPr>
@@ -11986,25 +12566,18 @@
   <p:clrMapOvr>
     <a:overrideClrMapping bg1="dk1" tx1="lt1" bg2="dk2" tx2="lt2" accent1="accent1" accent2="accent2" accent3="accent3" accent4="accent4" accent5="accent5" accent6="accent6" hlink="hlink" folHlink="folHlink"/>
   </p:clrMapOvr>
-  <mc:AlternateContent xmlns:mc="http://schemas.openxmlformats.org/markup-compatibility/2006">
-    <mc:Choice xmlns="" xmlns:p159="http://schemas.microsoft.com/office/powerpoint/2015/09/main" Requires="p159">
+  <mc:AlternateContent xmlns:mc="http://schemas.openxmlformats.org/markup-compatibility/2006" xmlns:p159="http://schemas.microsoft.com/office/powerpoint/2015/09/main">
+    <mc:Choice Requires="p159">
       <p:transition xmlns:p14="http://schemas.microsoft.com/office/powerpoint/2010/main" spd="slow" p14:dur="2000">
         <p159:morph option="byObject"/>
       </p:transition>
     </mc:Choice>
-    <mc:Fallback>
+    <mc:Fallback xmlns="">
       <p:transition spd="slow">
         <p:fade/>
       </p:transition>
     </mc:Fallback>
   </mc:AlternateContent>
-  <p:timing>
-    <p:tnLst>
-      <p:par>
-        <p:cTn id="1" dur="indefinite" restart="never" nodeType="tmRoot"/>
-      </p:par>
-    </p:tnLst>
-  </p:timing>
 </p:sld>
 </file>
 
@@ -12038,10 +12611,10 @@
           <p:cNvPr id="9" name="Rectangle 8">
             <a:extLst>
               <a:ext uri="{FF2B5EF4-FFF2-40B4-BE49-F238E27FC236}">
-                <a16:creationId xmlns="" xmlns:a16="http://schemas.microsoft.com/office/drawing/2014/main" id="{AE6FDE22-1F54-452D-A9BA-1BE9FDB53450}"/>
+                <a16:creationId xmlns:a16="http://schemas.microsoft.com/office/drawing/2014/main" id="{AE6FDE22-1F54-452D-A9BA-1BE9FDB53450}"/>
               </a:ext>
               <a:ext uri="{C183D7F6-B498-43B3-948B-1728B52AA6E4}">
-                <adec:decorative xmlns="" xmlns:adec="http://schemas.microsoft.com/office/drawing/2017/decorative" val="1"/>
+                <adec:decorative xmlns:adec="http://schemas.microsoft.com/office/drawing/2017/decorative" val="1"/>
               </a:ext>
             </a:extLst>
           </p:cNvPr>
@@ -12051,7 +12624,7 @@
           <p:nvPr>
             <p:extLst>
               <p:ext uri="{386F3935-93C4-4BCD-93E2-E3B085C9AB24}">
-                <p16:designElem xmlns="" xmlns:p16="http://schemas.microsoft.com/office/powerpoint/2015/main" val="1"/>
+                <p16:designElem xmlns:p16="http://schemas.microsoft.com/office/powerpoint/2015/main" val="1"/>
               </p:ext>
             </p:extLst>
           </p:nvPr>
@@ -12098,10 +12671,10 @@
           <p:cNvPr id="11" name="Rectangle 10">
             <a:extLst>
               <a:ext uri="{FF2B5EF4-FFF2-40B4-BE49-F238E27FC236}">
-                <a16:creationId xmlns="" xmlns:a16="http://schemas.microsoft.com/office/drawing/2014/main" id="{E24727BA-2777-4823-88E1-1B4B61968504}"/>
+                <a16:creationId xmlns:a16="http://schemas.microsoft.com/office/drawing/2014/main" id="{E24727BA-2777-4823-88E1-1B4B61968504}"/>
               </a:ext>
               <a:ext uri="{C183D7F6-B498-43B3-948B-1728B52AA6E4}">
-                <adec:decorative xmlns="" xmlns:adec="http://schemas.microsoft.com/office/drawing/2017/decorative" val="1"/>
+                <adec:decorative xmlns:adec="http://schemas.microsoft.com/office/drawing/2017/decorative" val="1"/>
               </a:ext>
             </a:extLst>
           </p:cNvPr>
@@ -12111,7 +12684,7 @@
           <p:nvPr>
             <p:extLst>
               <p:ext uri="{386F3935-93C4-4BCD-93E2-E3B085C9AB24}">
-                <p16:designElem xmlns="" xmlns:p16="http://schemas.microsoft.com/office/powerpoint/2015/main" val="1"/>
+                <p16:designElem xmlns:p16="http://schemas.microsoft.com/office/powerpoint/2015/main" val="1"/>
               </p:ext>
             </p:extLst>
           </p:nvPr>
@@ -12161,10 +12734,10 @@
           <p:cNvPr id="13" name="Rectangle 12">
             <a:extLst>
               <a:ext uri="{FF2B5EF4-FFF2-40B4-BE49-F238E27FC236}">
-                <a16:creationId xmlns="" xmlns:a16="http://schemas.microsoft.com/office/drawing/2014/main" id="{2AB0E0E5-A956-4B80-A317-E670B96CB03B}"/>
+                <a16:creationId xmlns:a16="http://schemas.microsoft.com/office/drawing/2014/main" id="{2AB0E0E5-A956-4B80-A317-E670B96CB03B}"/>
               </a:ext>
               <a:ext uri="{C183D7F6-B498-43B3-948B-1728B52AA6E4}">
-                <adec:decorative xmlns="" xmlns:adec="http://schemas.microsoft.com/office/drawing/2017/decorative" val="1"/>
+                <adec:decorative xmlns:adec="http://schemas.microsoft.com/office/drawing/2017/decorative" val="1"/>
               </a:ext>
             </a:extLst>
           </p:cNvPr>
@@ -12174,7 +12747,7 @@
           <p:nvPr>
             <p:extLst>
               <p:ext uri="{386F3935-93C4-4BCD-93E2-E3B085C9AB24}">
-                <p16:designElem xmlns="" xmlns:p16="http://schemas.microsoft.com/office/powerpoint/2015/main" val="1"/>
+                <p16:designElem xmlns:p16="http://schemas.microsoft.com/office/powerpoint/2015/main" val="1"/>
               </p:ext>
             </p:extLst>
           </p:nvPr>
@@ -12224,7 +12797,7 @@
           <p:cNvPr id="5" name="Picture 4" descr="Person watching empty phone">
             <a:extLst>
               <a:ext uri="{FF2B5EF4-FFF2-40B4-BE49-F238E27FC236}">
-                <a16:creationId xmlns="" xmlns:a16="http://schemas.microsoft.com/office/drawing/2014/main" id="{36BF03C9-7783-2E80-D333-EBEBAB79BB38}"/>
+                <a16:creationId xmlns:a16="http://schemas.microsoft.com/office/drawing/2014/main" id="{36BF03C9-7783-2E80-D333-EBEBAB79BB38}"/>
               </a:ext>
             </a:extLst>
           </p:cNvPr>
@@ -12258,10 +12831,10 @@
           <p:cNvPr id="15" name="Group 14">
             <a:extLst>
               <a:ext uri="{FF2B5EF4-FFF2-40B4-BE49-F238E27FC236}">
-                <a16:creationId xmlns="" xmlns:a16="http://schemas.microsoft.com/office/drawing/2014/main" id="{68142369-1172-4897-98AF-7E16842C4A29}"/>
+                <a16:creationId xmlns:a16="http://schemas.microsoft.com/office/drawing/2014/main" id="{68142369-1172-4897-98AF-7E16842C4A29}"/>
               </a:ext>
               <a:ext uri="{C183D7F6-B498-43B3-948B-1728B52AA6E4}">
-                <adec:decorative xmlns="" xmlns:adec="http://schemas.microsoft.com/office/drawing/2017/decorative" val="1"/>
+                <adec:decorative xmlns:adec="http://schemas.microsoft.com/office/drawing/2017/decorative" val="1"/>
               </a:ext>
             </a:extLst>
           </p:cNvPr>
@@ -12271,7 +12844,7 @@
           <p:nvPr>
             <p:extLst>
               <p:ext uri="{386F3935-93C4-4BCD-93E2-E3B085C9AB24}">
-                <p16:designElem xmlns="" xmlns:p16="http://schemas.microsoft.com/office/powerpoint/2015/main" val="1"/>
+                <p16:designElem xmlns:p16="http://schemas.microsoft.com/office/powerpoint/2015/main" val="1"/>
               </p:ext>
             </p:extLst>
           </p:nvPr>
@@ -12289,10 +12862,10 @@
             <p:cNvPr id="16" name="Straight Connector 15">
               <a:extLst>
                 <a:ext uri="{FF2B5EF4-FFF2-40B4-BE49-F238E27FC236}">
-                  <a16:creationId xmlns="" xmlns:a16="http://schemas.microsoft.com/office/drawing/2014/main" id="{6B4EC643-469D-49F7-B2C7-FA3DA6FFACC7}"/>
+                  <a16:creationId xmlns:a16="http://schemas.microsoft.com/office/drawing/2014/main" id="{6B4EC643-469D-49F7-B2C7-FA3DA6FFACC7}"/>
                 </a:ext>
                 <a:ext uri="{C183D7F6-B498-43B3-948B-1728B52AA6E4}">
-                  <adec:decorative xmlns="" xmlns:adec="http://schemas.microsoft.com/office/drawing/2017/decorative" val="1"/>
+                  <adec:decorative xmlns:adec="http://schemas.microsoft.com/office/drawing/2017/decorative" val="1"/>
                 </a:ext>
               </a:extLst>
             </p:cNvPr>
@@ -12302,7 +12875,7 @@
             <p:nvPr>
               <p:extLst>
                 <p:ext uri="{386F3935-93C4-4BCD-93E2-E3B085C9AB24}">
-                  <p16:designElem xmlns="" xmlns:p16="http://schemas.microsoft.com/office/powerpoint/2015/main" val="1"/>
+                  <p16:designElem xmlns:p16="http://schemas.microsoft.com/office/powerpoint/2015/main" val="1"/>
                 </p:ext>
               </p:extLst>
             </p:nvPr>
@@ -12341,10 +12914,10 @@
             <p:cNvPr id="17" name="Straight Connector 16">
               <a:extLst>
                 <a:ext uri="{FF2B5EF4-FFF2-40B4-BE49-F238E27FC236}">
-                  <a16:creationId xmlns="" xmlns:a16="http://schemas.microsoft.com/office/drawing/2014/main" id="{33C04565-7FC8-416F-9C08-F430D337F817}"/>
+                  <a16:creationId xmlns:a16="http://schemas.microsoft.com/office/drawing/2014/main" id="{33C04565-7FC8-416F-9C08-F430D337F817}"/>
                 </a:ext>
                 <a:ext uri="{C183D7F6-B498-43B3-948B-1728B52AA6E4}">
-                  <adec:decorative xmlns="" xmlns:adec="http://schemas.microsoft.com/office/drawing/2017/decorative" val="1"/>
+                  <adec:decorative xmlns:adec="http://schemas.microsoft.com/office/drawing/2017/decorative" val="1"/>
                 </a:ext>
               </a:extLst>
             </p:cNvPr>
@@ -12354,7 +12927,7 @@
             <p:nvPr>
               <p:extLst>
                 <p:ext uri="{386F3935-93C4-4BCD-93E2-E3B085C9AB24}">
-                  <p16:designElem xmlns="" xmlns:p16="http://schemas.microsoft.com/office/powerpoint/2015/main" val="1"/>
+                  <p16:designElem xmlns:p16="http://schemas.microsoft.com/office/powerpoint/2015/main" val="1"/>
                 </p:ext>
               </p:extLst>
             </p:nvPr>
@@ -12393,10 +12966,10 @@
             <p:cNvPr id="18" name="Straight Connector 17">
               <a:extLst>
                 <a:ext uri="{FF2B5EF4-FFF2-40B4-BE49-F238E27FC236}">
-                  <a16:creationId xmlns="" xmlns:a16="http://schemas.microsoft.com/office/drawing/2014/main" id="{92BD8DCF-6634-460D-AA2E-1357451FBA18}"/>
+                  <a16:creationId xmlns:a16="http://schemas.microsoft.com/office/drawing/2014/main" id="{92BD8DCF-6634-460D-AA2E-1357451FBA18}"/>
                 </a:ext>
                 <a:ext uri="{C183D7F6-B498-43B3-948B-1728B52AA6E4}">
-                  <adec:decorative xmlns="" xmlns:adec="http://schemas.microsoft.com/office/drawing/2017/decorative" val="1"/>
+                  <adec:decorative xmlns:adec="http://schemas.microsoft.com/office/drawing/2017/decorative" val="1"/>
                 </a:ext>
               </a:extLst>
             </p:cNvPr>
@@ -12406,7 +12979,7 @@
             <p:nvPr>
               <p:extLst>
                 <p:ext uri="{386F3935-93C4-4BCD-93E2-E3B085C9AB24}">
-                  <p16:designElem xmlns="" xmlns:p16="http://schemas.microsoft.com/office/powerpoint/2015/main" val="1"/>
+                  <p16:designElem xmlns:p16="http://schemas.microsoft.com/office/powerpoint/2015/main" val="1"/>
                 </p:ext>
               </p:extLst>
             </p:nvPr>
@@ -12445,10 +13018,10 @@
             <p:cNvPr id="19" name="Straight Connector 18">
               <a:extLst>
                 <a:ext uri="{FF2B5EF4-FFF2-40B4-BE49-F238E27FC236}">
-                  <a16:creationId xmlns="" xmlns:a16="http://schemas.microsoft.com/office/drawing/2014/main" id="{8EAC9175-245B-4886-A4F2-EEA53C13F540}"/>
+                  <a16:creationId xmlns:a16="http://schemas.microsoft.com/office/drawing/2014/main" id="{8EAC9175-245B-4886-A4F2-EEA53C13F540}"/>
                 </a:ext>
                 <a:ext uri="{C183D7F6-B498-43B3-948B-1728B52AA6E4}">
-                  <adec:decorative xmlns="" xmlns:adec="http://schemas.microsoft.com/office/drawing/2017/decorative" val="1"/>
+                  <adec:decorative xmlns:adec="http://schemas.microsoft.com/office/drawing/2017/decorative" val="1"/>
                 </a:ext>
               </a:extLst>
             </p:cNvPr>
@@ -12458,7 +13031,7 @@
             <p:nvPr>
               <p:extLst>
                 <p:ext uri="{386F3935-93C4-4BCD-93E2-E3B085C9AB24}">
-                  <p16:designElem xmlns="" xmlns:p16="http://schemas.microsoft.com/office/powerpoint/2015/main" val="1"/>
+                  <p16:designElem xmlns:p16="http://schemas.microsoft.com/office/powerpoint/2015/main" val="1"/>
                 </p:ext>
               </p:extLst>
             </p:nvPr>
@@ -12497,10 +13070,10 @@
             <p:cNvPr id="20" name="Graphic 33">
               <a:extLst>
                 <a:ext uri="{FF2B5EF4-FFF2-40B4-BE49-F238E27FC236}">
-                  <a16:creationId xmlns="" xmlns:a16="http://schemas.microsoft.com/office/drawing/2014/main" id="{BC567658-11B8-4D35-89AE-B7353466914F}"/>
+                  <a16:creationId xmlns:a16="http://schemas.microsoft.com/office/drawing/2014/main" id="{BC567658-11B8-4D35-89AE-B7353466914F}"/>
                 </a:ext>
                 <a:ext uri="{C183D7F6-B498-43B3-948B-1728B52AA6E4}">
-                  <adec:decorative xmlns="" xmlns:adec="http://schemas.microsoft.com/office/drawing/2017/decorative" val="1"/>
+                  <adec:decorative xmlns:adec="http://schemas.microsoft.com/office/drawing/2017/decorative" val="1"/>
                 </a:ext>
               </a:extLst>
             </p:cNvPr>
@@ -12508,7 +13081,7 @@
             <p:nvPr>
               <p:extLst>
                 <p:ext uri="{386F3935-93C4-4BCD-93E2-E3B085C9AB24}">
-                  <p16:designElem xmlns="" xmlns:p16="http://schemas.microsoft.com/office/powerpoint/2015/main" val="1"/>
+                  <p16:designElem xmlns:p16="http://schemas.microsoft.com/office/powerpoint/2015/main" val="1"/>
                 </p:ext>
               </p:extLst>
             </p:nvPr>
@@ -12675,10 +13248,10 @@
             <p:cNvPr id="21" name="Graphic 33">
               <a:extLst>
                 <a:ext uri="{FF2B5EF4-FFF2-40B4-BE49-F238E27FC236}">
-                  <a16:creationId xmlns="" xmlns:a16="http://schemas.microsoft.com/office/drawing/2014/main" id="{B2AAA79A-1602-4193-8170-9C436D9CED8F}"/>
+                  <a16:creationId xmlns:a16="http://schemas.microsoft.com/office/drawing/2014/main" id="{B2AAA79A-1602-4193-8170-9C436D9CED8F}"/>
                 </a:ext>
                 <a:ext uri="{C183D7F6-B498-43B3-948B-1728B52AA6E4}">
-                  <adec:decorative xmlns="" xmlns:adec="http://schemas.microsoft.com/office/drawing/2017/decorative" val="1"/>
+                  <adec:decorative xmlns:adec="http://schemas.microsoft.com/office/drawing/2017/decorative" val="1"/>
                 </a:ext>
               </a:extLst>
             </p:cNvPr>
@@ -12686,7 +13259,7 @@
             <p:nvPr>
               <p:extLst>
                 <p:ext uri="{386F3935-93C4-4BCD-93E2-E3B085C9AB24}">
-                  <p16:designElem xmlns="" xmlns:p16="http://schemas.microsoft.com/office/powerpoint/2015/main" val="1"/>
+                  <p16:designElem xmlns:p16="http://schemas.microsoft.com/office/powerpoint/2015/main" val="1"/>
                 </p:ext>
               </p:extLst>
             </p:nvPr>
@@ -12854,7 +13427,7 @@
           <p:cNvPr id="3" name="Content Placeholder 2">
             <a:extLst>
               <a:ext uri="{FF2B5EF4-FFF2-40B4-BE49-F238E27FC236}">
-                <a16:creationId xmlns="" xmlns:a16="http://schemas.microsoft.com/office/drawing/2014/main" id="{914F2E01-CB12-0A24-CE27-8DD6F821D827}"/>
+                <a16:creationId xmlns:a16="http://schemas.microsoft.com/office/drawing/2014/main" id="{914F2E01-CB12-0A24-CE27-8DD6F821D827}"/>
               </a:ext>
             </a:extLst>
           </p:cNvPr>
@@ -13192,7 +13765,7 @@
           <p:cNvPr id="7" name="Title 1">
             <a:extLst>
               <a:ext uri="{FF2B5EF4-FFF2-40B4-BE49-F238E27FC236}">
-                <a16:creationId xmlns="" xmlns:a16="http://schemas.microsoft.com/office/drawing/2014/main" id="{D168CBBE-C00E-A79A-326B-E0306D5390D7}"/>
+                <a16:creationId xmlns:a16="http://schemas.microsoft.com/office/drawing/2014/main" id="{D168CBBE-C00E-A79A-326B-E0306D5390D7}"/>
               </a:ext>
             </a:extLst>
           </p:cNvPr>
@@ -13231,7 +13804,7 @@
           <p:cNvPr id="8" name="Picture 7">
             <a:extLst>
               <a:ext uri="{FF2B5EF4-FFF2-40B4-BE49-F238E27FC236}">
-                <a16:creationId xmlns="" xmlns:a16="http://schemas.microsoft.com/office/drawing/2014/main" id="{A52E1317-5171-E779-D857-63371B0EC0BB}"/>
+                <a16:creationId xmlns:a16="http://schemas.microsoft.com/office/drawing/2014/main" id="{A52E1317-5171-E779-D857-63371B0EC0BB}"/>
               </a:ext>
             </a:extLst>
           </p:cNvPr>
@@ -13272,25 +13845,18 @@
   <p:clrMapOvr>
     <a:overrideClrMapping bg1="dk1" tx1="lt1" bg2="dk2" tx2="lt2" accent1="accent1" accent2="accent2" accent3="accent3" accent4="accent4" accent5="accent5" accent6="accent6" hlink="hlink" folHlink="folHlink"/>
   </p:clrMapOvr>
-  <mc:AlternateContent xmlns:mc="http://schemas.openxmlformats.org/markup-compatibility/2006">
-    <mc:Choice xmlns="" xmlns:p159="http://schemas.microsoft.com/office/powerpoint/2015/09/main" Requires="p159">
+  <mc:AlternateContent xmlns:mc="http://schemas.openxmlformats.org/markup-compatibility/2006" xmlns:p159="http://schemas.microsoft.com/office/powerpoint/2015/09/main">
+    <mc:Choice Requires="p159">
       <p:transition xmlns:p14="http://schemas.microsoft.com/office/powerpoint/2010/main" spd="slow" p14:dur="2000">
         <p159:morph option="byObject"/>
       </p:transition>
     </mc:Choice>
-    <mc:Fallback>
+    <mc:Fallback xmlns="">
       <p:transition spd="slow">
         <p:fade/>
       </p:transition>
     </mc:Fallback>
   </mc:AlternateContent>
-  <p:timing>
-    <p:tnLst>
-      <p:par>
-        <p:cTn id="1" dur="indefinite" restart="never" nodeType="tmRoot"/>
-      </p:par>
-    </p:tnLst>
-  </p:timing>
 </p:sld>
 </file>
 
@@ -13324,10 +13890,10 @@
           <p:cNvPr id="22" name="Rectangle 21">
             <a:extLst>
               <a:ext uri="{FF2B5EF4-FFF2-40B4-BE49-F238E27FC236}">
-                <a16:creationId xmlns="" xmlns:a16="http://schemas.microsoft.com/office/drawing/2014/main" id="{CF10C978-51B5-420C-9A05-C8F194EACAC3}"/>
+                <a16:creationId xmlns:a16="http://schemas.microsoft.com/office/drawing/2014/main" id="{CF10C978-51B5-420C-9A05-C8F194EACAC3}"/>
               </a:ext>
               <a:ext uri="{C183D7F6-B498-43B3-948B-1728B52AA6E4}">
-                <adec:decorative xmlns="" xmlns:adec="http://schemas.microsoft.com/office/drawing/2017/decorative" val="1"/>
+                <adec:decorative xmlns:adec="http://schemas.microsoft.com/office/drawing/2017/decorative" val="1"/>
               </a:ext>
             </a:extLst>
           </p:cNvPr>
@@ -13337,7 +13903,7 @@
           <p:nvPr>
             <p:extLst>
               <p:ext uri="{386F3935-93C4-4BCD-93E2-E3B085C9AB24}">
-                <p16:designElem xmlns="" xmlns:p16="http://schemas.microsoft.com/office/powerpoint/2015/main" val="1"/>
+                <p16:designElem xmlns:p16="http://schemas.microsoft.com/office/powerpoint/2015/main" val="1"/>
               </p:ext>
             </p:extLst>
           </p:nvPr>
@@ -13384,10 +13950,10 @@
           <p:cNvPr id="23" name="Rectangle 22">
             <a:extLst>
               <a:ext uri="{FF2B5EF4-FFF2-40B4-BE49-F238E27FC236}">
-                <a16:creationId xmlns="" xmlns:a16="http://schemas.microsoft.com/office/drawing/2014/main" id="{28D34D1C-4E49-4D32-96F1-E49CEBBF86E0}"/>
+                <a16:creationId xmlns:a16="http://schemas.microsoft.com/office/drawing/2014/main" id="{28D34D1C-4E49-4D32-96F1-E49CEBBF86E0}"/>
               </a:ext>
               <a:ext uri="{C183D7F6-B498-43B3-948B-1728B52AA6E4}">
-                <adec:decorative xmlns="" xmlns:adec="http://schemas.microsoft.com/office/drawing/2017/decorative" val="1"/>
+                <adec:decorative xmlns:adec="http://schemas.microsoft.com/office/drawing/2017/decorative" val="1"/>
               </a:ext>
             </a:extLst>
           </p:cNvPr>
@@ -13397,7 +13963,7 @@
           <p:nvPr>
             <p:extLst>
               <p:ext uri="{386F3935-93C4-4BCD-93E2-E3B085C9AB24}">
-                <p16:designElem xmlns="" xmlns:p16="http://schemas.microsoft.com/office/powerpoint/2015/main" val="1"/>
+                <p16:designElem xmlns:p16="http://schemas.microsoft.com/office/powerpoint/2015/main" val="1"/>
               </p:ext>
             </p:extLst>
           </p:nvPr>
@@ -13450,10 +14016,10 @@
           <p:cNvPr id="24" name="Group 23">
             <a:extLst>
               <a:ext uri="{FF2B5EF4-FFF2-40B4-BE49-F238E27FC236}">
-                <a16:creationId xmlns="" xmlns:a16="http://schemas.microsoft.com/office/drawing/2014/main" id="{6EDBC9C2-2A39-44A2-9D95-D1DE9E2B127D}"/>
+                <a16:creationId xmlns:a16="http://schemas.microsoft.com/office/drawing/2014/main" id="{6EDBC9C2-2A39-44A2-9D95-D1DE9E2B127D}"/>
               </a:ext>
               <a:ext uri="{C183D7F6-B498-43B3-948B-1728B52AA6E4}">
-                <adec:decorative xmlns="" xmlns:adec="http://schemas.microsoft.com/office/drawing/2017/decorative" val="1"/>
+                <adec:decorative xmlns:adec="http://schemas.microsoft.com/office/drawing/2017/decorative" val="1"/>
               </a:ext>
             </a:extLst>
           </p:cNvPr>
@@ -13463,7 +14029,7 @@
           <p:nvPr>
             <p:extLst>
               <p:ext uri="{386F3935-93C4-4BCD-93E2-E3B085C9AB24}">
-                <p16:designElem xmlns="" xmlns:p16="http://schemas.microsoft.com/office/powerpoint/2015/main" val="1"/>
+                <p16:designElem xmlns:p16="http://schemas.microsoft.com/office/powerpoint/2015/main" val="1"/>
               </p:ext>
             </p:extLst>
           </p:nvPr>
@@ -13481,10 +14047,10 @@
             <p:cNvPr id="15" name="Straight Connector 14">
               <a:extLst>
                 <a:ext uri="{FF2B5EF4-FFF2-40B4-BE49-F238E27FC236}">
-                  <a16:creationId xmlns="" xmlns:a16="http://schemas.microsoft.com/office/drawing/2014/main" id="{793379BC-3088-4AE8-8EF7-59370D7EB927}"/>
+                  <a16:creationId xmlns:a16="http://schemas.microsoft.com/office/drawing/2014/main" id="{793379BC-3088-4AE8-8EF7-59370D7EB927}"/>
                 </a:ext>
                 <a:ext uri="{C183D7F6-B498-43B3-948B-1728B52AA6E4}">
-                  <adec:decorative xmlns="" xmlns:adec="http://schemas.microsoft.com/office/drawing/2017/decorative" val="1"/>
+                  <adec:decorative xmlns:adec="http://schemas.microsoft.com/office/drawing/2017/decorative" val="1"/>
                 </a:ext>
               </a:extLst>
             </p:cNvPr>
@@ -13494,7 +14060,7 @@
             <p:nvPr>
               <p:extLst>
                 <p:ext uri="{386F3935-93C4-4BCD-93E2-E3B085C9AB24}">
-                  <p16:designElem xmlns="" xmlns:p16="http://schemas.microsoft.com/office/powerpoint/2015/main" val="1"/>
+                  <p16:designElem xmlns:p16="http://schemas.microsoft.com/office/powerpoint/2015/main" val="1"/>
                 </p:ext>
               </p:extLst>
             </p:nvPr>
@@ -13533,10 +14099,10 @@
             <p:cNvPr id="16" name="Straight Connector 15">
               <a:extLst>
                 <a:ext uri="{FF2B5EF4-FFF2-40B4-BE49-F238E27FC236}">
-                  <a16:creationId xmlns="" xmlns:a16="http://schemas.microsoft.com/office/drawing/2014/main" id="{141DE74C-25AE-4959-99D5-0A77F1DFC8D3}"/>
+                  <a16:creationId xmlns:a16="http://schemas.microsoft.com/office/drawing/2014/main" id="{141DE74C-25AE-4959-99D5-0A77F1DFC8D3}"/>
                 </a:ext>
                 <a:ext uri="{C183D7F6-B498-43B3-948B-1728B52AA6E4}">
-                  <adec:decorative xmlns="" xmlns:adec="http://schemas.microsoft.com/office/drawing/2017/decorative" val="1"/>
+                  <adec:decorative xmlns:adec="http://schemas.microsoft.com/office/drawing/2017/decorative" val="1"/>
                 </a:ext>
               </a:extLst>
             </p:cNvPr>
@@ -13546,7 +14112,7 @@
             <p:nvPr>
               <p:extLst>
                 <p:ext uri="{386F3935-93C4-4BCD-93E2-E3B085C9AB24}">
-                  <p16:designElem xmlns="" xmlns:p16="http://schemas.microsoft.com/office/powerpoint/2015/main" val="1"/>
+                  <p16:designElem xmlns:p16="http://schemas.microsoft.com/office/powerpoint/2015/main" val="1"/>
                 </p:ext>
               </p:extLst>
             </p:nvPr>
@@ -13585,10 +14151,10 @@
             <p:cNvPr id="17" name="Straight Connector 16">
               <a:extLst>
                 <a:ext uri="{FF2B5EF4-FFF2-40B4-BE49-F238E27FC236}">
-                  <a16:creationId xmlns="" xmlns:a16="http://schemas.microsoft.com/office/drawing/2014/main" id="{3D9235EF-4E81-496D-ADA8-13EED901E967}"/>
+                  <a16:creationId xmlns:a16="http://schemas.microsoft.com/office/drawing/2014/main" id="{3D9235EF-4E81-496D-ADA8-13EED901E967}"/>
                 </a:ext>
                 <a:ext uri="{C183D7F6-B498-43B3-948B-1728B52AA6E4}">
-                  <adec:decorative xmlns="" xmlns:adec="http://schemas.microsoft.com/office/drawing/2017/decorative" val="1"/>
+                  <adec:decorative xmlns:adec="http://schemas.microsoft.com/office/drawing/2017/decorative" val="1"/>
                 </a:ext>
               </a:extLst>
             </p:cNvPr>
@@ -13598,7 +14164,7 @@
             <p:nvPr>
               <p:extLst>
                 <p:ext uri="{386F3935-93C4-4BCD-93E2-E3B085C9AB24}">
-                  <p16:designElem xmlns="" xmlns:p16="http://schemas.microsoft.com/office/powerpoint/2015/main" val="1"/>
+                  <p16:designElem xmlns:p16="http://schemas.microsoft.com/office/powerpoint/2015/main" val="1"/>
                 </p:ext>
               </p:extLst>
             </p:nvPr>
@@ -13637,10 +14203,10 @@
             <p:cNvPr id="18" name="Straight Connector 17">
               <a:extLst>
                 <a:ext uri="{FF2B5EF4-FFF2-40B4-BE49-F238E27FC236}">
-                  <a16:creationId xmlns="" xmlns:a16="http://schemas.microsoft.com/office/drawing/2014/main" id="{F7241A77-6415-454C-B86E-F42A2802677E}"/>
+                  <a16:creationId xmlns:a16="http://schemas.microsoft.com/office/drawing/2014/main" id="{F7241A77-6415-454C-B86E-F42A2802677E}"/>
                 </a:ext>
                 <a:ext uri="{C183D7F6-B498-43B3-948B-1728B52AA6E4}">
-                  <adec:decorative xmlns="" xmlns:adec="http://schemas.microsoft.com/office/drawing/2017/decorative" val="1"/>
+                  <adec:decorative xmlns:adec="http://schemas.microsoft.com/office/drawing/2017/decorative" val="1"/>
                 </a:ext>
               </a:extLst>
             </p:cNvPr>
@@ -13650,7 +14216,7 @@
             <p:nvPr>
               <p:extLst>
                 <p:ext uri="{386F3935-93C4-4BCD-93E2-E3B085C9AB24}">
-                  <p16:designElem xmlns="" xmlns:p16="http://schemas.microsoft.com/office/powerpoint/2015/main" val="1"/>
+                  <p16:designElem xmlns:p16="http://schemas.microsoft.com/office/powerpoint/2015/main" val="1"/>
                 </p:ext>
               </p:extLst>
             </p:nvPr>
@@ -13690,7 +14256,7 @@
           <p:cNvPr id="2" name="Title 1">
             <a:extLst>
               <a:ext uri="{FF2B5EF4-FFF2-40B4-BE49-F238E27FC236}">
-                <a16:creationId xmlns="" xmlns:a16="http://schemas.microsoft.com/office/drawing/2014/main" id="{FBE59143-34CD-4B3E-A360-841DD3E468BC}"/>
+                <a16:creationId xmlns:a16="http://schemas.microsoft.com/office/drawing/2014/main" id="{FBE59143-34CD-4B3E-A360-841DD3E468BC}"/>
               </a:ext>
             </a:extLst>
           </p:cNvPr>
@@ -13739,7 +14305,7 @@
           <p:cNvPr id="3" name="Content Placeholder 2">
             <a:extLst>
               <a:ext uri="{FF2B5EF4-FFF2-40B4-BE49-F238E27FC236}">
-                <a16:creationId xmlns="" xmlns:a16="http://schemas.microsoft.com/office/drawing/2014/main" id="{B20516EC-408F-4D14-BA31-12EE1AF6F67F}"/>
+                <a16:creationId xmlns:a16="http://schemas.microsoft.com/office/drawing/2014/main" id="{B20516EC-408F-4D14-BA31-12EE1AF6F67F}"/>
               </a:ext>
             </a:extLst>
           </p:cNvPr>
@@ -13758,7 +14324,7 @@
         </p:spPr>
         <p:txBody>
           <a:bodyPr>
-            <a:normAutofit/>
+            <a:normAutofit lnSpcReduction="10000"/>
           </a:bodyPr>
           <a:lstStyle/>
           <a:p>
@@ -13925,10 +14491,10 @@
           <p:cNvPr id="20" name="Straight Connector 19">
             <a:extLst>
               <a:ext uri="{FF2B5EF4-FFF2-40B4-BE49-F238E27FC236}">
-                <a16:creationId xmlns="" xmlns:a16="http://schemas.microsoft.com/office/drawing/2014/main" id="{E32B0B7D-C67A-4103-B2F0-ACE40BD56D02}"/>
+                <a16:creationId xmlns:a16="http://schemas.microsoft.com/office/drawing/2014/main" id="{E32B0B7D-C67A-4103-B2F0-ACE40BD56D02}"/>
               </a:ext>
               <a:ext uri="{C183D7F6-B498-43B3-948B-1728B52AA6E4}">
-                <adec:decorative xmlns="" xmlns:adec="http://schemas.microsoft.com/office/drawing/2017/decorative" val="1"/>
+                <adec:decorative xmlns:adec="http://schemas.microsoft.com/office/drawing/2017/decorative" val="1"/>
               </a:ext>
             </a:extLst>
           </p:cNvPr>
@@ -13938,7 +14504,7 @@
           <p:nvPr>
             <p:extLst>
               <p:ext uri="{386F3935-93C4-4BCD-93E2-E3B085C9AB24}">
-                <p16:designElem xmlns="" xmlns:p16="http://schemas.microsoft.com/office/powerpoint/2015/main" val="1"/>
+                <p16:designElem xmlns:p16="http://schemas.microsoft.com/office/powerpoint/2015/main" val="1"/>
               </p:ext>
             </p:extLst>
           </p:nvPr>
@@ -13977,7 +14543,7 @@
           <p:cNvPr id="5" name="Picture 4">
             <a:extLst>
               <a:ext uri="{FF2B5EF4-FFF2-40B4-BE49-F238E27FC236}">
-                <a16:creationId xmlns="" xmlns:a16="http://schemas.microsoft.com/office/drawing/2014/main" id="{0DB58327-0037-4614-8CC1-31AD9924FABF}"/>
+                <a16:creationId xmlns:a16="http://schemas.microsoft.com/office/drawing/2014/main" id="{0DB58327-0037-4614-8CC1-31AD9924FABF}"/>
               </a:ext>
             </a:extLst>
           </p:cNvPr>
@@ -14018,25 +14584,18 @@
   <p:clrMapOvr>
     <a:masterClrMapping/>
   </p:clrMapOvr>
-  <mc:AlternateContent xmlns:mc="http://schemas.openxmlformats.org/markup-compatibility/2006">
-    <mc:Choice xmlns="" xmlns:p159="http://schemas.microsoft.com/office/powerpoint/2015/09/main" Requires="p159">
+  <mc:AlternateContent xmlns:mc="http://schemas.openxmlformats.org/markup-compatibility/2006" xmlns:p159="http://schemas.microsoft.com/office/powerpoint/2015/09/main">
+    <mc:Choice Requires="p159">
       <p:transition xmlns:p14="http://schemas.microsoft.com/office/powerpoint/2010/main" spd="slow" p14:dur="2000">
         <p159:morph option="byObject"/>
       </p:transition>
     </mc:Choice>
-    <mc:Fallback>
+    <mc:Fallback xmlns="">
       <p:transition spd="slow">
         <p:fade/>
       </p:transition>
     </mc:Fallback>
   </mc:AlternateContent>
-  <p:timing>
-    <p:tnLst>
-      <p:par>
-        <p:cTn id="1" dur="indefinite" restart="never" nodeType="tmRoot"/>
-      </p:par>
-    </p:tnLst>
-  </p:timing>
 </p:sld>
 </file>
 
@@ -14070,10 +14629,10 @@
           <p:cNvPr id="99" name="Rectangle 98">
             <a:extLst>
               <a:ext uri="{FF2B5EF4-FFF2-40B4-BE49-F238E27FC236}">
-                <a16:creationId xmlns="" xmlns:a16="http://schemas.microsoft.com/office/drawing/2014/main" id="{2293296F-4C3A-4530-98F5-F83646ACE913}"/>
+                <a16:creationId xmlns:a16="http://schemas.microsoft.com/office/drawing/2014/main" id="{2293296F-4C3A-4530-98F5-F83646ACE913}"/>
               </a:ext>
               <a:ext uri="{C183D7F6-B498-43B3-948B-1728B52AA6E4}">
-                <adec:decorative xmlns="" xmlns:adec="http://schemas.microsoft.com/office/drawing/2017/decorative" val="1"/>
+                <adec:decorative xmlns:adec="http://schemas.microsoft.com/office/drawing/2017/decorative" val="1"/>
               </a:ext>
             </a:extLst>
           </p:cNvPr>
@@ -14083,7 +14642,7 @@
           <p:nvPr>
             <p:extLst>
               <p:ext uri="{386F3935-93C4-4BCD-93E2-E3B085C9AB24}">
-                <p16:designElem xmlns="" xmlns:p16="http://schemas.microsoft.com/office/powerpoint/2015/main" val="1"/>
+                <p16:designElem xmlns:p16="http://schemas.microsoft.com/office/powerpoint/2015/main" val="1"/>
               </p:ext>
             </p:extLst>
           </p:nvPr>
@@ -14136,10 +14695,10 @@
           <p:cNvPr id="101" name="Group 100">
             <a:extLst>
               <a:ext uri="{FF2B5EF4-FFF2-40B4-BE49-F238E27FC236}">
-                <a16:creationId xmlns="" xmlns:a16="http://schemas.microsoft.com/office/drawing/2014/main" id="{3914D2BD-3C47-433D-81FE-DC6C39595F0E}"/>
+                <a16:creationId xmlns:a16="http://schemas.microsoft.com/office/drawing/2014/main" id="{3914D2BD-3C47-433D-81FE-DC6C39595F0E}"/>
               </a:ext>
               <a:ext uri="{C183D7F6-B498-43B3-948B-1728B52AA6E4}">
-                <adec:decorative xmlns="" xmlns:adec="http://schemas.microsoft.com/office/drawing/2017/decorative" val="1"/>
+                <adec:decorative xmlns:adec="http://schemas.microsoft.com/office/drawing/2017/decorative" val="1"/>
               </a:ext>
             </a:extLst>
           </p:cNvPr>
@@ -14149,7 +14708,7 @@
           <p:nvPr>
             <p:extLst>
               <p:ext uri="{386F3935-93C4-4BCD-93E2-E3B085C9AB24}">
-                <p16:designElem xmlns="" xmlns:p16="http://schemas.microsoft.com/office/powerpoint/2015/main" val="1"/>
+                <p16:designElem xmlns:p16="http://schemas.microsoft.com/office/powerpoint/2015/main" val="1"/>
               </p:ext>
             </p:extLst>
           </p:nvPr>
@@ -14167,10 +14726,10 @@
             <p:cNvPr id="102" name="Straight Connector 101">
               <a:extLst>
                 <a:ext uri="{FF2B5EF4-FFF2-40B4-BE49-F238E27FC236}">
-                  <a16:creationId xmlns="" xmlns:a16="http://schemas.microsoft.com/office/drawing/2014/main" id="{D3DD55E4-EA4F-4874-8B5B-6E0EAF4BBFC4}"/>
+                  <a16:creationId xmlns:a16="http://schemas.microsoft.com/office/drawing/2014/main" id="{D3DD55E4-EA4F-4874-8B5B-6E0EAF4BBFC4}"/>
                 </a:ext>
                 <a:ext uri="{C183D7F6-B498-43B3-948B-1728B52AA6E4}">
-                  <adec:decorative xmlns="" xmlns:adec="http://schemas.microsoft.com/office/drawing/2017/decorative" val="1"/>
+                  <adec:decorative xmlns:adec="http://schemas.microsoft.com/office/drawing/2017/decorative" val="1"/>
                 </a:ext>
               </a:extLst>
             </p:cNvPr>
@@ -14180,7 +14739,7 @@
             <p:nvPr>
               <p:extLst>
                 <p:ext uri="{386F3935-93C4-4BCD-93E2-E3B085C9AB24}">
-                  <p16:designElem xmlns="" xmlns:p16="http://schemas.microsoft.com/office/powerpoint/2015/main" val="1"/>
+                  <p16:designElem xmlns:p16="http://schemas.microsoft.com/office/powerpoint/2015/main" val="1"/>
                 </p:ext>
               </p:extLst>
             </p:nvPr>
@@ -14219,10 +14778,10 @@
             <p:cNvPr id="103" name="Straight Connector 102">
               <a:extLst>
                 <a:ext uri="{FF2B5EF4-FFF2-40B4-BE49-F238E27FC236}">
-                  <a16:creationId xmlns="" xmlns:a16="http://schemas.microsoft.com/office/drawing/2014/main" id="{32950BAF-7673-4138-AEA2-DE7D368CC357}"/>
+                  <a16:creationId xmlns:a16="http://schemas.microsoft.com/office/drawing/2014/main" id="{32950BAF-7673-4138-AEA2-DE7D368CC357}"/>
                 </a:ext>
                 <a:ext uri="{C183D7F6-B498-43B3-948B-1728B52AA6E4}">
-                  <adec:decorative xmlns="" xmlns:adec="http://schemas.microsoft.com/office/drawing/2017/decorative" val="1"/>
+                  <adec:decorative xmlns:adec="http://schemas.microsoft.com/office/drawing/2017/decorative" val="1"/>
                 </a:ext>
               </a:extLst>
             </p:cNvPr>
@@ -14232,7 +14791,7 @@
             <p:nvPr>
               <p:extLst>
                 <p:ext uri="{386F3935-93C4-4BCD-93E2-E3B085C9AB24}">
-                  <p16:designElem xmlns="" xmlns:p16="http://schemas.microsoft.com/office/powerpoint/2015/main" val="1"/>
+                  <p16:designElem xmlns:p16="http://schemas.microsoft.com/office/powerpoint/2015/main" val="1"/>
                 </p:ext>
               </p:extLst>
             </p:nvPr>
@@ -14271,10 +14830,10 @@
             <p:cNvPr id="104" name="Straight Connector 103">
               <a:extLst>
                 <a:ext uri="{FF2B5EF4-FFF2-40B4-BE49-F238E27FC236}">
-                  <a16:creationId xmlns="" xmlns:a16="http://schemas.microsoft.com/office/drawing/2014/main" id="{6BE3E2B5-EA1C-415A-941A-843C7EA148E1}"/>
+                  <a16:creationId xmlns:a16="http://schemas.microsoft.com/office/drawing/2014/main" id="{6BE3E2B5-EA1C-415A-941A-843C7EA148E1}"/>
                 </a:ext>
                 <a:ext uri="{C183D7F6-B498-43B3-948B-1728B52AA6E4}">
-                  <adec:decorative xmlns="" xmlns:adec="http://schemas.microsoft.com/office/drawing/2017/decorative" val="1"/>
+                  <adec:decorative xmlns:adec="http://schemas.microsoft.com/office/drawing/2017/decorative" val="1"/>
                 </a:ext>
               </a:extLst>
             </p:cNvPr>
@@ -14284,7 +14843,7 @@
             <p:nvPr>
               <p:extLst>
                 <p:ext uri="{386F3935-93C4-4BCD-93E2-E3B085C9AB24}">
-                  <p16:designElem xmlns="" xmlns:p16="http://schemas.microsoft.com/office/powerpoint/2015/main" val="1"/>
+                  <p16:designElem xmlns:p16="http://schemas.microsoft.com/office/powerpoint/2015/main" val="1"/>
                 </p:ext>
               </p:extLst>
             </p:nvPr>
@@ -14323,10 +14882,10 @@
             <p:cNvPr id="105" name="Straight Connector 104">
               <a:extLst>
                 <a:ext uri="{FF2B5EF4-FFF2-40B4-BE49-F238E27FC236}">
-                  <a16:creationId xmlns="" xmlns:a16="http://schemas.microsoft.com/office/drawing/2014/main" id="{087FA3A6-E398-4576-B6B8-3328028D84B2}"/>
+                  <a16:creationId xmlns:a16="http://schemas.microsoft.com/office/drawing/2014/main" id="{087FA3A6-E398-4576-B6B8-3328028D84B2}"/>
                 </a:ext>
                 <a:ext uri="{C183D7F6-B498-43B3-948B-1728B52AA6E4}">
-                  <adec:decorative xmlns="" xmlns:adec="http://schemas.microsoft.com/office/drawing/2017/decorative" val="1"/>
+                  <adec:decorative xmlns:adec="http://schemas.microsoft.com/office/drawing/2017/decorative" val="1"/>
                 </a:ext>
               </a:extLst>
             </p:cNvPr>
@@ -14336,7 +14895,7 @@
             <p:nvPr>
               <p:extLst>
                 <p:ext uri="{386F3935-93C4-4BCD-93E2-E3B085C9AB24}">
-                  <p16:designElem xmlns="" xmlns:p16="http://schemas.microsoft.com/office/powerpoint/2015/main" val="1"/>
+                  <p16:designElem xmlns:p16="http://schemas.microsoft.com/office/powerpoint/2015/main" val="1"/>
                 </p:ext>
               </p:extLst>
             </p:nvPr>
@@ -14375,10 +14934,10 @@
             <p:cNvPr id="106" name="Graphic 33">
               <a:extLst>
                 <a:ext uri="{FF2B5EF4-FFF2-40B4-BE49-F238E27FC236}">
-                  <a16:creationId xmlns="" xmlns:a16="http://schemas.microsoft.com/office/drawing/2014/main" id="{EFB597D7-65E0-476A-B9EB-3AA6ED33884C}"/>
+                  <a16:creationId xmlns:a16="http://schemas.microsoft.com/office/drawing/2014/main" id="{EFB597D7-65E0-476A-B9EB-3AA6ED33884C}"/>
                 </a:ext>
                 <a:ext uri="{C183D7F6-B498-43B3-948B-1728B52AA6E4}">
-                  <adec:decorative xmlns="" xmlns:adec="http://schemas.microsoft.com/office/drawing/2017/decorative" val="1"/>
+                  <adec:decorative xmlns:adec="http://schemas.microsoft.com/office/drawing/2017/decorative" val="1"/>
                 </a:ext>
               </a:extLst>
             </p:cNvPr>
@@ -14386,7 +14945,7 @@
             <p:nvPr>
               <p:extLst>
                 <p:ext uri="{386F3935-93C4-4BCD-93E2-E3B085C9AB24}">
-                  <p16:designElem xmlns="" xmlns:p16="http://schemas.microsoft.com/office/powerpoint/2015/main" val="1"/>
+                  <p16:designElem xmlns:p16="http://schemas.microsoft.com/office/powerpoint/2015/main" val="1"/>
                 </p:ext>
               </p:extLst>
             </p:nvPr>
@@ -14459,10 +15018,10 @@
             <p:cNvPr id="107" name="Graphic 33">
               <a:extLst>
                 <a:ext uri="{FF2B5EF4-FFF2-40B4-BE49-F238E27FC236}">
-                  <a16:creationId xmlns="" xmlns:a16="http://schemas.microsoft.com/office/drawing/2014/main" id="{11AA060A-BE0E-4687-8F9E-0E2955D9796D}"/>
+                  <a16:creationId xmlns:a16="http://schemas.microsoft.com/office/drawing/2014/main" id="{11AA060A-BE0E-4687-8F9E-0E2955D9796D}"/>
                 </a:ext>
                 <a:ext uri="{C183D7F6-B498-43B3-948B-1728B52AA6E4}">
-                  <adec:decorative xmlns="" xmlns:adec="http://schemas.microsoft.com/office/drawing/2017/decorative" val="1"/>
+                  <adec:decorative xmlns:adec="http://schemas.microsoft.com/office/drawing/2017/decorative" val="1"/>
                 </a:ext>
               </a:extLst>
             </p:cNvPr>
@@ -14470,7 +15029,7 @@
             <p:nvPr>
               <p:extLst>
                 <p:ext uri="{386F3935-93C4-4BCD-93E2-E3B085C9AB24}">
-                  <p16:designElem xmlns="" xmlns:p16="http://schemas.microsoft.com/office/powerpoint/2015/main" val="1"/>
+                  <p16:designElem xmlns:p16="http://schemas.microsoft.com/office/powerpoint/2015/main" val="1"/>
                 </p:ext>
               </p:extLst>
             </p:nvPr>
@@ -14544,10 +15103,10 @@
           <p:cNvPr id="109" name="Rectangle 108">
             <a:extLst>
               <a:ext uri="{FF2B5EF4-FFF2-40B4-BE49-F238E27FC236}">
-                <a16:creationId xmlns="" xmlns:a16="http://schemas.microsoft.com/office/drawing/2014/main" id="{B62E0F97-3B68-4A9A-81FD-184E8051D278}"/>
+                <a16:creationId xmlns:a16="http://schemas.microsoft.com/office/drawing/2014/main" id="{B62E0F97-3B68-4A9A-81FD-184E8051D278}"/>
               </a:ext>
               <a:ext uri="{C183D7F6-B498-43B3-948B-1728B52AA6E4}">
-                <adec:decorative xmlns="" xmlns:adec="http://schemas.microsoft.com/office/drawing/2017/decorative" val="1"/>
+                <adec:decorative xmlns:adec="http://schemas.microsoft.com/office/drawing/2017/decorative" val="1"/>
               </a:ext>
             </a:extLst>
           </p:cNvPr>
@@ -14557,7 +15116,7 @@
           <p:nvPr>
             <p:extLst>
               <p:ext uri="{386F3935-93C4-4BCD-93E2-E3B085C9AB24}">
-                <p16:designElem xmlns="" xmlns:p16="http://schemas.microsoft.com/office/powerpoint/2015/main" val="1"/>
+                <p16:designElem xmlns:p16="http://schemas.microsoft.com/office/powerpoint/2015/main" val="1"/>
               </p:ext>
             </p:extLst>
           </p:nvPr>
@@ -14604,10 +15163,10 @@
           <p:cNvPr id="111" name="Rectangle 110">
             <a:extLst>
               <a:ext uri="{FF2B5EF4-FFF2-40B4-BE49-F238E27FC236}">
-                <a16:creationId xmlns="" xmlns:a16="http://schemas.microsoft.com/office/drawing/2014/main" id="{1A9C0995-256A-4F90-97D6-FB8958A5D433}"/>
+                <a16:creationId xmlns:a16="http://schemas.microsoft.com/office/drawing/2014/main" id="{1A9C0995-256A-4F90-97D6-FB8958A5D433}"/>
               </a:ext>
               <a:ext uri="{C183D7F6-B498-43B3-948B-1728B52AA6E4}">
-                <adec:decorative xmlns="" xmlns:adec="http://schemas.microsoft.com/office/drawing/2017/decorative" val="1"/>
+                <adec:decorative xmlns:adec="http://schemas.microsoft.com/office/drawing/2017/decorative" val="1"/>
               </a:ext>
             </a:extLst>
           </p:cNvPr>
@@ -14617,7 +15176,7 @@
           <p:nvPr>
             <p:extLst>
               <p:ext uri="{386F3935-93C4-4BCD-93E2-E3B085C9AB24}">
-                <p16:designElem xmlns="" xmlns:p16="http://schemas.microsoft.com/office/powerpoint/2015/main" val="1"/>
+                <p16:designElem xmlns:p16="http://schemas.microsoft.com/office/powerpoint/2015/main" val="1"/>
               </p:ext>
             </p:extLst>
           </p:nvPr>
@@ -14670,10 +15229,10 @@
           <p:cNvPr id="113" name="Group 112">
             <a:extLst>
               <a:ext uri="{FF2B5EF4-FFF2-40B4-BE49-F238E27FC236}">
-                <a16:creationId xmlns="" xmlns:a16="http://schemas.microsoft.com/office/drawing/2014/main" id="{FE6B5D48-FE63-4E82-894D-09CE16989F2E}"/>
+                <a16:creationId xmlns:a16="http://schemas.microsoft.com/office/drawing/2014/main" id="{FE6B5D48-FE63-4E82-894D-09CE16989F2E}"/>
               </a:ext>
               <a:ext uri="{C183D7F6-B498-43B3-948B-1728B52AA6E4}">
-                <adec:decorative xmlns="" xmlns:adec="http://schemas.microsoft.com/office/drawing/2017/decorative" val="1"/>
+                <adec:decorative xmlns:adec="http://schemas.microsoft.com/office/drawing/2017/decorative" val="1"/>
               </a:ext>
             </a:extLst>
           </p:cNvPr>
@@ -14683,7 +15242,7 @@
           <p:nvPr>
             <p:extLst>
               <p:ext uri="{386F3935-93C4-4BCD-93E2-E3B085C9AB24}">
-                <p16:designElem xmlns="" xmlns:p16="http://schemas.microsoft.com/office/powerpoint/2015/main" val="1"/>
+                <p16:designElem xmlns:p16="http://schemas.microsoft.com/office/powerpoint/2015/main" val="1"/>
               </p:ext>
             </p:extLst>
           </p:nvPr>
@@ -14701,10 +15260,10 @@
             <p:cNvPr id="114" name="Group 113">
               <a:extLst>
                 <a:ext uri="{FF2B5EF4-FFF2-40B4-BE49-F238E27FC236}">
-                  <a16:creationId xmlns="" xmlns:a16="http://schemas.microsoft.com/office/drawing/2014/main" id="{3017B1A2-DA89-4D3A-B233-A1C3271F2A34}"/>
+                  <a16:creationId xmlns:a16="http://schemas.microsoft.com/office/drawing/2014/main" id="{3017B1A2-DA89-4D3A-B233-A1C3271F2A34}"/>
                 </a:ext>
                 <a:ext uri="{C183D7F6-B498-43B3-948B-1728B52AA6E4}">
-                  <adec:decorative xmlns="" xmlns:adec="http://schemas.microsoft.com/office/drawing/2017/decorative" val="1"/>
+                  <adec:decorative xmlns:adec="http://schemas.microsoft.com/office/drawing/2017/decorative" val="1"/>
                 </a:ext>
               </a:extLst>
             </p:cNvPr>
@@ -14712,7 +15271,7 @@
             <p:nvPr>
               <p:extLst>
                 <p:ext uri="{386F3935-93C4-4BCD-93E2-E3B085C9AB24}">
-                  <p16:designElem xmlns="" xmlns:p16="http://schemas.microsoft.com/office/powerpoint/2015/main" val="1"/>
+                  <p16:designElem xmlns:p16="http://schemas.microsoft.com/office/powerpoint/2015/main" val="1"/>
                 </p:ext>
               </p:extLst>
             </p:nvPr>
@@ -14730,10 +15289,10 @@
               <p:cNvPr id="116" name="Straight Connector 115">
                 <a:extLst>
                   <a:ext uri="{FF2B5EF4-FFF2-40B4-BE49-F238E27FC236}">
-                    <a16:creationId xmlns="" xmlns:a16="http://schemas.microsoft.com/office/drawing/2014/main" id="{FF9C4CB8-9D71-4AB7-9E59-0E8FE224DD45}"/>
+                    <a16:creationId xmlns:a16="http://schemas.microsoft.com/office/drawing/2014/main" id="{FF9C4CB8-9D71-4AB7-9E59-0E8FE224DD45}"/>
                   </a:ext>
                   <a:ext uri="{C183D7F6-B498-43B3-948B-1728B52AA6E4}">
-                    <adec:decorative xmlns="" xmlns:adec="http://schemas.microsoft.com/office/drawing/2017/decorative" val="1"/>
+                    <adec:decorative xmlns:adec="http://schemas.microsoft.com/office/drawing/2017/decorative" val="1"/>
                   </a:ext>
                 </a:extLst>
               </p:cNvPr>
@@ -14744,7 +15303,7 @@
               <p:nvPr>
                 <p:extLst>
                   <p:ext uri="{386F3935-93C4-4BCD-93E2-E3B085C9AB24}">
-                    <p16:designElem xmlns="" xmlns:p16="http://schemas.microsoft.com/office/powerpoint/2015/main" val="1"/>
+                    <p16:designElem xmlns:p16="http://schemas.microsoft.com/office/powerpoint/2015/main" val="1"/>
                   </p:ext>
                 </p:extLst>
               </p:nvPr>
@@ -14783,10 +15342,10 @@
               <p:cNvPr id="117" name="Freeform: Shape 116">
                 <a:extLst>
                   <a:ext uri="{FF2B5EF4-FFF2-40B4-BE49-F238E27FC236}">
-                    <a16:creationId xmlns="" xmlns:a16="http://schemas.microsoft.com/office/drawing/2014/main" id="{A238892C-E7D8-4544-841F-FBD2F840182B}"/>
+                    <a16:creationId xmlns:a16="http://schemas.microsoft.com/office/drawing/2014/main" id="{A238892C-E7D8-4544-841F-FBD2F840182B}"/>
                   </a:ext>
                   <a:ext uri="{C183D7F6-B498-43B3-948B-1728B52AA6E4}">
-                    <adec:decorative xmlns="" xmlns:adec="http://schemas.microsoft.com/office/drawing/2017/decorative" val="1"/>
+                    <adec:decorative xmlns:adec="http://schemas.microsoft.com/office/drawing/2017/decorative" val="1"/>
                   </a:ext>
                 </a:extLst>
               </p:cNvPr>
@@ -14794,7 +15353,7 @@
               <p:nvPr>
                 <p:extLst>
                   <p:ext uri="{386F3935-93C4-4BCD-93E2-E3B085C9AB24}">
-                    <p16:designElem xmlns="" xmlns:p16="http://schemas.microsoft.com/office/powerpoint/2015/main" val="1"/>
+                    <p16:designElem xmlns:p16="http://schemas.microsoft.com/office/powerpoint/2015/main" val="1"/>
                   </p:ext>
                 </p:extLst>
               </p:nvPr>
@@ -14930,10 +15489,10 @@
             <p:cNvPr id="115" name="Straight Connector 114">
               <a:extLst>
                 <a:ext uri="{FF2B5EF4-FFF2-40B4-BE49-F238E27FC236}">
-                  <a16:creationId xmlns="" xmlns:a16="http://schemas.microsoft.com/office/drawing/2014/main" id="{5CF30309-A046-44C0-AFCA-CF15CA03EE50}"/>
+                  <a16:creationId xmlns:a16="http://schemas.microsoft.com/office/drawing/2014/main" id="{5CF30309-A046-44C0-AFCA-CF15CA03EE50}"/>
                 </a:ext>
                 <a:ext uri="{C183D7F6-B498-43B3-948B-1728B52AA6E4}">
-                  <adec:decorative xmlns="" xmlns:adec="http://schemas.microsoft.com/office/drawing/2017/decorative" val="1"/>
+                  <adec:decorative xmlns:adec="http://schemas.microsoft.com/office/drawing/2017/decorative" val="1"/>
                 </a:ext>
               </a:extLst>
             </p:cNvPr>
@@ -14943,7 +15502,7 @@
             <p:nvPr>
               <p:extLst>
                 <p:ext uri="{386F3935-93C4-4BCD-93E2-E3B085C9AB24}">
-                  <p16:designElem xmlns="" xmlns:p16="http://schemas.microsoft.com/office/powerpoint/2015/main" val="1"/>
+                  <p16:designElem xmlns:p16="http://schemas.microsoft.com/office/powerpoint/2015/main" val="1"/>
                 </p:ext>
               </p:extLst>
             </p:nvPr>
@@ -14983,7 +15542,7 @@
           <p:cNvPr id="74" name="TextBox 36">
             <a:extLst>
               <a:ext uri="{FF2B5EF4-FFF2-40B4-BE49-F238E27FC236}">
-                <a16:creationId xmlns="" xmlns:a16="http://schemas.microsoft.com/office/drawing/2014/main" id="{EA05419B-B2A8-D798-3EA4-DA38D04B1028}"/>
+                <a16:creationId xmlns:a16="http://schemas.microsoft.com/office/drawing/2014/main" id="{EA05419B-B2A8-D798-3EA4-DA38D04B1028}"/>
               </a:ext>
             </a:extLst>
           </p:cNvPr>
@@ -14991,7 +15550,7 @@
           <p:nvPr>
             <p:extLst>
               <p:ext uri="{D42A27DB-BD31-4B8C-83A1-F6EECF244321}">
-                <p14:modId xmlns:p14="http://schemas.microsoft.com/office/powerpoint/2010/main" val="139346576"/>
+                <p14:modId xmlns:p14="http://schemas.microsoft.com/office/powerpoint/2010/main" val="1733964416"/>
               </p:ext>
             </p:extLst>
           </p:nvPr>
@@ -15016,25 +15575,18 @@
   <p:clrMapOvr>
     <a:masterClrMapping/>
   </p:clrMapOvr>
-  <mc:AlternateContent xmlns:mc="http://schemas.openxmlformats.org/markup-compatibility/2006">
-    <mc:Choice xmlns="" xmlns:p159="http://schemas.microsoft.com/office/powerpoint/2015/09/main" Requires="p159">
+  <mc:AlternateContent xmlns:mc="http://schemas.openxmlformats.org/markup-compatibility/2006" xmlns:p159="http://schemas.microsoft.com/office/powerpoint/2015/09/main">
+    <mc:Choice Requires="p159">
       <p:transition xmlns:p14="http://schemas.microsoft.com/office/powerpoint/2010/main" spd="slow" p14:dur="2000">
         <p159:morph option="byObject"/>
       </p:transition>
     </mc:Choice>
-    <mc:Fallback>
+    <mc:Fallback xmlns="">
       <p:transition spd="slow">
         <p:fade/>
       </p:transition>
     </mc:Fallback>
   </mc:AlternateContent>
-  <p:timing>
-    <p:tnLst>
-      <p:par>
-        <p:cTn id="1" dur="indefinite" restart="never" nodeType="tmRoot"/>
-      </p:par>
-    </p:tnLst>
-  </p:timing>
 </p:sld>
 </file>
 
@@ -15060,7 +15612,7 @@
           <p:cNvPr id="4" name="TextBox 3">
             <a:extLst>
               <a:ext uri="{FF2B5EF4-FFF2-40B4-BE49-F238E27FC236}">
-                <a16:creationId xmlns="" xmlns:a16="http://schemas.microsoft.com/office/drawing/2014/main" id="{67D24924-2FB1-4CF0-BEB5-0DFDD367E5E2}"/>
+                <a16:creationId xmlns:a16="http://schemas.microsoft.com/office/drawing/2014/main" id="{67D24924-2FB1-4CF0-BEB5-0DFDD367E5E2}"/>
               </a:ext>
             </a:extLst>
           </p:cNvPr>
@@ -15069,8 +15621,8 @@
         </p:nvSpPr>
         <p:spPr>
           <a:xfrm>
-            <a:off x="1055226" y="737886"/>
-            <a:ext cx="10081548" cy="5355312"/>
+            <a:off x="671805" y="634482"/>
+            <a:ext cx="10870162" cy="5509200"/>
           </a:xfrm>
           <a:prstGeom prst="rect">
             <a:avLst/>
@@ -15084,126 +15636,135 @@
           <a:lstStyle/>
           <a:p>
             <a:r>
-              <a:rPr lang="en-US" b="1" dirty="0"/>
+              <a:rPr lang="en-US" sz="1600" b="1" dirty="0"/>
               <a:t>4. Prepaid Meters</a:t>
             </a:r>
           </a:p>
           <a:p>
             <a:r>
-              <a:rPr lang="en-US" b="1" dirty="0"/>
+              <a:rPr lang="en-US" sz="1600" b="1" dirty="0"/>
               <a:t>Advantages:</a:t>
             </a:r>
           </a:p>
           <a:p>
             <a:pPr lvl="1"/>
             <a:r>
-              <a:rPr lang="en-US" b="1" dirty="0"/>
+              <a:rPr lang="en-US" sz="1600" b="1" dirty="0"/>
               <a:t>-Better control over energy consumption, as payment is made before use.</a:t>
             </a:r>
           </a:p>
           <a:p>
             <a:pPr lvl="1"/>
             <a:r>
-              <a:rPr lang="en-US" b="1" dirty="0"/>
+              <a:rPr lang="en-US" sz="1600" b="1" dirty="0"/>
               <a:t>-Avoids surprise bills.</a:t>
             </a:r>
           </a:p>
           <a:p>
             <a:pPr lvl="1"/>
             <a:r>
-              <a:rPr lang="en-US" b="1" dirty="0"/>
+              <a:rPr lang="en-US" sz="1600" b="1" dirty="0"/>
               <a:t>-Offers notifications when the balance is running low.</a:t>
             </a:r>
           </a:p>
           <a:p>
-            <a:r>
-              <a:rPr lang="en-US" b="1" dirty="0"/>
+            <a:endParaRPr lang="en-US" sz="1600" b="1" dirty="0"/>
+          </a:p>
+          <a:p>
+            <a:r>
+              <a:rPr lang="en-US" sz="1600" b="1" dirty="0"/>
               <a:t>Disadvantages:</a:t>
             </a:r>
           </a:p>
           <a:p>
             <a:pPr lvl="1"/>
             <a:r>
-              <a:rPr lang="en-US" b="1" dirty="0"/>
+              <a:rPr lang="en-US" sz="1600" b="1" dirty="0"/>
               <a:t>-Service can be interrupted if there isn’t enough balance.</a:t>
             </a:r>
           </a:p>
           <a:p>
             <a:pPr lvl="1"/>
             <a:r>
-              <a:rPr lang="en-US" b="1" dirty="0"/>
+              <a:rPr lang="en-US" sz="1600" b="1" dirty="0"/>
               <a:t>-Some users prefer to pay after consumption.</a:t>
             </a:r>
           </a:p>
           <a:p>
             <a:pPr lvl="1"/>
             <a:r>
-              <a:rPr lang="en-US" b="1" dirty="0"/>
+              <a:rPr lang="en-US" sz="1600" b="1" dirty="0"/>
               <a:t>-May require adjustment time to adapt to the prepaid system.</a:t>
             </a:r>
           </a:p>
           <a:p>
-            <a:r>
-              <a:rPr lang="en-US" b="1" dirty="0"/>
+            <a:endParaRPr lang="en-US" sz="1600" b="1" dirty="0"/>
+          </a:p>
+          <a:p>
+            <a:r>
+              <a:rPr lang="en-US" sz="1600" b="1" dirty="0"/>
               <a:t>5. Three-Phase Meters</a:t>
             </a:r>
           </a:p>
           <a:p>
             <a:r>
-              <a:rPr lang="en-US" b="1" dirty="0"/>
+              <a:rPr lang="en-US" sz="1600" b="1" dirty="0"/>
               <a:t>Advantages:</a:t>
             </a:r>
           </a:p>
           <a:p>
             <a:pPr lvl="1"/>
             <a:r>
-              <a:rPr lang="en-US" b="1" dirty="0"/>
+              <a:rPr lang="en-US" sz="1600" b="1" dirty="0"/>
               <a:t>-Suitable for industrial and commercial uses.</a:t>
             </a:r>
           </a:p>
           <a:p>
             <a:pPr lvl="1"/>
             <a:r>
-              <a:rPr lang="en-US" b="1" dirty="0"/>
+              <a:rPr lang="en-US" sz="1600" b="1" dirty="0"/>
               <a:t>-Provides precise data on consumption for each phase.</a:t>
             </a:r>
           </a:p>
           <a:p>
             <a:pPr lvl="1"/>
             <a:r>
-              <a:rPr lang="en-US" b="1" dirty="0"/>
+              <a:rPr lang="en-US" sz="1600" b="1" dirty="0"/>
               <a:t>-Helps in better load distribution.</a:t>
             </a:r>
           </a:p>
           <a:p>
-            <a:r>
-              <a:rPr lang="en-US" b="1" dirty="0"/>
+            <a:endParaRPr lang="en-US" sz="1600" b="1" dirty="0"/>
+          </a:p>
+          <a:p>
+            <a:r>
+              <a:rPr lang="en-US" sz="1600" b="1" dirty="0"/>
               <a:t>Disadvantages:</a:t>
             </a:r>
           </a:p>
           <a:p>
             <a:pPr lvl="1"/>
             <a:r>
-              <a:rPr lang="en-US" b="1" dirty="0"/>
+              <a:rPr lang="en-US" sz="1600" b="1" dirty="0"/>
               <a:t>-Higher cost than single-phase meters.</a:t>
             </a:r>
           </a:p>
           <a:p>
             <a:pPr lvl="1"/>
             <a:r>
-              <a:rPr lang="en-US" b="1" dirty="0"/>
+              <a:rPr lang="en-US" sz="1600" b="1" dirty="0"/>
               <a:t>-Requires complex installation and specialized maintenance.</a:t>
             </a:r>
           </a:p>
           <a:p>
             <a:pPr lvl="1"/>
             <a:r>
-              <a:rPr lang="en-US" b="1" dirty="0"/>
+              <a:rPr lang="en-US" sz="1600" b="1" dirty="0"/>
               <a:t>-May be unnecessary for household use.</a:t>
             </a:r>
           </a:p>
           <a:p>
-            <a:endParaRPr lang="en-US" dirty="0"/>
+            <a:endParaRPr lang="en-US" sz="1600" dirty="0"/>
           </a:p>
         </p:txBody>
       </p:sp>
@@ -15217,25 +15778,18 @@
   <p:clrMapOvr>
     <a:masterClrMapping/>
   </p:clrMapOvr>
-  <mc:AlternateContent xmlns:mc="http://schemas.openxmlformats.org/markup-compatibility/2006">
-    <mc:Choice xmlns="" xmlns:p159="http://schemas.microsoft.com/office/powerpoint/2015/09/main" Requires="p159">
+  <mc:AlternateContent xmlns:mc="http://schemas.openxmlformats.org/markup-compatibility/2006" xmlns:p159="http://schemas.microsoft.com/office/powerpoint/2015/09/main">
+    <mc:Choice Requires="p159">
       <p:transition xmlns:p14="http://schemas.microsoft.com/office/powerpoint/2010/main" spd="slow" p14:dur="2000">
         <p159:morph option="byObject"/>
       </p:transition>
     </mc:Choice>
-    <mc:Fallback>
+    <mc:Fallback xmlns="">
       <p:transition spd="slow">
         <p:fade/>
       </p:transition>
     </mc:Fallback>
   </mc:AlternateContent>
-  <p:timing>
-    <p:tnLst>
-      <p:par>
-        <p:cTn id="1" dur="indefinite" restart="never" nodeType="tmRoot"/>
-      </p:par>
-    </p:tnLst>
-  </p:timing>
 </p:sld>
 </file>
 
@@ -15261,7 +15815,7 @@
           <p:cNvPr id="2" name="Title 1">
             <a:extLst>
               <a:ext uri="{FF2B5EF4-FFF2-40B4-BE49-F238E27FC236}">
-                <a16:creationId xmlns="" xmlns:a16="http://schemas.microsoft.com/office/drawing/2014/main" id="{42620F4D-4631-4A48-8ADE-631515C31238}"/>
+                <a16:creationId xmlns:a16="http://schemas.microsoft.com/office/drawing/2014/main" id="{42620F4D-4631-4A48-8ADE-631515C31238}"/>
               </a:ext>
             </a:extLst>
           </p:cNvPr>
@@ -15300,7 +15854,7 @@
           <p:cNvPr id="3" name="Content Placeholder 2">
             <a:extLst>
               <a:ext uri="{FF2B5EF4-FFF2-40B4-BE49-F238E27FC236}">
-                <a16:creationId xmlns="" xmlns:a16="http://schemas.microsoft.com/office/drawing/2014/main" id="{F2B0F139-C889-4FD7-BB28-66C4ECEA478C}"/>
+                <a16:creationId xmlns:a16="http://schemas.microsoft.com/office/drawing/2014/main" id="{F2B0F139-C889-4FD7-BB28-66C4ECEA478C}"/>
               </a:ext>
             </a:extLst>
           </p:cNvPr>
@@ -15332,39 +15886,7 @@
                   <a:schemeClr val="tx1"/>
                 </a:solidFill>
               </a:rPr>
-              <a:t>1. </a:t>
-            </a:r>
-            <a:r>
-              <a:rPr lang="en-US" b="1" dirty="0" err="1">
-                <a:solidFill>
-                  <a:schemeClr val="tx1"/>
-                </a:solidFill>
-              </a:rPr>
-              <a:t>Kahraba</a:t>
-            </a:r>
-            <a:r>
-              <a:rPr lang="en-US" b="1" dirty="0">
-                <a:solidFill>
-                  <a:schemeClr val="tx1"/>
-                </a:solidFill>
-              </a:rPr>
-              <a:t> Meter Company (</a:t>
-            </a:r>
-            <a:r>
-              <a:rPr lang="en-US" b="1" dirty="0" err="1">
-                <a:solidFill>
-                  <a:schemeClr val="tx1"/>
-                </a:solidFill>
-              </a:rPr>
-              <a:t>Kahromieter</a:t>
-            </a:r>
-            <a:r>
-              <a:rPr lang="en-US" b="1" dirty="0">
-                <a:solidFill>
-                  <a:schemeClr val="tx1"/>
-                </a:solidFill>
-              </a:rPr>
-              <a:t>)</a:t>
+              <a:t>1. Kahraba Meter Company (Kahromieter)</a:t>
             </a:r>
           </a:p>
           <a:p>
@@ -15463,21 +15985,8 @@
                   <a:schemeClr val="tx1"/>
                 </a:solidFill>
               </a:rPr>
-              <a:t>4. </a:t>
-            </a:r>
-            <a:r>
-              <a:rPr lang="en-US" b="1" dirty="0" err="1">
-                <a:solidFill>
-                  <a:schemeClr val="tx1"/>
-                </a:solidFill>
-              </a:rPr>
-              <a:t>Energia</a:t>
-            </a:r>
-            <a:endParaRPr lang="en-US" b="1" dirty="0">
-              <a:solidFill>
-                <a:schemeClr val="tx1"/>
-              </a:solidFill>
-            </a:endParaRPr>
+              <a:t>4. Energia</a:t>
+            </a:r>
           </a:p>
           <a:p>
             <a:r>
@@ -15561,25 +16070,18 @@
   <p:clrMapOvr>
     <a:masterClrMapping/>
   </p:clrMapOvr>
-  <mc:AlternateContent xmlns:mc="http://schemas.openxmlformats.org/markup-compatibility/2006">
-    <mc:Choice xmlns="" xmlns:p159="http://schemas.microsoft.com/office/powerpoint/2015/09/main" Requires="p159">
+  <mc:AlternateContent xmlns:mc="http://schemas.openxmlformats.org/markup-compatibility/2006" xmlns:p159="http://schemas.microsoft.com/office/powerpoint/2015/09/main">
+    <mc:Choice Requires="p159">
       <p:transition xmlns:p14="http://schemas.microsoft.com/office/powerpoint/2010/main" spd="slow" p14:dur="2000">
         <p159:morph option="byObject"/>
       </p:transition>
     </mc:Choice>
-    <mc:Fallback>
+    <mc:Fallback xmlns="">
       <p:transition spd="slow">
         <p:fade/>
       </p:transition>
     </mc:Fallback>
   </mc:AlternateContent>
-  <p:timing>
-    <p:tnLst>
-      <p:par>
-        <p:cTn id="1" dur="indefinite" restart="never" nodeType="tmRoot"/>
-      </p:par>
-    </p:tnLst>
-  </p:timing>
 </p:sld>
 </file>
 
